--- a/input/images/GFE_Bundle.pptx
+++ b/input/images/GFE_Bundle.pptx
@@ -3776,7 +3776,7 @@
         </p:nvSpPr>
         <p:spPr>
           <a:xfrm>
-            <a:off x="655004" y="170778"/>
+            <a:off x="276644" y="170778"/>
             <a:ext cx="5548889" cy="6570617"/>
           </a:xfrm>
           <a:prstGeom prst="flowChartAlternateProcess">
@@ -3828,7 +3828,7 @@
         </p:nvSpPr>
         <p:spPr>
           <a:xfrm>
-            <a:off x="2535012" y="109044"/>
+            <a:off x="2156652" y="109044"/>
             <a:ext cx="2149014" cy="461665"/>
           </a:xfrm>
           <a:prstGeom prst="rect">
@@ -3863,7 +3863,7 @@
         </p:nvSpPr>
         <p:spPr>
           <a:xfrm>
-            <a:off x="961701" y="493681"/>
+            <a:off x="583341" y="493681"/>
             <a:ext cx="4967392" cy="5830574"/>
           </a:xfrm>
           <a:prstGeom prst="flowChartAlternateProcess">
@@ -3909,7 +3909,7 @@
         </p:nvSpPr>
         <p:spPr>
           <a:xfrm>
-            <a:off x="1820443" y="599816"/>
+            <a:off x="1442083" y="599816"/>
             <a:ext cx="3135906" cy="307777"/>
           </a:xfrm>
           <a:prstGeom prst="rect">
@@ -3949,7 +3949,7 @@
         </p:nvSpPr>
         <p:spPr>
           <a:xfrm>
-            <a:off x="1135363" y="1415806"/>
+            <a:off x="757003" y="1415806"/>
             <a:ext cx="1501553" cy="421278"/>
           </a:xfrm>
           <a:prstGeom prst="flowChartAlternateProcess">
@@ -4003,7 +4003,7 @@
         </p:nvSpPr>
         <p:spPr>
           <a:xfrm>
-            <a:off x="2719996" y="1413617"/>
+            <a:off x="2341636" y="1413617"/>
             <a:ext cx="1477904" cy="421278"/>
           </a:xfrm>
           <a:prstGeom prst="flowChartAlternateProcess">
@@ -4057,7 +4057,7 @@
         </p:nvSpPr>
         <p:spPr>
           <a:xfrm>
-            <a:off x="1136651" y="1870926"/>
+            <a:off x="758291" y="1870926"/>
             <a:ext cx="1501553" cy="421278"/>
           </a:xfrm>
           <a:prstGeom prst="flowChartAlternateProcess">
@@ -4111,7 +4111,7 @@
         </p:nvSpPr>
         <p:spPr>
           <a:xfrm>
-            <a:off x="4272363" y="1389776"/>
+            <a:off x="3894003" y="1389776"/>
             <a:ext cx="1477904" cy="453006"/>
           </a:xfrm>
           <a:prstGeom prst="flowChartAlternateProcess">
@@ -4165,7 +4165,7 @@
         </p:nvSpPr>
         <p:spPr>
           <a:xfrm>
-            <a:off x="2719996" y="1874609"/>
+            <a:off x="2341636" y="1874609"/>
             <a:ext cx="1476834" cy="421279"/>
           </a:xfrm>
           <a:prstGeom prst="flowChartAlternateProcess">
@@ -4219,7 +4219,7 @@
         </p:nvSpPr>
         <p:spPr>
           <a:xfrm>
-            <a:off x="4272363" y="1879305"/>
+            <a:off x="3894003" y="1879305"/>
             <a:ext cx="1476834" cy="431075"/>
           </a:xfrm>
           <a:prstGeom prst="flowChartAlternateProcess">
@@ -4273,7 +4273,7 @@
         </p:nvSpPr>
         <p:spPr>
           <a:xfrm>
-            <a:off x="2719996" y="2331203"/>
+            <a:off x="2341636" y="2331203"/>
             <a:ext cx="1477904" cy="456351"/>
           </a:xfrm>
           <a:prstGeom prst="flowChartAlternateProcess">
@@ -4327,7 +4327,7 @@
         </p:nvSpPr>
         <p:spPr>
           <a:xfrm>
-            <a:off x="1135363" y="2830110"/>
+            <a:off x="757003" y="2830110"/>
             <a:ext cx="2266594" cy="3336699"/>
           </a:xfrm>
           <a:prstGeom prst="flowChartAlternateProcess">
@@ -4473,7 +4473,7 @@
         </p:nvSpPr>
         <p:spPr>
           <a:xfrm>
-            <a:off x="3500429" y="2830110"/>
+            <a:off x="3122069" y="2830110"/>
             <a:ext cx="2221102" cy="3315425"/>
           </a:xfrm>
           <a:prstGeom prst="flowChartAlternateProcess">
@@ -4507,16 +4507,12 @@
           <a:lstStyle/>
           <a:p>
             <a:r>
-              <a:rPr lang="en-US" sz="900" dirty="0">
-                <a:latin typeface="Avenir Book" panose="02000503020000020003" pitchFamily="2" charset="0"/>
-              </a:rPr>
+              <a:rPr lang="en-US" sz="1000" dirty="0"/>
               <a:t>Slices for:</a:t>
             </a:r>
           </a:p>
           <a:p>
-            <a:endParaRPr lang="en-US" sz="900" dirty="0">
-              <a:latin typeface="Avenir Book" panose="02000503020000020003" pitchFamily="2" charset="0"/>
-            </a:endParaRPr>
+            <a:endParaRPr lang="en-US" sz="1000" dirty="0"/>
           </a:p>
           <a:p>
             <a:pPr marL="171450" indent="-171450">
@@ -4524,9 +4520,7 @@
               <a:buChar char="•"/>
             </a:pPr>
             <a:r>
-              <a:rPr lang="en-US" sz="900" dirty="0">
-                <a:latin typeface="Avenir Book" panose="02000503020000020003" pitchFamily="2" charset="0"/>
-              </a:rPr>
+              <a:rPr lang="en-US" sz="1000" dirty="0"/>
               <a:t>The element Claim.careTeam is sliced based on the value of pattern:role</a:t>
             </a:r>
           </a:p>
@@ -4535,9 +4529,10 @@
               <a:buFont typeface="Arial" panose="020B0604020202020204" pitchFamily="34" charset="0"/>
               <a:buChar char="•"/>
             </a:pPr>
-            <a:endParaRPr lang="en-US" sz="900" dirty="0">
-              <a:latin typeface="Avenir Book" panose="02000503020000020003" pitchFamily="2" charset="0"/>
-            </a:endParaRPr>
+            <a:r>
+              <a:rPr lang="en-US" sz="1000" dirty="0"/>
+              <a:t>The element Claim.supportingInfo is sliced based on the value of pattern:category</a:t>
+            </a:r>
           </a:p>
           <a:p>
             <a:pPr marL="171450" indent="-171450">
@@ -4545,10 +4540,8 @@
               <a:buChar char="•"/>
             </a:pPr>
             <a:r>
-              <a:rPr lang="en-US" sz="900" dirty="0">
-                <a:latin typeface="Avenir Book" panose="02000503020000020003" pitchFamily="2" charset="0"/>
-              </a:rPr>
-              <a:t>The element Claim.supportingInfo is sliced based on the value of pattern:category</a:t>
+              <a:rPr lang="en-US" sz="1000" dirty="0"/>
+              <a:t>The element Claim.diagnosis is sliced based on the value of pattern:type</a:t>
             </a:r>
           </a:p>
           <a:p>
@@ -4556,9 +4549,10 @@
               <a:buFont typeface="Arial" panose="020B0604020202020204" pitchFamily="34" charset="0"/>
               <a:buChar char="•"/>
             </a:pPr>
-            <a:endParaRPr lang="en-US" sz="900" dirty="0">
-              <a:latin typeface="Avenir Book" panose="02000503020000020003" pitchFamily="2" charset="0"/>
-            </a:endParaRPr>
+            <a:r>
+              <a:rPr lang="en-US" sz="1000" dirty="0"/>
+              <a:t>The element Claim.procedure is sliced based on the value of pattern:type</a:t>
+            </a:r>
           </a:p>
           <a:p>
             <a:pPr marL="171450" indent="-171450">
@@ -4566,51 +4560,7 @@
               <a:buChar char="•"/>
             </a:pPr>
             <a:r>
-              <a:rPr lang="en-US" sz="900" dirty="0">
-                <a:latin typeface="Avenir Book" panose="02000503020000020003" pitchFamily="2" charset="0"/>
-              </a:rPr>
-              <a:t>The element Claim.diagnosis is sliced based on the value of pattern:type</a:t>
-            </a:r>
-          </a:p>
-          <a:p>
-            <a:pPr marL="171450" indent="-171450">
-              <a:buFont typeface="Arial" panose="020B0604020202020204" pitchFamily="34" charset="0"/>
-              <a:buChar char="•"/>
-            </a:pPr>
-            <a:endParaRPr lang="en-US" sz="900" dirty="0">
-              <a:latin typeface="Avenir Book" panose="02000503020000020003" pitchFamily="2" charset="0"/>
-            </a:endParaRPr>
-          </a:p>
-          <a:p>
-            <a:pPr marL="171450" indent="-171450">
-              <a:buFont typeface="Arial" panose="020B0604020202020204" pitchFamily="34" charset="0"/>
-              <a:buChar char="•"/>
-            </a:pPr>
-            <a:r>
-              <a:rPr lang="en-US" sz="900" dirty="0">
-                <a:latin typeface="Avenir Book" panose="02000503020000020003" pitchFamily="2" charset="0"/>
-              </a:rPr>
-              <a:t>The element Claim.procedure is sliced based on the value of pattern:type</a:t>
-            </a:r>
-          </a:p>
-          <a:p>
-            <a:pPr marL="171450" indent="-171450">
-              <a:buFont typeface="Arial" panose="020B0604020202020204" pitchFamily="34" charset="0"/>
-              <a:buChar char="•"/>
-            </a:pPr>
-            <a:endParaRPr lang="en-US" sz="900" dirty="0">
-              <a:latin typeface="Avenir Book" panose="02000503020000020003" pitchFamily="2" charset="0"/>
-            </a:endParaRPr>
-          </a:p>
-          <a:p>
-            <a:pPr marL="171450" indent="-171450">
-              <a:buFont typeface="Arial" panose="020B0604020202020204" pitchFamily="34" charset="0"/>
-              <a:buChar char="•"/>
-            </a:pPr>
-            <a:r>
-              <a:rPr lang="en-US" sz="900" dirty="0">
-                <a:latin typeface="Avenir Book" panose="02000503020000020003" pitchFamily="2" charset="0"/>
-              </a:rPr>
+              <a:rPr lang="en-US" sz="1000" dirty="0"/>
               <a:t>The element Claim.item.location[x] is sliced based on the value of type:$this</a:t>
             </a:r>
           </a:p>
@@ -4630,7 +4580,7 @@
         </p:nvSpPr>
         <p:spPr>
           <a:xfrm>
-            <a:off x="2277845" y="850835"/>
+            <a:off x="1899485" y="850835"/>
             <a:ext cx="2221102" cy="523220"/>
           </a:xfrm>
           <a:prstGeom prst="rect">
@@ -4674,7 +4624,7 @@
         </p:nvSpPr>
         <p:spPr>
           <a:xfrm>
-            <a:off x="2784444" y="6371832"/>
+            <a:off x="2406084" y="6371832"/>
             <a:ext cx="1321906" cy="276999"/>
           </a:xfrm>
           <a:prstGeom prst="rect">
@@ -4709,7 +4659,7 @@
         </p:nvSpPr>
         <p:spPr>
           <a:xfrm>
-            <a:off x="6395146" y="143691"/>
+            <a:off x="6016786" y="143691"/>
             <a:ext cx="5548889" cy="6570617"/>
           </a:xfrm>
           <a:prstGeom prst="flowChartAlternateProcess">
@@ -4761,7 +4711,7 @@
         </p:nvSpPr>
         <p:spPr>
           <a:xfrm>
-            <a:off x="6701843" y="472407"/>
+            <a:off x="6323483" y="472407"/>
             <a:ext cx="4967392" cy="5830574"/>
           </a:xfrm>
           <a:prstGeom prst="flowChartAlternateProcess">
@@ -4807,7 +4757,7 @@
         </p:nvSpPr>
         <p:spPr>
           <a:xfrm>
-            <a:off x="7531685" y="568800"/>
+            <a:off x="7153325" y="568800"/>
             <a:ext cx="3193705" cy="307777"/>
           </a:xfrm>
           <a:prstGeom prst="rect">
@@ -4847,7 +4797,7 @@
         </p:nvSpPr>
         <p:spPr>
           <a:xfrm>
-            <a:off x="6875505" y="1394532"/>
+            <a:off x="6497145" y="1394532"/>
             <a:ext cx="1501553" cy="421278"/>
           </a:xfrm>
           <a:prstGeom prst="flowChartAlternateProcess">
@@ -4901,7 +4851,7 @@
         </p:nvSpPr>
         <p:spPr>
           <a:xfrm>
-            <a:off x="8460138" y="1392343"/>
+            <a:off x="8081778" y="1392343"/>
             <a:ext cx="1477904" cy="421278"/>
           </a:xfrm>
           <a:prstGeom prst="flowChartAlternateProcess">
@@ -4955,7 +4905,7 @@
         </p:nvSpPr>
         <p:spPr>
           <a:xfrm>
-            <a:off x="10012505" y="1368502"/>
+            <a:off x="9634145" y="1368502"/>
             <a:ext cx="1477904" cy="453006"/>
           </a:xfrm>
           <a:prstGeom prst="flowChartAlternateProcess">
@@ -5009,7 +4959,7 @@
         </p:nvSpPr>
         <p:spPr>
           <a:xfrm>
-            <a:off x="8459068" y="1853335"/>
+            <a:off x="8080708" y="1853335"/>
             <a:ext cx="1477904" cy="456351"/>
           </a:xfrm>
           <a:prstGeom prst="flowChartAlternateProcess">
@@ -5063,7 +5013,7 @@
         </p:nvSpPr>
         <p:spPr>
           <a:xfrm>
-            <a:off x="10012505" y="1858031"/>
+            <a:off x="9634145" y="1858031"/>
             <a:ext cx="1476834" cy="431075"/>
           </a:xfrm>
           <a:prstGeom prst="flowChartAlternateProcess">
@@ -5117,7 +5067,7 @@
         </p:nvSpPr>
         <p:spPr>
           <a:xfrm>
-            <a:off x="6892999" y="1854029"/>
+            <a:off x="6514639" y="1854029"/>
             <a:ext cx="1477904" cy="456351"/>
           </a:xfrm>
           <a:prstGeom prst="flowChartAlternateProcess">
@@ -5171,7 +5121,7 @@
         </p:nvSpPr>
         <p:spPr>
           <a:xfrm>
-            <a:off x="6875504" y="2808836"/>
+            <a:off x="6497144" y="2808836"/>
             <a:ext cx="2320747" cy="3336699"/>
           </a:xfrm>
           <a:prstGeom prst="flowChartAlternateProcess">
@@ -5317,7 +5267,7 @@
         </p:nvSpPr>
         <p:spPr>
           <a:xfrm>
-            <a:off x="9313817" y="2808836"/>
+            <a:off x="8935457" y="2808836"/>
             <a:ext cx="2147856" cy="3336699"/>
           </a:xfrm>
           <a:prstGeom prst="flowChartAlternateProcess">
@@ -5435,7 +5385,7 @@
         </p:nvSpPr>
         <p:spPr>
           <a:xfrm>
-            <a:off x="8017987" y="829561"/>
+            <a:off x="7639627" y="829561"/>
             <a:ext cx="2221102" cy="523220"/>
           </a:xfrm>
           <a:prstGeom prst="rect">
@@ -5479,7 +5429,7 @@
         </p:nvSpPr>
         <p:spPr>
           <a:xfrm>
-            <a:off x="8524586" y="6350558"/>
+            <a:off x="8146226" y="6350558"/>
             <a:ext cx="1321906" cy="276999"/>
           </a:xfrm>
           <a:prstGeom prst="rect">

--- a/input/images/GFE_Bundle.pptx
+++ b/input/images/GFE_Bundle.pptx
@@ -197,7 +197,7 @@
           <a:p>
             <a:fld id="{A2C95764-E0FA-0A43-A86C-F3BAB03EE38B}" type="datetimeFigureOut">
               <a:rPr lang="en-US" smtClean="0"/>
-              <a:t>11/16/21</a:t>
+              <a:t>12/1/21</a:t>
             </a:fld>
             <a:endParaRPr lang="en-US"/>
           </a:p>
@@ -695,7 +695,7 @@
           <a:p>
             <a:fld id="{18271F4C-9DA1-544F-94AC-914D946BC5DE}" type="datetimeFigureOut">
               <a:rPr lang="en-US" smtClean="0"/>
-              <a:t>11/16/21</a:t>
+              <a:t>12/1/21</a:t>
             </a:fld>
             <a:endParaRPr lang="en-US"/>
           </a:p>
@@ -893,7 +893,7 @@
           <a:p>
             <a:fld id="{18271F4C-9DA1-544F-94AC-914D946BC5DE}" type="datetimeFigureOut">
               <a:rPr lang="en-US" smtClean="0"/>
-              <a:t>11/16/21</a:t>
+              <a:t>12/1/21</a:t>
             </a:fld>
             <a:endParaRPr lang="en-US"/>
           </a:p>
@@ -1101,7 +1101,7 @@
           <a:p>
             <a:fld id="{18271F4C-9DA1-544F-94AC-914D946BC5DE}" type="datetimeFigureOut">
               <a:rPr lang="en-US" smtClean="0"/>
-              <a:t>11/16/21</a:t>
+              <a:t>12/1/21</a:t>
             </a:fld>
             <a:endParaRPr lang="en-US"/>
           </a:p>
@@ -1299,7 +1299,7 @@
           <a:p>
             <a:fld id="{18271F4C-9DA1-544F-94AC-914D946BC5DE}" type="datetimeFigureOut">
               <a:rPr lang="en-US" smtClean="0"/>
-              <a:t>11/16/21</a:t>
+              <a:t>12/1/21</a:t>
             </a:fld>
             <a:endParaRPr lang="en-US"/>
           </a:p>
@@ -1574,7 +1574,7 @@
           <a:p>
             <a:fld id="{18271F4C-9DA1-544F-94AC-914D946BC5DE}" type="datetimeFigureOut">
               <a:rPr lang="en-US" smtClean="0"/>
-              <a:t>11/16/21</a:t>
+              <a:t>12/1/21</a:t>
             </a:fld>
             <a:endParaRPr lang="en-US"/>
           </a:p>
@@ -1839,7 +1839,7 @@
           <a:p>
             <a:fld id="{18271F4C-9DA1-544F-94AC-914D946BC5DE}" type="datetimeFigureOut">
               <a:rPr lang="en-US" smtClean="0"/>
-              <a:t>11/16/21</a:t>
+              <a:t>12/1/21</a:t>
             </a:fld>
             <a:endParaRPr lang="en-US"/>
           </a:p>
@@ -2251,7 +2251,7 @@
           <a:p>
             <a:fld id="{18271F4C-9DA1-544F-94AC-914D946BC5DE}" type="datetimeFigureOut">
               <a:rPr lang="en-US" smtClean="0"/>
-              <a:t>11/16/21</a:t>
+              <a:t>12/1/21</a:t>
             </a:fld>
             <a:endParaRPr lang="en-US"/>
           </a:p>
@@ -2392,7 +2392,7 @@
           <a:p>
             <a:fld id="{18271F4C-9DA1-544F-94AC-914D946BC5DE}" type="datetimeFigureOut">
               <a:rPr lang="en-US" smtClean="0"/>
-              <a:t>11/16/21</a:t>
+              <a:t>12/1/21</a:t>
             </a:fld>
             <a:endParaRPr lang="en-US"/>
           </a:p>
@@ -2505,7 +2505,7 @@
           <a:p>
             <a:fld id="{18271F4C-9DA1-544F-94AC-914D946BC5DE}" type="datetimeFigureOut">
               <a:rPr lang="en-US" smtClean="0"/>
-              <a:t>11/16/21</a:t>
+              <a:t>12/1/21</a:t>
             </a:fld>
             <a:endParaRPr lang="en-US"/>
           </a:p>
@@ -2816,7 +2816,7 @@
           <a:p>
             <a:fld id="{18271F4C-9DA1-544F-94AC-914D946BC5DE}" type="datetimeFigureOut">
               <a:rPr lang="en-US" smtClean="0"/>
-              <a:t>11/16/21</a:t>
+              <a:t>12/1/21</a:t>
             </a:fld>
             <a:endParaRPr lang="en-US"/>
           </a:p>
@@ -3104,7 +3104,7 @@
           <a:p>
             <a:fld id="{18271F4C-9DA1-544F-94AC-914D946BC5DE}" type="datetimeFigureOut">
               <a:rPr lang="en-US" smtClean="0"/>
-              <a:t>11/16/21</a:t>
+              <a:t>12/1/21</a:t>
             </a:fld>
             <a:endParaRPr lang="en-US"/>
           </a:p>
@@ -3345,7 +3345,7 @@
           <a:p>
             <a:fld id="{18271F4C-9DA1-544F-94AC-914D946BC5DE}" type="datetimeFigureOut">
               <a:rPr lang="en-US" smtClean="0"/>
-              <a:t>11/16/21</a:t>
+              <a:t>12/1/21</a:t>
             </a:fld>
             <a:endParaRPr lang="en-US"/>
           </a:p>
@@ -4368,93 +4368,93 @@
             <a:endParaRPr lang="en-US" sz="1200" dirty="0"/>
           </a:p>
           <a:p>
-            <a:pPr marL="171450" indent="-171450">
+            <a:pPr marL="171450" lvl="0" indent="-171450">
               <a:buFont typeface="Arial" panose="020B0604020202020204" pitchFamily="34" charset="0"/>
               <a:buChar char="•"/>
             </a:pPr>
             <a:r>
               <a:rPr lang="en-US" sz="1200" dirty="0"/>
-              <a:t>Submitter </a:t>
-            </a:r>
-          </a:p>
-          <a:p>
-            <a:pPr marL="171450" indent="-171450">
+              <a:t>Submitter</a:t>
+            </a:r>
+          </a:p>
+          <a:p>
+            <a:pPr marL="171450" lvl="0" indent="-171450">
               <a:buFont typeface="Arial" panose="020B0604020202020204" pitchFamily="34" charset="0"/>
               <a:buChar char="•"/>
             </a:pPr>
             <a:r>
               <a:rPr lang="en-US" sz="1200" dirty="0"/>
-              <a:t>Provider Assigned Identifier </a:t>
-            </a:r>
-          </a:p>
-          <a:p>
-            <a:pPr marL="171450" indent="-171450">
+              <a:t>Provider Assigned Identifier</a:t>
+            </a:r>
+          </a:p>
+          <a:p>
+            <a:pPr marL="171450" lvl="0" indent="-171450">
               <a:buFont typeface="Arial" panose="020B0604020202020204" pitchFamily="34" charset="0"/>
               <a:buChar char="•"/>
             </a:pPr>
             <a:r>
               <a:rPr lang="en-US" sz="1200" dirty="0"/>
-              <a:t>Planned Period of Service </a:t>
-            </a:r>
-          </a:p>
-          <a:p>
-            <a:pPr marL="171450" indent="-171450">
+              <a:t>Service Linking Info</a:t>
+            </a:r>
+          </a:p>
+          <a:p>
+            <a:pPr marL="171450" lvl="0" indent="-171450">
               <a:buFont typeface="Arial" panose="020B0604020202020204" pitchFamily="34" charset="0"/>
               <a:buChar char="•"/>
             </a:pPr>
             <a:r>
               <a:rPr lang="en-US" sz="1200" dirty="0"/>
-              <a:t>Referral Number </a:t>
-            </a:r>
-          </a:p>
-          <a:p>
-            <a:pPr marL="171450" indent="-171450">
+              <a:t>Provider Event Methodology</a:t>
+            </a:r>
+          </a:p>
+          <a:p>
+            <a:pPr marL="171450" lvl="0" indent="-171450">
               <a:buFont typeface="Arial" panose="020B0604020202020204" pitchFamily="34" charset="0"/>
               <a:buChar char="•"/>
             </a:pPr>
             <a:r>
               <a:rPr lang="en-US" sz="1200" dirty="0"/>
-              <a:t>Provider Event Methodology </a:t>
-            </a:r>
-          </a:p>
-          <a:p>
-            <a:pPr marL="171450" indent="-171450">
+              <a:t>Inter Trans Identifier</a:t>
+            </a:r>
+          </a:p>
+          <a:p>
+            <a:pPr marL="171450" lvl="0" indent="-171450">
               <a:buFont typeface="Arial" panose="020B0604020202020204" pitchFamily="34" charset="0"/>
               <a:buChar char="•"/>
             </a:pPr>
             <a:r>
               <a:rPr lang="en-US" sz="1200" dirty="0"/>
-              <a:t>InterTransIdentifier</a:t>
-            </a:r>
-          </a:p>
-          <a:p>
-            <a:pPr marL="171450" indent="-171450">
+              <a:t>Referral Number</a:t>
+            </a:r>
+          </a:p>
+          <a:p>
+            <a:pPr marL="171450" lvl="0" indent="-171450">
               <a:buFont typeface="Arial" panose="020B0604020202020204" pitchFamily="34" charset="0"/>
               <a:buChar char="•"/>
             </a:pPr>
             <a:r>
               <a:rPr lang="en-US" sz="1200" dirty="0"/>
-              <a:t>Estimated Date of Service</a:t>
-            </a:r>
-          </a:p>
-          <a:p>
-            <a:pPr marL="171450" indent="-171450">
+              <a:t>Estimated Date Of Service</a:t>
+            </a:r>
+          </a:p>
+          <a:p>
+            <a:pPr marL="171450" lvl="0" indent="-171450">
               <a:buFont typeface="Arial" panose="020B0604020202020204" pitchFamily="34" charset="0"/>
               <a:buChar char="•"/>
             </a:pPr>
             <a:r>
               <a:rPr lang="en-US" sz="1200" dirty="0"/>
-              <a:t>Billing Provider Line-Item Control Number</a:t>
-            </a:r>
-          </a:p>
-          <a:p>
-            <a:pPr marL="171450" indent="-171450">
+              <a:t>Billing Provider Line-Item Ctrl Num</a:t>
+            </a:r>
+          </a:p>
+          <a:p>
+            <a:pPr marL="171450" lvl="0" indent="-171450">
               <a:buFont typeface="Arial" panose="020B0604020202020204" pitchFamily="34" charset="0"/>
               <a:buChar char="•"/>
             </a:pPr>
             <a:r>
               <a:rPr lang="en-US" sz="1200" dirty="0"/>
-              <a:t>Compound Drug Linking Number</a:t>
+              <a:t>Compound Drug Linking Num</a:t>
             </a:r>
           </a:p>
         </p:txBody>
@@ -4605,7 +4605,7 @@
             </a:br>
             <a:r>
               <a:rPr lang="en-US" sz="1400" dirty="0"/>
-              <a:t>Must-Support: 46 elements</a:t>
+              <a:t>Must-Support: 47 elements</a:t>
             </a:r>
           </a:p>
         </p:txBody>
@@ -5067,7 +5067,7 @@
         </p:nvSpPr>
         <p:spPr>
           <a:xfrm>
-            <a:off x="6514639" y="1854029"/>
+            <a:off x="8080708" y="2340109"/>
             <a:ext cx="1477904" cy="456351"/>
           </a:xfrm>
           <a:prstGeom prst="flowChartAlternateProcess">
@@ -5162,93 +5162,93 @@
             <a:endParaRPr lang="en-US" sz="1200" dirty="0"/>
           </a:p>
           <a:p>
-            <a:pPr marL="171450" indent="-171450">
+            <a:pPr marL="171450" lvl="0" indent="-171450">
               <a:buFont typeface="Arial" panose="020B0604020202020204" pitchFamily="34" charset="0"/>
               <a:buChar char="•"/>
             </a:pPr>
             <a:r>
               <a:rPr lang="en-US" sz="1200" dirty="0"/>
-              <a:t>Submitter </a:t>
-            </a:r>
-          </a:p>
-          <a:p>
-            <a:pPr marL="171450" indent="-171450">
+              <a:t>Submitter</a:t>
+            </a:r>
+          </a:p>
+          <a:p>
+            <a:pPr marL="171450" lvl="0" indent="-171450">
               <a:buFont typeface="Arial" panose="020B0604020202020204" pitchFamily="34" charset="0"/>
               <a:buChar char="•"/>
             </a:pPr>
             <a:r>
               <a:rPr lang="en-US" sz="1200" dirty="0"/>
-              <a:t>Provider Assigned Identifier </a:t>
-            </a:r>
-          </a:p>
-          <a:p>
-            <a:pPr marL="171450" indent="-171450">
+              <a:t>Provider Assigned Identifier</a:t>
+            </a:r>
+          </a:p>
+          <a:p>
+            <a:pPr marL="171450" lvl="0" indent="-171450">
               <a:buFont typeface="Arial" panose="020B0604020202020204" pitchFamily="34" charset="0"/>
               <a:buChar char="•"/>
             </a:pPr>
             <a:r>
               <a:rPr lang="en-US" sz="1200" dirty="0"/>
-              <a:t>Planned Period of Service </a:t>
-            </a:r>
-          </a:p>
-          <a:p>
-            <a:pPr marL="171450" indent="-171450">
+              <a:t>Service Linking Info</a:t>
+            </a:r>
+          </a:p>
+          <a:p>
+            <a:pPr marL="171450" lvl="0" indent="-171450">
               <a:buFont typeface="Arial" panose="020B0604020202020204" pitchFamily="34" charset="0"/>
               <a:buChar char="•"/>
             </a:pPr>
             <a:r>
               <a:rPr lang="en-US" sz="1200" dirty="0"/>
-              <a:t>Referral Number </a:t>
-            </a:r>
-          </a:p>
-          <a:p>
-            <a:pPr marL="171450" indent="-171450">
+              <a:t>Provider Event Methodology</a:t>
+            </a:r>
+          </a:p>
+          <a:p>
+            <a:pPr marL="171450" lvl="0" indent="-171450">
               <a:buFont typeface="Arial" panose="020B0604020202020204" pitchFamily="34" charset="0"/>
               <a:buChar char="•"/>
             </a:pPr>
             <a:r>
               <a:rPr lang="en-US" sz="1200" dirty="0"/>
-              <a:t>Provider Event Methodology </a:t>
-            </a:r>
-          </a:p>
-          <a:p>
-            <a:pPr marL="171450" indent="-171450">
+              <a:t>Inter Trans Identifier</a:t>
+            </a:r>
+          </a:p>
+          <a:p>
+            <a:pPr marL="171450" lvl="0" indent="-171450">
               <a:buFont typeface="Arial" panose="020B0604020202020204" pitchFamily="34" charset="0"/>
               <a:buChar char="•"/>
             </a:pPr>
             <a:r>
               <a:rPr lang="en-US" sz="1200" dirty="0"/>
-              <a:t>InterTransIdentifier</a:t>
-            </a:r>
-          </a:p>
-          <a:p>
-            <a:pPr marL="171450" indent="-171450">
+              <a:t>Referral Number</a:t>
+            </a:r>
+          </a:p>
+          <a:p>
+            <a:pPr marL="171450" lvl="0" indent="-171450">
               <a:buFont typeface="Arial" panose="020B0604020202020204" pitchFamily="34" charset="0"/>
               <a:buChar char="•"/>
             </a:pPr>
             <a:r>
               <a:rPr lang="en-US" sz="1200" dirty="0"/>
-              <a:t>Estimated Date of Service</a:t>
-            </a:r>
-          </a:p>
-          <a:p>
-            <a:pPr marL="171450" indent="-171450">
+              <a:t>Estimated Date Of Service</a:t>
+            </a:r>
+          </a:p>
+          <a:p>
+            <a:pPr marL="171450" lvl="0" indent="-171450">
               <a:buFont typeface="Arial" panose="020B0604020202020204" pitchFamily="34" charset="0"/>
               <a:buChar char="•"/>
             </a:pPr>
             <a:r>
               <a:rPr lang="en-US" sz="1200" dirty="0"/>
-              <a:t>Billing Provider Line-Item Control Number</a:t>
-            </a:r>
-          </a:p>
-          <a:p>
-            <a:pPr marL="171450" indent="-171450">
+              <a:t>Billing Provider Line-Item Ctrl Num</a:t>
+            </a:r>
+          </a:p>
+          <a:p>
+            <a:pPr marL="171450" lvl="0" indent="-171450">
               <a:buFont typeface="Arial" panose="020B0604020202020204" pitchFamily="34" charset="0"/>
               <a:buChar char="•"/>
             </a:pPr>
             <a:r>
               <a:rPr lang="en-US" sz="1200" dirty="0"/>
-              <a:t>Compound Drug Linking Number</a:t>
+              <a:t>Compound Drug Linking Num</a:t>
             </a:r>
           </a:p>
         </p:txBody>

--- a/input/images/GFE_Bundle.pptx
+++ b/input/images/GFE_Bundle.pptx
@@ -197,7 +197,7 @@
           <a:p>
             <a:fld id="{A2C95764-E0FA-0A43-A86C-F3BAB03EE38B}" type="datetimeFigureOut">
               <a:rPr lang="en-US" smtClean="0"/>
-              <a:t>12/1/21</a:t>
+              <a:t>12/13/2022</a:t>
             </a:fld>
             <a:endParaRPr lang="en-US"/>
           </a:p>
@@ -695,7 +695,7 @@
           <a:p>
             <a:fld id="{18271F4C-9DA1-544F-94AC-914D946BC5DE}" type="datetimeFigureOut">
               <a:rPr lang="en-US" smtClean="0"/>
-              <a:t>12/1/21</a:t>
+              <a:t>12/13/2022</a:t>
             </a:fld>
             <a:endParaRPr lang="en-US"/>
           </a:p>
@@ -893,7 +893,7 @@
           <a:p>
             <a:fld id="{18271F4C-9DA1-544F-94AC-914D946BC5DE}" type="datetimeFigureOut">
               <a:rPr lang="en-US" smtClean="0"/>
-              <a:t>12/1/21</a:t>
+              <a:t>12/13/2022</a:t>
             </a:fld>
             <a:endParaRPr lang="en-US"/>
           </a:p>
@@ -1101,7 +1101,7 @@
           <a:p>
             <a:fld id="{18271F4C-9DA1-544F-94AC-914D946BC5DE}" type="datetimeFigureOut">
               <a:rPr lang="en-US" smtClean="0"/>
-              <a:t>12/1/21</a:t>
+              <a:t>12/13/2022</a:t>
             </a:fld>
             <a:endParaRPr lang="en-US"/>
           </a:p>
@@ -1299,7 +1299,7 @@
           <a:p>
             <a:fld id="{18271F4C-9DA1-544F-94AC-914D946BC5DE}" type="datetimeFigureOut">
               <a:rPr lang="en-US" smtClean="0"/>
-              <a:t>12/1/21</a:t>
+              <a:t>12/13/2022</a:t>
             </a:fld>
             <a:endParaRPr lang="en-US"/>
           </a:p>
@@ -1574,7 +1574,7 @@
           <a:p>
             <a:fld id="{18271F4C-9DA1-544F-94AC-914D946BC5DE}" type="datetimeFigureOut">
               <a:rPr lang="en-US" smtClean="0"/>
-              <a:t>12/1/21</a:t>
+              <a:t>12/13/2022</a:t>
             </a:fld>
             <a:endParaRPr lang="en-US"/>
           </a:p>
@@ -1839,7 +1839,7 @@
           <a:p>
             <a:fld id="{18271F4C-9DA1-544F-94AC-914D946BC5DE}" type="datetimeFigureOut">
               <a:rPr lang="en-US" smtClean="0"/>
-              <a:t>12/1/21</a:t>
+              <a:t>12/13/2022</a:t>
             </a:fld>
             <a:endParaRPr lang="en-US"/>
           </a:p>
@@ -2251,7 +2251,7 @@
           <a:p>
             <a:fld id="{18271F4C-9DA1-544F-94AC-914D946BC5DE}" type="datetimeFigureOut">
               <a:rPr lang="en-US" smtClean="0"/>
-              <a:t>12/1/21</a:t>
+              <a:t>12/13/2022</a:t>
             </a:fld>
             <a:endParaRPr lang="en-US"/>
           </a:p>
@@ -2392,7 +2392,7 @@
           <a:p>
             <a:fld id="{18271F4C-9DA1-544F-94AC-914D946BC5DE}" type="datetimeFigureOut">
               <a:rPr lang="en-US" smtClean="0"/>
-              <a:t>12/1/21</a:t>
+              <a:t>12/13/2022</a:t>
             </a:fld>
             <a:endParaRPr lang="en-US"/>
           </a:p>
@@ -2505,7 +2505,7 @@
           <a:p>
             <a:fld id="{18271F4C-9DA1-544F-94AC-914D946BC5DE}" type="datetimeFigureOut">
               <a:rPr lang="en-US" smtClean="0"/>
-              <a:t>12/1/21</a:t>
+              <a:t>12/13/2022</a:t>
             </a:fld>
             <a:endParaRPr lang="en-US"/>
           </a:p>
@@ -2816,7 +2816,7 @@
           <a:p>
             <a:fld id="{18271F4C-9DA1-544F-94AC-914D946BC5DE}" type="datetimeFigureOut">
               <a:rPr lang="en-US" smtClean="0"/>
-              <a:t>12/1/21</a:t>
+              <a:t>12/13/2022</a:t>
             </a:fld>
             <a:endParaRPr lang="en-US"/>
           </a:p>
@@ -3104,7 +3104,7 @@
           <a:p>
             <a:fld id="{18271F4C-9DA1-544F-94AC-914D946BC5DE}" type="datetimeFigureOut">
               <a:rPr lang="en-US" smtClean="0"/>
-              <a:t>12/1/21</a:t>
+              <a:t>12/13/2022</a:t>
             </a:fld>
             <a:endParaRPr lang="en-US"/>
           </a:p>
@@ -3345,7 +3345,7 @@
           <a:p>
             <a:fld id="{18271F4C-9DA1-544F-94AC-914D946BC5DE}" type="datetimeFigureOut">
               <a:rPr lang="en-US" smtClean="0"/>
-              <a:t>12/1/21</a:t>
+              <a:t>12/13/2022</a:t>
             </a:fld>
             <a:endParaRPr lang="en-US"/>
           </a:p>
@@ -3762,1729 +3762,3340 @@
           <a:chExt cx="0" cy="0"/>
         </a:xfrm>
       </p:grpSpPr>
-      <p:sp>
-        <p:nvSpPr>
-          <p:cNvPr id="4" name="Alternate Process 3">
+      <p:grpSp>
+        <p:nvGrpSpPr>
+          <p:cNvPr id="3" name="Group 2">
             <a:extLst>
               <a:ext uri="{FF2B5EF4-FFF2-40B4-BE49-F238E27FC236}">
-                <a16:creationId xmlns:a16="http://schemas.microsoft.com/office/drawing/2014/main" id="{73121F0A-F97A-B743-AD31-85C076ECAFE1}"/>
+                <a16:creationId xmlns:a16="http://schemas.microsoft.com/office/drawing/2014/main" id="{59F0371A-581D-A40F-423E-BE7DEFF59281}"/>
               </a:ext>
             </a:extLst>
           </p:cNvPr>
-          <p:cNvSpPr/>
+          <p:cNvGrpSpPr/>
           <p:nvPr/>
-        </p:nvSpPr>
-        <p:spPr>
+        </p:nvGrpSpPr>
+        <p:grpSpPr>
           <a:xfrm>
-            <a:off x="276644" y="170778"/>
-            <a:ext cx="5548889" cy="6570617"/>
+            <a:off x="244754" y="1189789"/>
+            <a:ext cx="4220921" cy="3264495"/>
+            <a:chOff x="244754" y="1189789"/>
+            <a:chExt cx="4220921" cy="3264495"/>
           </a:xfrm>
-          <a:prstGeom prst="flowChartAlternateProcess">
-            <a:avLst/>
-          </a:prstGeom>
-          <a:solidFill>
-            <a:schemeClr val="accent2">
-              <a:lumMod val="60000"/>
-              <a:lumOff val="40000"/>
-            </a:schemeClr>
-          </a:solidFill>
-        </p:spPr>
-        <p:style>
-          <a:lnRef idx="2">
-            <a:schemeClr val="accent1">
-              <a:shade val="50000"/>
-            </a:schemeClr>
-          </a:lnRef>
-          <a:fillRef idx="1">
-            <a:schemeClr val="accent1"/>
-          </a:fillRef>
-          <a:effectRef idx="0">
-            <a:schemeClr val="accent1"/>
-          </a:effectRef>
-          <a:fontRef idx="minor">
-            <a:schemeClr val="lt1"/>
-          </a:fontRef>
-        </p:style>
-        <p:txBody>
-          <a:bodyPr rtlCol="0" anchor="ctr"/>
-          <a:lstStyle/>
-          <a:p>
-            <a:pPr algn="ctr"/>
-            <a:endParaRPr lang="en-US" dirty="0"/>
-          </a:p>
-        </p:txBody>
-      </p:sp>
-      <p:sp>
-        <p:nvSpPr>
-          <p:cNvPr id="13" name="TextBox 12">
-            <a:extLst>
-              <a:ext uri="{FF2B5EF4-FFF2-40B4-BE49-F238E27FC236}">
-                <a16:creationId xmlns:a16="http://schemas.microsoft.com/office/drawing/2014/main" id="{0A9C4C9D-D717-FD42-A09D-729C0BD0317D}"/>
-              </a:ext>
-            </a:extLst>
-          </p:cNvPr>
-          <p:cNvSpPr txBox="1"/>
-          <p:nvPr/>
-        </p:nvSpPr>
-        <p:spPr>
-          <a:xfrm>
-            <a:off x="2156652" y="109044"/>
-            <a:ext cx="2149014" cy="461665"/>
-          </a:xfrm>
-          <a:prstGeom prst="rect">
-            <a:avLst/>
-          </a:prstGeom>
-          <a:noFill/>
-        </p:spPr>
-        <p:txBody>
-          <a:bodyPr wrap="square" rtlCol="0">
-            <a:spAutoFit/>
-          </a:bodyPr>
-          <a:lstStyle/>
-          <a:p>
-            <a:r>
-              <a:rPr lang="en-US" sz="2400" dirty="0"/>
-              <a:t>GFE Bundle</a:t>
-            </a:r>
-          </a:p>
-        </p:txBody>
-      </p:sp>
-      <p:sp>
-        <p:nvSpPr>
-          <p:cNvPr id="22" name="Alternate Process 21">
-            <a:extLst>
-              <a:ext uri="{FF2B5EF4-FFF2-40B4-BE49-F238E27FC236}">
-                <a16:creationId xmlns:a16="http://schemas.microsoft.com/office/drawing/2014/main" id="{6F6870D2-0637-2B45-BF15-7BF313FD1428}"/>
-              </a:ext>
-            </a:extLst>
-          </p:cNvPr>
-          <p:cNvSpPr/>
-          <p:nvPr/>
-        </p:nvSpPr>
-        <p:spPr>
-          <a:xfrm>
-            <a:off x="583341" y="493681"/>
-            <a:ext cx="4967392" cy="5830574"/>
-          </a:xfrm>
-          <a:prstGeom prst="flowChartAlternateProcess">
-            <a:avLst/>
-          </a:prstGeom>
-        </p:spPr>
-        <p:style>
-          <a:lnRef idx="2">
-            <a:schemeClr val="accent2">
-              <a:shade val="50000"/>
-            </a:schemeClr>
-          </a:lnRef>
-          <a:fillRef idx="1">
-            <a:schemeClr val="accent2"/>
-          </a:fillRef>
-          <a:effectRef idx="0">
-            <a:schemeClr val="accent2"/>
-          </a:effectRef>
-          <a:fontRef idx="minor">
-            <a:schemeClr val="lt1"/>
-          </a:fontRef>
-        </p:style>
-        <p:txBody>
-          <a:bodyPr rtlCol="0" anchor="ctr"/>
-          <a:lstStyle/>
-          <a:p>
-            <a:pPr algn="ctr"/>
-            <a:endParaRPr lang="en-US" sz="2000" dirty="0"/>
-          </a:p>
-        </p:txBody>
-      </p:sp>
-      <p:sp>
-        <p:nvSpPr>
-          <p:cNvPr id="23" name="TextBox 22">
-            <a:extLst>
-              <a:ext uri="{FF2B5EF4-FFF2-40B4-BE49-F238E27FC236}">
-                <a16:creationId xmlns:a16="http://schemas.microsoft.com/office/drawing/2014/main" id="{86619AE4-0980-6340-A101-ABC693F2D173}"/>
-              </a:ext>
-            </a:extLst>
-          </p:cNvPr>
-          <p:cNvSpPr txBox="1"/>
-          <p:nvPr/>
-        </p:nvSpPr>
-        <p:spPr>
-          <a:xfrm>
-            <a:off x="1442083" y="599816"/>
-            <a:ext cx="3135906" cy="307777"/>
-          </a:xfrm>
-          <a:prstGeom prst="rect">
-            <a:avLst/>
-          </a:prstGeom>
-          <a:noFill/>
-        </p:spPr>
-        <p:txBody>
-          <a:bodyPr wrap="square">
-            <a:spAutoFit/>
-          </a:bodyPr>
-          <a:lstStyle/>
-          <a:p>
-            <a:pPr algn="ctr"/>
-            <a:r>
-              <a:rPr lang="en-US" sz="1400" b="1" dirty="0"/>
-              <a:t>Professional</a:t>
-            </a:r>
-            <a:r>
-              <a:rPr lang="en-US" sz="1400" dirty="0"/>
-              <a:t> Good Faith Estimates (GFE)</a:t>
-            </a:r>
-          </a:p>
-        </p:txBody>
-      </p:sp>
-      <p:sp>
-        <p:nvSpPr>
-          <p:cNvPr id="24" name="Alternate Process 23">
-            <a:extLst>
-              <a:ext uri="{FF2B5EF4-FFF2-40B4-BE49-F238E27FC236}">
-                <a16:creationId xmlns:a16="http://schemas.microsoft.com/office/drawing/2014/main" id="{95F71CA7-EBF9-BF48-87C0-4938B787499E}"/>
-              </a:ext>
-            </a:extLst>
-          </p:cNvPr>
-          <p:cNvSpPr/>
-          <p:nvPr/>
-        </p:nvSpPr>
-        <p:spPr>
-          <a:xfrm>
-            <a:off x="757003" y="1415806"/>
-            <a:ext cx="1501553" cy="421278"/>
-          </a:xfrm>
-          <a:prstGeom prst="flowChartAlternateProcess">
-            <a:avLst/>
-          </a:prstGeom>
-          <a:solidFill>
-            <a:schemeClr val="accent2">
-              <a:lumMod val="75000"/>
-            </a:schemeClr>
-          </a:solidFill>
-        </p:spPr>
-        <p:style>
-          <a:lnRef idx="2">
-            <a:schemeClr val="accent2">
-              <a:shade val="50000"/>
-            </a:schemeClr>
-          </a:lnRef>
-          <a:fillRef idx="1">
-            <a:schemeClr val="accent2"/>
-          </a:fillRef>
-          <a:effectRef idx="0">
-            <a:schemeClr val="accent2"/>
-          </a:effectRef>
-          <a:fontRef idx="minor">
-            <a:schemeClr val="lt1"/>
-          </a:fontRef>
-        </p:style>
-        <p:txBody>
-          <a:bodyPr rtlCol="0" anchor="ctr"/>
-          <a:lstStyle/>
-          <a:p>
-            <a:pPr algn="ctr"/>
-            <a:r>
-              <a:rPr lang="en-US" sz="1400" dirty="0"/>
-              <a:t>PCT Patient</a:t>
-            </a:r>
-          </a:p>
-        </p:txBody>
-      </p:sp>
-      <p:sp>
-        <p:nvSpPr>
-          <p:cNvPr id="25" name="Alternate Process 24">
-            <a:extLst>
-              <a:ext uri="{FF2B5EF4-FFF2-40B4-BE49-F238E27FC236}">
-                <a16:creationId xmlns:a16="http://schemas.microsoft.com/office/drawing/2014/main" id="{E511FC81-8DDA-B64A-9B60-495058D9B329}"/>
-              </a:ext>
-            </a:extLst>
-          </p:cNvPr>
-          <p:cNvSpPr/>
-          <p:nvPr/>
-        </p:nvSpPr>
-        <p:spPr>
-          <a:xfrm>
-            <a:off x="2341636" y="1413617"/>
-            <a:ext cx="1477904" cy="421278"/>
-          </a:xfrm>
-          <a:prstGeom prst="flowChartAlternateProcess">
-            <a:avLst/>
-          </a:prstGeom>
-          <a:solidFill>
-            <a:schemeClr val="accent2">
-              <a:lumMod val="75000"/>
-            </a:schemeClr>
-          </a:solidFill>
-        </p:spPr>
-        <p:style>
-          <a:lnRef idx="2">
-            <a:schemeClr val="accent2">
-              <a:shade val="50000"/>
-            </a:schemeClr>
-          </a:lnRef>
-          <a:fillRef idx="1">
-            <a:schemeClr val="accent2"/>
-          </a:fillRef>
-          <a:effectRef idx="0">
-            <a:schemeClr val="accent2"/>
-          </a:effectRef>
-          <a:fontRef idx="minor">
-            <a:schemeClr val="lt1"/>
-          </a:fontRef>
-        </p:style>
-        <p:txBody>
-          <a:bodyPr rtlCol="0" anchor="ctr"/>
-          <a:lstStyle/>
-          <a:p>
-            <a:pPr algn="ctr"/>
-            <a:r>
-              <a:rPr lang="en-US" sz="1400" dirty="0"/>
-              <a:t>PCT Organization (Provider)</a:t>
-            </a:r>
-          </a:p>
-        </p:txBody>
-      </p:sp>
-      <p:sp>
-        <p:nvSpPr>
-          <p:cNvPr id="27" name="Alternate Process 26">
-            <a:extLst>
-              <a:ext uri="{FF2B5EF4-FFF2-40B4-BE49-F238E27FC236}">
-                <a16:creationId xmlns:a16="http://schemas.microsoft.com/office/drawing/2014/main" id="{E03FC197-DADD-E148-9370-6BCE3F29DDFD}"/>
-              </a:ext>
-            </a:extLst>
-          </p:cNvPr>
-          <p:cNvSpPr/>
-          <p:nvPr/>
-        </p:nvSpPr>
-        <p:spPr>
-          <a:xfrm>
-            <a:off x="758291" y="1870926"/>
-            <a:ext cx="1501553" cy="421278"/>
-          </a:xfrm>
-          <a:prstGeom prst="flowChartAlternateProcess">
-            <a:avLst/>
-          </a:prstGeom>
-          <a:solidFill>
-            <a:schemeClr val="accent2">
-              <a:lumMod val="75000"/>
-            </a:schemeClr>
-          </a:solidFill>
-        </p:spPr>
-        <p:style>
-          <a:lnRef idx="2">
-            <a:schemeClr val="accent2">
-              <a:shade val="50000"/>
-            </a:schemeClr>
-          </a:lnRef>
-          <a:fillRef idx="1">
-            <a:schemeClr val="accent2"/>
-          </a:fillRef>
-          <a:effectRef idx="0">
-            <a:schemeClr val="accent2"/>
-          </a:effectRef>
-          <a:fontRef idx="minor">
-            <a:schemeClr val="lt1"/>
-          </a:fontRef>
-        </p:style>
-        <p:txBody>
-          <a:bodyPr rtlCol="0" anchor="ctr"/>
-          <a:lstStyle/>
-          <a:p>
-            <a:pPr algn="ctr"/>
-            <a:r>
-              <a:rPr lang="en-US" sz="1400" dirty="0"/>
-              <a:t>PCT PractitionerRole</a:t>
-            </a:r>
-          </a:p>
-        </p:txBody>
-      </p:sp>
-      <p:sp>
-        <p:nvSpPr>
-          <p:cNvPr id="28" name="Alternate Process 27">
-            <a:extLst>
-              <a:ext uri="{FF2B5EF4-FFF2-40B4-BE49-F238E27FC236}">
-                <a16:creationId xmlns:a16="http://schemas.microsoft.com/office/drawing/2014/main" id="{78ED372A-567D-AF45-8816-B6BFDBC73CD2}"/>
-              </a:ext>
-            </a:extLst>
-          </p:cNvPr>
-          <p:cNvSpPr/>
-          <p:nvPr/>
-        </p:nvSpPr>
-        <p:spPr>
-          <a:xfrm>
-            <a:off x="3894003" y="1389776"/>
-            <a:ext cx="1477904" cy="453006"/>
-          </a:xfrm>
-          <a:prstGeom prst="flowChartAlternateProcess">
-            <a:avLst/>
-          </a:prstGeom>
-          <a:solidFill>
-            <a:schemeClr val="accent2">
-              <a:lumMod val="75000"/>
-            </a:schemeClr>
-          </a:solidFill>
-        </p:spPr>
-        <p:style>
-          <a:lnRef idx="2">
-            <a:schemeClr val="accent2">
-              <a:shade val="50000"/>
-            </a:schemeClr>
-          </a:lnRef>
-          <a:fillRef idx="1">
-            <a:schemeClr val="accent2"/>
-          </a:fillRef>
-          <a:effectRef idx="0">
-            <a:schemeClr val="accent2"/>
-          </a:effectRef>
-          <a:fontRef idx="minor">
-            <a:schemeClr val="lt1"/>
-          </a:fontRef>
-        </p:style>
-        <p:txBody>
-          <a:bodyPr rtlCol="0" anchor="ctr"/>
-          <a:lstStyle/>
-          <a:p>
-            <a:pPr algn="ctr"/>
-            <a:r>
-              <a:rPr lang="en-US" sz="1400" dirty="0"/>
-              <a:t>PCT Organization (Payer)</a:t>
-            </a:r>
-          </a:p>
-        </p:txBody>
-      </p:sp>
-      <p:sp>
-        <p:nvSpPr>
-          <p:cNvPr id="29" name="Alternate Process 28">
-            <a:extLst>
-              <a:ext uri="{FF2B5EF4-FFF2-40B4-BE49-F238E27FC236}">
-                <a16:creationId xmlns:a16="http://schemas.microsoft.com/office/drawing/2014/main" id="{1CB9098F-47B5-3840-8164-38C8A743020C}"/>
-              </a:ext>
-            </a:extLst>
-          </p:cNvPr>
-          <p:cNvSpPr/>
-          <p:nvPr/>
-        </p:nvSpPr>
-        <p:spPr>
-          <a:xfrm>
-            <a:off x="2341636" y="1874609"/>
-            <a:ext cx="1476834" cy="421279"/>
-          </a:xfrm>
-          <a:prstGeom prst="flowChartAlternateProcess">
-            <a:avLst/>
-          </a:prstGeom>
-          <a:solidFill>
-            <a:schemeClr val="accent2">
-              <a:lumMod val="75000"/>
-            </a:schemeClr>
-          </a:solidFill>
-        </p:spPr>
-        <p:style>
-          <a:lnRef idx="2">
-            <a:schemeClr val="accent2">
-              <a:shade val="50000"/>
-            </a:schemeClr>
-          </a:lnRef>
-          <a:fillRef idx="1">
-            <a:schemeClr val="accent2"/>
-          </a:fillRef>
-          <a:effectRef idx="0">
-            <a:schemeClr val="accent2"/>
-          </a:effectRef>
-          <a:fontRef idx="minor">
-            <a:schemeClr val="lt1"/>
-          </a:fontRef>
-        </p:style>
-        <p:txBody>
-          <a:bodyPr rtlCol="0" anchor="ctr"/>
-          <a:lstStyle/>
-          <a:p>
-            <a:pPr algn="ctr"/>
-            <a:r>
-              <a:rPr lang="en-US" sz="1400" dirty="0"/>
-              <a:t>PCT Location</a:t>
-            </a:r>
-          </a:p>
-        </p:txBody>
-      </p:sp>
-      <p:sp>
-        <p:nvSpPr>
-          <p:cNvPr id="30" name="Alternate Process 29">
-            <a:extLst>
-              <a:ext uri="{FF2B5EF4-FFF2-40B4-BE49-F238E27FC236}">
-                <a16:creationId xmlns:a16="http://schemas.microsoft.com/office/drawing/2014/main" id="{8FA9FCF2-8E66-2A44-B5FB-4B538C6F3E56}"/>
-              </a:ext>
-            </a:extLst>
-          </p:cNvPr>
-          <p:cNvSpPr/>
-          <p:nvPr/>
-        </p:nvSpPr>
-        <p:spPr>
-          <a:xfrm>
-            <a:off x="3894003" y="1879305"/>
-            <a:ext cx="1476834" cy="431075"/>
-          </a:xfrm>
-          <a:prstGeom prst="flowChartAlternateProcess">
-            <a:avLst/>
-          </a:prstGeom>
-          <a:solidFill>
-            <a:schemeClr val="accent2">
-              <a:lumMod val="75000"/>
-            </a:schemeClr>
-          </a:solidFill>
-        </p:spPr>
-        <p:style>
-          <a:lnRef idx="2">
-            <a:schemeClr val="accent2">
-              <a:shade val="50000"/>
-            </a:schemeClr>
-          </a:lnRef>
-          <a:fillRef idx="1">
-            <a:schemeClr val="accent2"/>
-          </a:fillRef>
-          <a:effectRef idx="0">
-            <a:schemeClr val="accent2"/>
-          </a:effectRef>
-          <a:fontRef idx="minor">
-            <a:schemeClr val="lt1"/>
-          </a:fontRef>
-        </p:style>
-        <p:txBody>
-          <a:bodyPr rtlCol="0" anchor="ctr"/>
-          <a:lstStyle/>
-          <a:p>
-            <a:pPr algn="ctr"/>
-            <a:r>
-              <a:rPr lang="en-US" sz="1400" dirty="0"/>
-              <a:t>PCT Practitioner</a:t>
-            </a:r>
-          </a:p>
-        </p:txBody>
-      </p:sp>
-      <p:sp>
-        <p:nvSpPr>
-          <p:cNvPr id="31" name="Alternate Process 30">
-            <a:extLst>
-              <a:ext uri="{FF2B5EF4-FFF2-40B4-BE49-F238E27FC236}">
-                <a16:creationId xmlns:a16="http://schemas.microsoft.com/office/drawing/2014/main" id="{36041D3F-BD42-E644-8DE7-A548BFEE6A28}"/>
-              </a:ext>
-            </a:extLst>
-          </p:cNvPr>
-          <p:cNvSpPr/>
-          <p:nvPr/>
-        </p:nvSpPr>
-        <p:spPr>
-          <a:xfrm>
-            <a:off x="2341636" y="2331203"/>
-            <a:ext cx="1477904" cy="456351"/>
-          </a:xfrm>
-          <a:prstGeom prst="flowChartAlternateProcess">
-            <a:avLst/>
-          </a:prstGeom>
-          <a:solidFill>
-            <a:schemeClr val="accent2">
-              <a:lumMod val="75000"/>
-            </a:schemeClr>
-          </a:solidFill>
-        </p:spPr>
-        <p:style>
-          <a:lnRef idx="2">
-            <a:schemeClr val="accent2">
-              <a:shade val="50000"/>
-            </a:schemeClr>
-          </a:lnRef>
-          <a:fillRef idx="1">
-            <a:schemeClr val="accent2"/>
-          </a:fillRef>
-          <a:effectRef idx="0">
-            <a:schemeClr val="accent2"/>
-          </a:effectRef>
-          <a:fontRef idx="minor">
-            <a:schemeClr val="lt1"/>
-          </a:fontRef>
-        </p:style>
-        <p:txBody>
-          <a:bodyPr rtlCol="0" anchor="ctr"/>
-          <a:lstStyle/>
-          <a:p>
-            <a:pPr algn="ctr"/>
-            <a:r>
-              <a:rPr lang="en-US" sz="1400" dirty="0"/>
-              <a:t>PCT Coverage</a:t>
-            </a:r>
-          </a:p>
-        </p:txBody>
-      </p:sp>
-      <p:sp>
-        <p:nvSpPr>
-          <p:cNvPr id="37" name="Alternate Process 36">
-            <a:extLst>
-              <a:ext uri="{FF2B5EF4-FFF2-40B4-BE49-F238E27FC236}">
-                <a16:creationId xmlns:a16="http://schemas.microsoft.com/office/drawing/2014/main" id="{A66C836D-9A7F-4143-90D3-4C265BC06AB8}"/>
-              </a:ext>
-            </a:extLst>
-          </p:cNvPr>
-          <p:cNvSpPr/>
-          <p:nvPr/>
-        </p:nvSpPr>
-        <p:spPr>
-          <a:xfrm>
-            <a:off x="757003" y="2830110"/>
-            <a:ext cx="2266594" cy="3336699"/>
-          </a:xfrm>
-          <a:prstGeom prst="flowChartAlternateProcess">
-            <a:avLst/>
-          </a:prstGeom>
-          <a:solidFill>
-            <a:schemeClr val="accent6">
-              <a:lumMod val="75000"/>
-            </a:schemeClr>
-          </a:solidFill>
-        </p:spPr>
-        <p:style>
-          <a:lnRef idx="2">
-            <a:schemeClr val="accent2">
-              <a:shade val="50000"/>
-            </a:schemeClr>
-          </a:lnRef>
-          <a:fillRef idx="1">
-            <a:schemeClr val="accent2"/>
-          </a:fillRef>
-          <a:effectRef idx="0">
-            <a:schemeClr val="accent2"/>
-          </a:effectRef>
-          <a:fontRef idx="minor">
-            <a:schemeClr val="lt1"/>
-          </a:fontRef>
-        </p:style>
-        <p:txBody>
-          <a:bodyPr rtlCol="0" anchor="ctr"/>
-          <a:lstStyle/>
-          <a:p>
-            <a:r>
-              <a:rPr lang="en-US" sz="1200" dirty="0"/>
-              <a:t>Extensions for:</a:t>
-            </a:r>
-          </a:p>
-          <a:p>
-            <a:endParaRPr lang="en-US" sz="1200" dirty="0"/>
-          </a:p>
-          <a:p>
-            <a:pPr marL="171450" lvl="0" indent="-171450">
-              <a:buFont typeface="Arial" panose="020B0604020202020204" pitchFamily="34" charset="0"/>
-              <a:buChar char="•"/>
-            </a:pPr>
-            <a:r>
-              <a:rPr lang="en-US" sz="1200" dirty="0"/>
-              <a:t>Submitter</a:t>
-            </a:r>
-          </a:p>
-          <a:p>
-            <a:pPr marL="171450" lvl="0" indent="-171450">
-              <a:buFont typeface="Arial" panose="020B0604020202020204" pitchFamily="34" charset="0"/>
-              <a:buChar char="•"/>
-            </a:pPr>
-            <a:r>
-              <a:rPr lang="en-US" sz="1200" dirty="0"/>
-              <a:t>Provider Assigned Identifier</a:t>
-            </a:r>
-          </a:p>
-          <a:p>
-            <a:pPr marL="171450" lvl="0" indent="-171450">
-              <a:buFont typeface="Arial" panose="020B0604020202020204" pitchFamily="34" charset="0"/>
-              <a:buChar char="•"/>
-            </a:pPr>
-            <a:r>
-              <a:rPr lang="en-US" sz="1200" dirty="0"/>
-              <a:t>Service Linking Info</a:t>
-            </a:r>
-          </a:p>
-          <a:p>
-            <a:pPr marL="171450" lvl="0" indent="-171450">
-              <a:buFont typeface="Arial" panose="020B0604020202020204" pitchFamily="34" charset="0"/>
-              <a:buChar char="•"/>
-            </a:pPr>
-            <a:r>
-              <a:rPr lang="en-US" sz="1200" dirty="0"/>
-              <a:t>Provider Event Methodology</a:t>
-            </a:r>
-          </a:p>
-          <a:p>
-            <a:pPr marL="171450" lvl="0" indent="-171450">
-              <a:buFont typeface="Arial" panose="020B0604020202020204" pitchFamily="34" charset="0"/>
-              <a:buChar char="•"/>
-            </a:pPr>
-            <a:r>
-              <a:rPr lang="en-US" sz="1200" dirty="0"/>
-              <a:t>Inter Trans Identifier</a:t>
-            </a:r>
-          </a:p>
-          <a:p>
-            <a:pPr marL="171450" lvl="0" indent="-171450">
-              <a:buFont typeface="Arial" panose="020B0604020202020204" pitchFamily="34" charset="0"/>
-              <a:buChar char="•"/>
-            </a:pPr>
-            <a:r>
-              <a:rPr lang="en-US" sz="1200" dirty="0"/>
-              <a:t>Referral Number</a:t>
-            </a:r>
-          </a:p>
-          <a:p>
-            <a:pPr marL="171450" lvl="0" indent="-171450">
-              <a:buFont typeface="Arial" panose="020B0604020202020204" pitchFamily="34" charset="0"/>
-              <a:buChar char="•"/>
-            </a:pPr>
-            <a:r>
-              <a:rPr lang="en-US" sz="1200" dirty="0"/>
-              <a:t>Estimated Date Of Service</a:t>
-            </a:r>
-          </a:p>
-          <a:p>
-            <a:pPr marL="171450" lvl="0" indent="-171450">
-              <a:buFont typeface="Arial" panose="020B0604020202020204" pitchFamily="34" charset="0"/>
-              <a:buChar char="•"/>
-            </a:pPr>
-            <a:r>
-              <a:rPr lang="en-US" sz="1200" dirty="0"/>
-              <a:t>Billing Provider Line-Item Ctrl Num</a:t>
-            </a:r>
-          </a:p>
-          <a:p>
-            <a:pPr marL="171450" lvl="0" indent="-171450">
-              <a:buFont typeface="Arial" panose="020B0604020202020204" pitchFamily="34" charset="0"/>
-              <a:buChar char="•"/>
-            </a:pPr>
-            <a:r>
-              <a:rPr lang="en-US" sz="1200" dirty="0"/>
-              <a:t>Compound Drug Linking Num</a:t>
-            </a:r>
-          </a:p>
-        </p:txBody>
-      </p:sp>
-      <p:sp>
-        <p:nvSpPr>
-          <p:cNvPr id="38" name="Alternate Process 37">
-            <a:extLst>
-              <a:ext uri="{FF2B5EF4-FFF2-40B4-BE49-F238E27FC236}">
-                <a16:creationId xmlns:a16="http://schemas.microsoft.com/office/drawing/2014/main" id="{C3E8866A-1C70-3247-88DC-1EBCCE4F6B02}"/>
-              </a:ext>
-            </a:extLst>
-          </p:cNvPr>
-          <p:cNvSpPr/>
-          <p:nvPr/>
-        </p:nvSpPr>
-        <p:spPr>
-          <a:xfrm>
-            <a:off x="3122069" y="2830110"/>
-            <a:ext cx="2221102" cy="3315425"/>
-          </a:xfrm>
-          <a:prstGeom prst="flowChartAlternateProcess">
-            <a:avLst/>
-          </a:prstGeom>
-          <a:solidFill>
-            <a:schemeClr val="tx1">
-              <a:lumMod val="50000"/>
-              <a:lumOff val="50000"/>
-            </a:schemeClr>
-          </a:solidFill>
-        </p:spPr>
-        <p:style>
-          <a:lnRef idx="2">
-            <a:schemeClr val="accent2">
-              <a:shade val="50000"/>
-            </a:schemeClr>
-          </a:lnRef>
-          <a:fillRef idx="1">
-            <a:schemeClr val="accent2"/>
-          </a:fillRef>
-          <a:effectRef idx="0">
-            <a:schemeClr val="accent2"/>
-          </a:effectRef>
-          <a:fontRef idx="minor">
-            <a:schemeClr val="lt1"/>
-          </a:fontRef>
-        </p:style>
-        <p:txBody>
-          <a:bodyPr rtlCol="0" anchor="ctr"/>
-          <a:lstStyle/>
-          <a:p>
-            <a:r>
-              <a:rPr lang="en-US" sz="1000" dirty="0"/>
-              <a:t>Slices for:</a:t>
-            </a:r>
-          </a:p>
-          <a:p>
-            <a:endParaRPr lang="en-US" sz="1000" dirty="0"/>
-          </a:p>
-          <a:p>
-            <a:pPr marL="171450" indent="-171450">
-              <a:buFont typeface="Arial" panose="020B0604020202020204" pitchFamily="34" charset="0"/>
-              <a:buChar char="•"/>
-            </a:pPr>
-            <a:r>
-              <a:rPr lang="en-US" sz="1000" dirty="0"/>
-              <a:t>The element Claim.careTeam is sliced based on the value of pattern:role</a:t>
-            </a:r>
-          </a:p>
-          <a:p>
-            <a:pPr marL="171450" indent="-171450">
-              <a:buFont typeface="Arial" panose="020B0604020202020204" pitchFamily="34" charset="0"/>
-              <a:buChar char="•"/>
-            </a:pPr>
-            <a:r>
-              <a:rPr lang="en-US" sz="1000" dirty="0"/>
-              <a:t>The element Claim.supportingInfo is sliced based on the value of pattern:category</a:t>
-            </a:r>
-          </a:p>
-          <a:p>
-            <a:pPr marL="171450" indent="-171450">
-              <a:buFont typeface="Arial" panose="020B0604020202020204" pitchFamily="34" charset="0"/>
-              <a:buChar char="•"/>
-            </a:pPr>
-            <a:r>
-              <a:rPr lang="en-US" sz="1000" dirty="0"/>
-              <a:t>The element Claim.diagnosis is sliced based on the value of pattern:type</a:t>
-            </a:r>
-          </a:p>
-          <a:p>
-            <a:pPr marL="171450" indent="-171450">
-              <a:buFont typeface="Arial" panose="020B0604020202020204" pitchFamily="34" charset="0"/>
-              <a:buChar char="•"/>
-            </a:pPr>
-            <a:r>
-              <a:rPr lang="en-US" sz="1000" dirty="0"/>
-              <a:t>The element Claim.procedure is sliced based on the value of pattern:type</a:t>
-            </a:r>
-          </a:p>
-          <a:p>
-            <a:pPr marL="171450" indent="-171450">
-              <a:buFont typeface="Arial" panose="020B0604020202020204" pitchFamily="34" charset="0"/>
-              <a:buChar char="•"/>
-            </a:pPr>
-            <a:r>
-              <a:rPr lang="en-US" sz="1000" dirty="0"/>
-              <a:t>The element Claim.item.location[x] is sliced based on the value of type:$this</a:t>
-            </a:r>
-          </a:p>
-        </p:txBody>
-      </p:sp>
-      <p:sp>
-        <p:nvSpPr>
-          <p:cNvPr id="46" name="TextBox 45">
-            <a:extLst>
-              <a:ext uri="{FF2B5EF4-FFF2-40B4-BE49-F238E27FC236}">
-                <a16:creationId xmlns:a16="http://schemas.microsoft.com/office/drawing/2014/main" id="{AAE39ED2-B91A-344D-8681-A4F6A682591F}"/>
-              </a:ext>
-            </a:extLst>
-          </p:cNvPr>
-          <p:cNvSpPr txBox="1"/>
-          <p:nvPr/>
-        </p:nvSpPr>
-        <p:spPr>
-          <a:xfrm>
-            <a:off x="1899485" y="850835"/>
-            <a:ext cx="2221102" cy="523220"/>
-          </a:xfrm>
-          <a:prstGeom prst="rect">
-            <a:avLst/>
-          </a:prstGeom>
-          <a:solidFill>
-            <a:schemeClr val="accent2"/>
-          </a:solidFill>
-        </p:spPr>
-        <p:txBody>
-          <a:bodyPr wrap="square">
-            <a:spAutoFit/>
-          </a:bodyPr>
-          <a:lstStyle/>
-          <a:p>
-            <a:r>
-              <a:rPr lang="en-US" sz="1400" dirty="0"/>
-              <a:t>Mandatory: 12 elements</a:t>
-            </a:r>
-            <a:br>
-              <a:rPr lang="en-US" sz="1400" dirty="0"/>
-            </a:br>
-            <a:r>
-              <a:rPr lang="en-US" sz="1400" dirty="0"/>
-              <a:t>Must-Support: 47 elements</a:t>
-            </a:r>
-          </a:p>
-        </p:txBody>
-      </p:sp>
-      <p:sp>
-        <p:nvSpPr>
-          <p:cNvPr id="34" name="TextBox 33">
-            <a:extLst>
-              <a:ext uri="{FF2B5EF4-FFF2-40B4-BE49-F238E27FC236}">
-                <a16:creationId xmlns:a16="http://schemas.microsoft.com/office/drawing/2014/main" id="{F07F4AE5-7053-2240-868C-B78DBA6961FC}"/>
-              </a:ext>
-            </a:extLst>
-          </p:cNvPr>
-          <p:cNvSpPr txBox="1"/>
-          <p:nvPr/>
-        </p:nvSpPr>
-        <p:spPr>
-          <a:xfrm>
-            <a:off x="2406084" y="6371832"/>
-            <a:ext cx="1321906" cy="276999"/>
-          </a:xfrm>
-          <a:prstGeom prst="rect">
-            <a:avLst/>
-          </a:prstGeom>
-          <a:noFill/>
-        </p:spPr>
-        <p:txBody>
-          <a:bodyPr wrap="square" rtlCol="0">
-            <a:spAutoFit/>
-          </a:bodyPr>
-          <a:lstStyle/>
-          <a:p>
-            <a:r>
-              <a:rPr lang="en-US" sz="1200" dirty="0"/>
-              <a:t>Bundle.identifier</a:t>
-            </a:r>
-          </a:p>
-        </p:txBody>
-      </p:sp>
-      <p:sp>
-        <p:nvSpPr>
-          <p:cNvPr id="35" name="Alternate Process 34">
-            <a:extLst>
-              <a:ext uri="{FF2B5EF4-FFF2-40B4-BE49-F238E27FC236}">
-                <a16:creationId xmlns:a16="http://schemas.microsoft.com/office/drawing/2014/main" id="{E004560C-B4A2-C94A-8381-A920640EF533}"/>
-              </a:ext>
-            </a:extLst>
-          </p:cNvPr>
-          <p:cNvSpPr/>
-          <p:nvPr/>
-        </p:nvSpPr>
-        <p:spPr>
-          <a:xfrm>
-            <a:off x="6016786" y="143691"/>
-            <a:ext cx="5548889" cy="6570617"/>
-          </a:xfrm>
-          <a:prstGeom prst="flowChartAlternateProcess">
-            <a:avLst/>
-          </a:prstGeom>
-          <a:solidFill>
-            <a:schemeClr val="accent2">
-              <a:lumMod val="60000"/>
-              <a:lumOff val="40000"/>
-            </a:schemeClr>
-          </a:solidFill>
-        </p:spPr>
-        <p:style>
-          <a:lnRef idx="2">
-            <a:schemeClr val="accent1">
-              <a:shade val="50000"/>
-            </a:schemeClr>
-          </a:lnRef>
-          <a:fillRef idx="1">
-            <a:schemeClr val="accent1"/>
-          </a:fillRef>
-          <a:effectRef idx="0">
-            <a:schemeClr val="accent1"/>
-          </a:effectRef>
-          <a:fontRef idx="minor">
-            <a:schemeClr val="lt1"/>
-          </a:fontRef>
-        </p:style>
-        <p:txBody>
-          <a:bodyPr rtlCol="0" anchor="ctr"/>
-          <a:lstStyle/>
-          <a:p>
-            <a:pPr algn="ctr"/>
-            <a:endParaRPr lang="en-US" dirty="0"/>
-          </a:p>
-        </p:txBody>
-      </p:sp>
-      <p:sp>
-        <p:nvSpPr>
-          <p:cNvPr id="36" name="Alternate Process 35">
-            <a:extLst>
-              <a:ext uri="{FF2B5EF4-FFF2-40B4-BE49-F238E27FC236}">
-                <a16:creationId xmlns:a16="http://schemas.microsoft.com/office/drawing/2014/main" id="{53A1A141-38AB-9946-9926-354D42EE956D}"/>
-              </a:ext>
-            </a:extLst>
-          </p:cNvPr>
-          <p:cNvSpPr/>
-          <p:nvPr/>
-        </p:nvSpPr>
-        <p:spPr>
-          <a:xfrm>
-            <a:off x="6323483" y="472407"/>
-            <a:ext cx="4967392" cy="5830574"/>
-          </a:xfrm>
-          <a:prstGeom prst="flowChartAlternateProcess">
-            <a:avLst/>
-          </a:prstGeom>
-        </p:spPr>
-        <p:style>
-          <a:lnRef idx="2">
-            <a:schemeClr val="accent2">
-              <a:shade val="50000"/>
-            </a:schemeClr>
-          </a:lnRef>
-          <a:fillRef idx="1">
-            <a:schemeClr val="accent2"/>
-          </a:fillRef>
-          <a:effectRef idx="0">
-            <a:schemeClr val="accent2"/>
-          </a:effectRef>
-          <a:fontRef idx="minor">
-            <a:schemeClr val="lt1"/>
-          </a:fontRef>
-        </p:style>
-        <p:txBody>
-          <a:bodyPr rtlCol="0" anchor="ctr"/>
-          <a:lstStyle/>
-          <a:p>
-            <a:pPr algn="ctr"/>
-            <a:endParaRPr lang="en-US" sz="2000" dirty="0"/>
-          </a:p>
-        </p:txBody>
-      </p:sp>
-      <p:sp>
-        <p:nvSpPr>
-          <p:cNvPr id="39" name="TextBox 38">
-            <a:extLst>
-              <a:ext uri="{FF2B5EF4-FFF2-40B4-BE49-F238E27FC236}">
-                <a16:creationId xmlns:a16="http://schemas.microsoft.com/office/drawing/2014/main" id="{F9EF4902-8F04-EA4A-AB0D-92E159DA4EF1}"/>
-              </a:ext>
-            </a:extLst>
-          </p:cNvPr>
-          <p:cNvSpPr txBox="1"/>
-          <p:nvPr/>
-        </p:nvSpPr>
-        <p:spPr>
-          <a:xfrm>
-            <a:off x="7153325" y="568800"/>
-            <a:ext cx="3193705" cy="307777"/>
-          </a:xfrm>
-          <a:prstGeom prst="rect">
-            <a:avLst/>
-          </a:prstGeom>
-          <a:noFill/>
-        </p:spPr>
-        <p:txBody>
-          <a:bodyPr wrap="square">
-            <a:spAutoFit/>
-          </a:bodyPr>
-          <a:lstStyle/>
-          <a:p>
-            <a:pPr algn="ctr"/>
-            <a:r>
-              <a:rPr lang="en-US" sz="1400" b="1" dirty="0"/>
-              <a:t>Institutional</a:t>
-            </a:r>
-            <a:r>
-              <a:rPr lang="en-US" sz="1400" dirty="0"/>
-              <a:t> Good Faith Estimates (GFE)</a:t>
-            </a:r>
-          </a:p>
-        </p:txBody>
-      </p:sp>
-      <p:sp>
-        <p:nvSpPr>
-          <p:cNvPr id="40" name="Alternate Process 39">
-            <a:extLst>
-              <a:ext uri="{FF2B5EF4-FFF2-40B4-BE49-F238E27FC236}">
-                <a16:creationId xmlns:a16="http://schemas.microsoft.com/office/drawing/2014/main" id="{0080F583-58D7-274E-8219-E3CD20981FF2}"/>
-              </a:ext>
-            </a:extLst>
-          </p:cNvPr>
-          <p:cNvSpPr/>
-          <p:nvPr/>
-        </p:nvSpPr>
-        <p:spPr>
-          <a:xfrm>
-            <a:off x="6497145" y="1394532"/>
-            <a:ext cx="1501553" cy="421278"/>
-          </a:xfrm>
-          <a:prstGeom prst="flowChartAlternateProcess">
-            <a:avLst/>
-          </a:prstGeom>
-          <a:solidFill>
-            <a:schemeClr val="accent2">
-              <a:lumMod val="75000"/>
-            </a:schemeClr>
-          </a:solidFill>
-        </p:spPr>
-        <p:style>
-          <a:lnRef idx="2">
-            <a:schemeClr val="accent2">
-              <a:shade val="50000"/>
-            </a:schemeClr>
-          </a:lnRef>
-          <a:fillRef idx="1">
-            <a:schemeClr val="accent2"/>
-          </a:fillRef>
-          <a:effectRef idx="0">
-            <a:schemeClr val="accent2"/>
-          </a:effectRef>
-          <a:fontRef idx="minor">
-            <a:schemeClr val="lt1"/>
-          </a:fontRef>
-        </p:style>
-        <p:txBody>
-          <a:bodyPr rtlCol="0" anchor="ctr"/>
-          <a:lstStyle/>
-          <a:p>
-            <a:pPr algn="ctr"/>
-            <a:r>
-              <a:rPr lang="en-US" sz="1400" dirty="0"/>
-              <a:t>PCT Patient</a:t>
-            </a:r>
-          </a:p>
-        </p:txBody>
-      </p:sp>
-      <p:sp>
-        <p:nvSpPr>
-          <p:cNvPr id="41" name="Alternate Process 40">
-            <a:extLst>
-              <a:ext uri="{FF2B5EF4-FFF2-40B4-BE49-F238E27FC236}">
-                <a16:creationId xmlns:a16="http://schemas.microsoft.com/office/drawing/2014/main" id="{80586D17-D029-1946-B334-134FD182253F}"/>
-              </a:ext>
-            </a:extLst>
-          </p:cNvPr>
-          <p:cNvSpPr/>
-          <p:nvPr/>
-        </p:nvSpPr>
-        <p:spPr>
-          <a:xfrm>
-            <a:off x="8081778" y="1392343"/>
-            <a:ext cx="1477904" cy="421278"/>
-          </a:xfrm>
-          <a:prstGeom prst="flowChartAlternateProcess">
-            <a:avLst/>
-          </a:prstGeom>
-          <a:solidFill>
-            <a:schemeClr val="accent2">
-              <a:lumMod val="75000"/>
-            </a:schemeClr>
-          </a:solidFill>
-        </p:spPr>
-        <p:style>
-          <a:lnRef idx="2">
-            <a:schemeClr val="accent2">
-              <a:shade val="50000"/>
-            </a:schemeClr>
-          </a:lnRef>
-          <a:fillRef idx="1">
-            <a:schemeClr val="accent2"/>
-          </a:fillRef>
-          <a:effectRef idx="0">
-            <a:schemeClr val="accent2"/>
-          </a:effectRef>
-          <a:fontRef idx="minor">
-            <a:schemeClr val="lt1"/>
-          </a:fontRef>
-        </p:style>
-        <p:txBody>
-          <a:bodyPr rtlCol="0" anchor="ctr"/>
-          <a:lstStyle/>
-          <a:p>
-            <a:pPr algn="ctr"/>
-            <a:r>
-              <a:rPr lang="en-US" sz="1400" dirty="0"/>
-              <a:t>PCT Organization (Provider)</a:t>
-            </a:r>
-          </a:p>
-        </p:txBody>
-      </p:sp>
-      <p:sp>
-        <p:nvSpPr>
-          <p:cNvPr id="43" name="Alternate Process 42">
-            <a:extLst>
-              <a:ext uri="{FF2B5EF4-FFF2-40B4-BE49-F238E27FC236}">
-                <a16:creationId xmlns:a16="http://schemas.microsoft.com/office/drawing/2014/main" id="{10657CD0-867D-174D-8772-3BDE23319534}"/>
-              </a:ext>
-            </a:extLst>
-          </p:cNvPr>
-          <p:cNvSpPr/>
-          <p:nvPr/>
-        </p:nvSpPr>
-        <p:spPr>
-          <a:xfrm>
-            <a:off x="9634145" y="1368502"/>
-            <a:ext cx="1477904" cy="453006"/>
-          </a:xfrm>
-          <a:prstGeom prst="flowChartAlternateProcess">
-            <a:avLst/>
-          </a:prstGeom>
-          <a:solidFill>
-            <a:schemeClr val="accent2">
-              <a:lumMod val="75000"/>
-            </a:schemeClr>
-          </a:solidFill>
-        </p:spPr>
-        <p:style>
-          <a:lnRef idx="2">
-            <a:schemeClr val="accent2">
-              <a:shade val="50000"/>
-            </a:schemeClr>
-          </a:lnRef>
-          <a:fillRef idx="1">
-            <a:schemeClr val="accent2"/>
-          </a:fillRef>
-          <a:effectRef idx="0">
-            <a:schemeClr val="accent2"/>
-          </a:effectRef>
-          <a:fontRef idx="minor">
-            <a:schemeClr val="lt1"/>
-          </a:fontRef>
-        </p:style>
-        <p:txBody>
-          <a:bodyPr rtlCol="0" anchor="ctr"/>
-          <a:lstStyle/>
-          <a:p>
-            <a:pPr algn="ctr"/>
-            <a:r>
-              <a:rPr lang="en-US" sz="1400" dirty="0"/>
-              <a:t>PCT Organization (Payer)</a:t>
-            </a:r>
-          </a:p>
-        </p:txBody>
-      </p:sp>
-      <p:sp>
-        <p:nvSpPr>
-          <p:cNvPr id="44" name="Alternate Process 43">
-            <a:extLst>
-              <a:ext uri="{FF2B5EF4-FFF2-40B4-BE49-F238E27FC236}">
-                <a16:creationId xmlns:a16="http://schemas.microsoft.com/office/drawing/2014/main" id="{839115B8-5903-2841-AAFD-581E67713FAD}"/>
-              </a:ext>
-            </a:extLst>
-          </p:cNvPr>
-          <p:cNvSpPr/>
-          <p:nvPr/>
-        </p:nvSpPr>
-        <p:spPr>
-          <a:xfrm>
-            <a:off x="8080708" y="1853335"/>
-            <a:ext cx="1477904" cy="456351"/>
-          </a:xfrm>
-          <a:prstGeom prst="flowChartAlternateProcess">
-            <a:avLst/>
-          </a:prstGeom>
-          <a:solidFill>
-            <a:schemeClr val="accent2">
-              <a:lumMod val="75000"/>
-            </a:schemeClr>
-          </a:solidFill>
-        </p:spPr>
-        <p:style>
-          <a:lnRef idx="2">
-            <a:schemeClr val="accent2">
-              <a:shade val="50000"/>
-            </a:schemeClr>
-          </a:lnRef>
-          <a:fillRef idx="1">
-            <a:schemeClr val="accent2"/>
-          </a:fillRef>
-          <a:effectRef idx="0">
-            <a:schemeClr val="accent2"/>
-          </a:effectRef>
-          <a:fontRef idx="minor">
-            <a:schemeClr val="lt1"/>
-          </a:fontRef>
-        </p:style>
-        <p:txBody>
-          <a:bodyPr rtlCol="0" anchor="ctr"/>
-          <a:lstStyle/>
-          <a:p>
-            <a:pPr algn="ctr"/>
-            <a:r>
-              <a:rPr lang="en-US" sz="1400" dirty="0"/>
-              <a:t>PCT Location</a:t>
-            </a:r>
-          </a:p>
-        </p:txBody>
-      </p:sp>
-      <p:sp>
-        <p:nvSpPr>
-          <p:cNvPr id="45" name="Alternate Process 44">
-            <a:extLst>
-              <a:ext uri="{FF2B5EF4-FFF2-40B4-BE49-F238E27FC236}">
-                <a16:creationId xmlns:a16="http://schemas.microsoft.com/office/drawing/2014/main" id="{775F24F3-BE8E-9544-8374-E57192F72C2A}"/>
-              </a:ext>
-            </a:extLst>
-          </p:cNvPr>
-          <p:cNvSpPr/>
-          <p:nvPr/>
-        </p:nvSpPr>
-        <p:spPr>
-          <a:xfrm>
-            <a:off x="9634145" y="1858031"/>
-            <a:ext cx="1476834" cy="431075"/>
-          </a:xfrm>
-          <a:prstGeom prst="flowChartAlternateProcess">
-            <a:avLst/>
-          </a:prstGeom>
-          <a:solidFill>
-            <a:schemeClr val="accent2">
-              <a:lumMod val="75000"/>
-            </a:schemeClr>
-          </a:solidFill>
-        </p:spPr>
-        <p:style>
-          <a:lnRef idx="2">
-            <a:schemeClr val="accent2">
-              <a:shade val="50000"/>
-            </a:schemeClr>
-          </a:lnRef>
-          <a:fillRef idx="1">
-            <a:schemeClr val="accent2"/>
-          </a:fillRef>
-          <a:effectRef idx="0">
-            <a:schemeClr val="accent2"/>
-          </a:effectRef>
-          <a:fontRef idx="minor">
-            <a:schemeClr val="lt1"/>
-          </a:fontRef>
-        </p:style>
-        <p:txBody>
-          <a:bodyPr rtlCol="0" anchor="ctr"/>
-          <a:lstStyle/>
-          <a:p>
-            <a:pPr algn="ctr"/>
-            <a:r>
-              <a:rPr lang="en-US" sz="1400" dirty="0"/>
-              <a:t>PCT Practitioner</a:t>
-            </a:r>
-          </a:p>
-        </p:txBody>
-      </p:sp>
-      <p:sp>
-        <p:nvSpPr>
-          <p:cNvPr id="48" name="Alternate Process 47">
-            <a:extLst>
-              <a:ext uri="{FF2B5EF4-FFF2-40B4-BE49-F238E27FC236}">
-                <a16:creationId xmlns:a16="http://schemas.microsoft.com/office/drawing/2014/main" id="{DD194E13-6ACA-E742-9D88-871EBA12279B}"/>
-              </a:ext>
-            </a:extLst>
-          </p:cNvPr>
-          <p:cNvSpPr/>
-          <p:nvPr/>
-        </p:nvSpPr>
-        <p:spPr>
-          <a:xfrm>
-            <a:off x="8080708" y="2340109"/>
-            <a:ext cx="1477904" cy="456351"/>
-          </a:xfrm>
-          <a:prstGeom prst="flowChartAlternateProcess">
-            <a:avLst/>
-          </a:prstGeom>
-          <a:solidFill>
-            <a:schemeClr val="accent2">
-              <a:lumMod val="75000"/>
-            </a:schemeClr>
-          </a:solidFill>
-        </p:spPr>
-        <p:style>
-          <a:lnRef idx="2">
-            <a:schemeClr val="accent2">
-              <a:shade val="50000"/>
-            </a:schemeClr>
-          </a:lnRef>
-          <a:fillRef idx="1">
-            <a:schemeClr val="accent2"/>
-          </a:fillRef>
-          <a:effectRef idx="0">
-            <a:schemeClr val="accent2"/>
-          </a:effectRef>
-          <a:fontRef idx="minor">
-            <a:schemeClr val="lt1"/>
-          </a:fontRef>
-        </p:style>
-        <p:txBody>
-          <a:bodyPr rtlCol="0" anchor="ctr"/>
-          <a:lstStyle/>
-          <a:p>
-            <a:pPr algn="ctr"/>
-            <a:r>
-              <a:rPr lang="en-US" sz="1400" dirty="0"/>
-              <a:t>PCT Coverage</a:t>
-            </a:r>
-          </a:p>
-        </p:txBody>
-      </p:sp>
-      <p:sp>
-        <p:nvSpPr>
-          <p:cNvPr id="49" name="Alternate Process 48">
-            <a:extLst>
-              <a:ext uri="{FF2B5EF4-FFF2-40B4-BE49-F238E27FC236}">
-                <a16:creationId xmlns:a16="http://schemas.microsoft.com/office/drawing/2014/main" id="{8B2B6983-E729-184A-A76B-97569599E248}"/>
-              </a:ext>
-            </a:extLst>
-          </p:cNvPr>
-          <p:cNvSpPr/>
-          <p:nvPr/>
-        </p:nvSpPr>
-        <p:spPr>
-          <a:xfrm>
-            <a:off x="6497144" y="2808836"/>
-            <a:ext cx="2320747" cy="3336699"/>
-          </a:xfrm>
-          <a:prstGeom prst="flowChartAlternateProcess">
-            <a:avLst/>
-          </a:prstGeom>
-          <a:solidFill>
-            <a:schemeClr val="accent6">
-              <a:lumMod val="75000"/>
-            </a:schemeClr>
-          </a:solidFill>
-        </p:spPr>
-        <p:style>
-          <a:lnRef idx="2">
-            <a:schemeClr val="accent2">
-              <a:shade val="50000"/>
-            </a:schemeClr>
-          </a:lnRef>
-          <a:fillRef idx="1">
-            <a:schemeClr val="accent2"/>
-          </a:fillRef>
-          <a:effectRef idx="0">
-            <a:schemeClr val="accent2"/>
-          </a:effectRef>
-          <a:fontRef idx="minor">
-            <a:schemeClr val="lt1"/>
-          </a:fontRef>
-        </p:style>
-        <p:txBody>
-          <a:bodyPr rtlCol="0" anchor="ctr"/>
-          <a:lstStyle/>
-          <a:p>
-            <a:r>
-              <a:rPr lang="en-US" sz="1200" dirty="0"/>
-              <a:t>Extensions for:</a:t>
-            </a:r>
-          </a:p>
-          <a:p>
-            <a:endParaRPr lang="en-US" sz="1200" dirty="0"/>
-          </a:p>
-          <a:p>
-            <a:pPr marL="171450" lvl="0" indent="-171450">
-              <a:buFont typeface="Arial" panose="020B0604020202020204" pitchFamily="34" charset="0"/>
-              <a:buChar char="•"/>
-            </a:pPr>
-            <a:r>
-              <a:rPr lang="en-US" sz="1200" dirty="0"/>
-              <a:t>Submitter</a:t>
-            </a:r>
-          </a:p>
-          <a:p>
-            <a:pPr marL="171450" lvl="0" indent="-171450">
-              <a:buFont typeface="Arial" panose="020B0604020202020204" pitchFamily="34" charset="0"/>
-              <a:buChar char="•"/>
-            </a:pPr>
-            <a:r>
-              <a:rPr lang="en-US" sz="1200" dirty="0"/>
-              <a:t>Provider Assigned Identifier</a:t>
-            </a:r>
-          </a:p>
-          <a:p>
-            <a:pPr marL="171450" lvl="0" indent="-171450">
-              <a:buFont typeface="Arial" panose="020B0604020202020204" pitchFamily="34" charset="0"/>
-              <a:buChar char="•"/>
-            </a:pPr>
-            <a:r>
-              <a:rPr lang="en-US" sz="1200" dirty="0"/>
-              <a:t>Service Linking Info</a:t>
-            </a:r>
-          </a:p>
-          <a:p>
-            <a:pPr marL="171450" lvl="0" indent="-171450">
-              <a:buFont typeface="Arial" panose="020B0604020202020204" pitchFamily="34" charset="0"/>
-              <a:buChar char="•"/>
-            </a:pPr>
-            <a:r>
-              <a:rPr lang="en-US" sz="1200" dirty="0"/>
-              <a:t>Provider Event Methodology</a:t>
-            </a:r>
-          </a:p>
-          <a:p>
-            <a:pPr marL="171450" lvl="0" indent="-171450">
-              <a:buFont typeface="Arial" panose="020B0604020202020204" pitchFamily="34" charset="0"/>
-              <a:buChar char="•"/>
-            </a:pPr>
-            <a:r>
-              <a:rPr lang="en-US" sz="1200" dirty="0"/>
-              <a:t>Inter Trans Identifier</a:t>
-            </a:r>
-          </a:p>
-          <a:p>
-            <a:pPr marL="171450" lvl="0" indent="-171450">
-              <a:buFont typeface="Arial" panose="020B0604020202020204" pitchFamily="34" charset="0"/>
-              <a:buChar char="•"/>
-            </a:pPr>
-            <a:r>
-              <a:rPr lang="en-US" sz="1200" dirty="0"/>
-              <a:t>Referral Number</a:t>
-            </a:r>
-          </a:p>
-          <a:p>
-            <a:pPr marL="171450" lvl="0" indent="-171450">
-              <a:buFont typeface="Arial" panose="020B0604020202020204" pitchFamily="34" charset="0"/>
-              <a:buChar char="•"/>
-            </a:pPr>
-            <a:r>
-              <a:rPr lang="en-US" sz="1200" dirty="0"/>
-              <a:t>Estimated Date Of Service</a:t>
-            </a:r>
-          </a:p>
-          <a:p>
-            <a:pPr marL="171450" lvl="0" indent="-171450">
-              <a:buFont typeface="Arial" panose="020B0604020202020204" pitchFamily="34" charset="0"/>
-              <a:buChar char="•"/>
-            </a:pPr>
-            <a:r>
-              <a:rPr lang="en-US" sz="1200" dirty="0"/>
-              <a:t>Billing Provider Line-Item Ctrl Num</a:t>
-            </a:r>
-          </a:p>
-          <a:p>
-            <a:pPr marL="171450" lvl="0" indent="-171450">
-              <a:buFont typeface="Arial" panose="020B0604020202020204" pitchFamily="34" charset="0"/>
-              <a:buChar char="•"/>
-            </a:pPr>
-            <a:r>
-              <a:rPr lang="en-US" sz="1200" dirty="0"/>
-              <a:t>Compound Drug Linking Num</a:t>
-            </a:r>
-          </a:p>
-        </p:txBody>
-      </p:sp>
-      <p:sp>
-        <p:nvSpPr>
-          <p:cNvPr id="50" name="Alternate Process 49">
-            <a:extLst>
-              <a:ext uri="{FF2B5EF4-FFF2-40B4-BE49-F238E27FC236}">
-                <a16:creationId xmlns:a16="http://schemas.microsoft.com/office/drawing/2014/main" id="{1CA248B0-EF1F-804E-A840-7BE9EAA9B017}"/>
-              </a:ext>
-            </a:extLst>
-          </p:cNvPr>
-          <p:cNvSpPr/>
-          <p:nvPr/>
-        </p:nvSpPr>
-        <p:spPr>
-          <a:xfrm>
-            <a:off x="8935457" y="2808836"/>
-            <a:ext cx="2147856" cy="3336699"/>
-          </a:xfrm>
-          <a:prstGeom prst="flowChartAlternateProcess">
-            <a:avLst/>
-          </a:prstGeom>
-          <a:solidFill>
-            <a:schemeClr val="tx1">
-              <a:lumMod val="50000"/>
-              <a:lumOff val="50000"/>
-            </a:schemeClr>
-          </a:solidFill>
-        </p:spPr>
-        <p:style>
-          <a:lnRef idx="2">
-            <a:schemeClr val="accent2">
-              <a:shade val="50000"/>
-            </a:schemeClr>
-          </a:lnRef>
-          <a:fillRef idx="1">
-            <a:schemeClr val="accent2"/>
-          </a:fillRef>
-          <a:effectRef idx="0">
-            <a:schemeClr val="accent2"/>
-          </a:effectRef>
-          <a:fontRef idx="minor">
-            <a:schemeClr val="lt1"/>
-          </a:fontRef>
-        </p:style>
-        <p:txBody>
-          <a:bodyPr rtlCol="0" anchor="ctr"/>
-          <a:lstStyle/>
-          <a:p>
-            <a:r>
-              <a:rPr lang="en-US" sz="1000" dirty="0"/>
-              <a:t>Slices for:</a:t>
-            </a:r>
-          </a:p>
-          <a:p>
-            <a:endParaRPr lang="en-US" sz="1000" dirty="0"/>
-          </a:p>
-          <a:p>
-            <a:pPr marL="171450" indent="-171450">
-              <a:buFont typeface="Arial" panose="020B0604020202020204" pitchFamily="34" charset="0"/>
-              <a:buChar char="•"/>
-            </a:pPr>
-            <a:r>
-              <a:rPr lang="en-US" sz="1000" dirty="0"/>
-              <a:t>The element Claim.careTeam is sliced based on the value of pattern:role</a:t>
-            </a:r>
-          </a:p>
-          <a:p>
-            <a:pPr marL="171450" indent="-171450">
-              <a:buFont typeface="Arial" panose="020B0604020202020204" pitchFamily="34" charset="0"/>
-              <a:buChar char="•"/>
-            </a:pPr>
-            <a:endParaRPr lang="en-US" sz="1000" dirty="0"/>
-          </a:p>
-          <a:p>
-            <a:pPr marL="171450" indent="-171450">
-              <a:buFont typeface="Arial" panose="020B0604020202020204" pitchFamily="34" charset="0"/>
-              <a:buChar char="•"/>
-            </a:pPr>
-            <a:r>
-              <a:rPr lang="en-US" sz="1000" dirty="0"/>
-              <a:t>The element Claim.supportingInfo is sliced based on the value of pattern:category</a:t>
-            </a:r>
-          </a:p>
-          <a:p>
-            <a:pPr marL="171450" indent="-171450">
-              <a:buFont typeface="Arial" panose="020B0604020202020204" pitchFamily="34" charset="0"/>
-              <a:buChar char="•"/>
-            </a:pPr>
-            <a:endParaRPr lang="en-US" sz="1000" dirty="0"/>
-          </a:p>
-          <a:p>
-            <a:pPr marL="171450" indent="-171450">
-              <a:buFont typeface="Arial" panose="020B0604020202020204" pitchFamily="34" charset="0"/>
-              <a:buChar char="•"/>
-            </a:pPr>
-            <a:r>
-              <a:rPr lang="en-US" sz="1000" dirty="0"/>
-              <a:t>The element Claim.diagnosis is sliced based on the value of pattern:type</a:t>
-            </a:r>
-          </a:p>
-          <a:p>
-            <a:pPr marL="171450" indent="-171450">
-              <a:buFont typeface="Arial" panose="020B0604020202020204" pitchFamily="34" charset="0"/>
-              <a:buChar char="•"/>
-            </a:pPr>
-            <a:endParaRPr lang="en-US" sz="1000" dirty="0"/>
-          </a:p>
-          <a:p>
-            <a:pPr marL="171450" indent="-171450">
-              <a:buFont typeface="Arial" panose="020B0604020202020204" pitchFamily="34" charset="0"/>
-              <a:buChar char="•"/>
-            </a:pPr>
-            <a:r>
-              <a:rPr lang="en-US" sz="1000" dirty="0"/>
-              <a:t>The element Claim.procedure is sliced based on the value of pattern:type</a:t>
-            </a:r>
-          </a:p>
-        </p:txBody>
-      </p:sp>
-      <p:sp>
-        <p:nvSpPr>
-          <p:cNvPr id="51" name="TextBox 50">
-            <a:extLst>
-              <a:ext uri="{FF2B5EF4-FFF2-40B4-BE49-F238E27FC236}">
-                <a16:creationId xmlns:a16="http://schemas.microsoft.com/office/drawing/2014/main" id="{0CA343AB-FA76-0344-82A9-D4E31C605B96}"/>
-              </a:ext>
-            </a:extLst>
-          </p:cNvPr>
-          <p:cNvSpPr txBox="1"/>
-          <p:nvPr/>
-        </p:nvSpPr>
-        <p:spPr>
-          <a:xfrm>
-            <a:off x="7639627" y="829561"/>
-            <a:ext cx="2221102" cy="523220"/>
-          </a:xfrm>
-          <a:prstGeom prst="rect">
-            <a:avLst/>
-          </a:prstGeom>
-          <a:solidFill>
-            <a:schemeClr val="accent2"/>
-          </a:solidFill>
-        </p:spPr>
-        <p:txBody>
-          <a:bodyPr wrap="square">
-            <a:spAutoFit/>
-          </a:bodyPr>
-          <a:lstStyle/>
-          <a:p>
-            <a:r>
-              <a:rPr lang="en-US" sz="1400" dirty="0"/>
-              <a:t>Mandatory: 11 elements</a:t>
-            </a:r>
-            <a:br>
-              <a:rPr lang="en-US" sz="1400" dirty="0"/>
-            </a:br>
-            <a:r>
-              <a:rPr lang="en-US" sz="1400" dirty="0"/>
-              <a:t>Must-Support: 55 elements</a:t>
-            </a:r>
-          </a:p>
-        </p:txBody>
-      </p:sp>
-      <p:sp>
-        <p:nvSpPr>
-          <p:cNvPr id="52" name="TextBox 51">
-            <a:extLst>
-              <a:ext uri="{FF2B5EF4-FFF2-40B4-BE49-F238E27FC236}">
-                <a16:creationId xmlns:a16="http://schemas.microsoft.com/office/drawing/2014/main" id="{B68305A1-5DD9-2446-998E-ED10D5865C48}"/>
-              </a:ext>
-            </a:extLst>
-          </p:cNvPr>
-          <p:cNvSpPr txBox="1"/>
-          <p:nvPr/>
-        </p:nvSpPr>
-        <p:spPr>
-          <a:xfrm>
-            <a:off x="8146226" y="6350558"/>
-            <a:ext cx="1321906" cy="276999"/>
-          </a:xfrm>
-          <a:prstGeom prst="rect">
-            <a:avLst/>
-          </a:prstGeom>
-          <a:noFill/>
-        </p:spPr>
-        <p:txBody>
-          <a:bodyPr wrap="square" rtlCol="0">
-            <a:spAutoFit/>
-          </a:bodyPr>
-          <a:lstStyle/>
-          <a:p>
-            <a:r>
-              <a:rPr lang="en-US" sz="1200" dirty="0"/>
-              <a:t>Bundle.identifier</a:t>
-            </a:r>
-          </a:p>
-        </p:txBody>
-      </p:sp>
-      <p:sp>
-        <p:nvSpPr>
-          <p:cNvPr id="54" name="TextBox 53">
-            <a:extLst>
-              <a:ext uri="{FF2B5EF4-FFF2-40B4-BE49-F238E27FC236}">
-                <a16:creationId xmlns:a16="http://schemas.microsoft.com/office/drawing/2014/main" id="{E13A99E9-AA89-8D4F-BCDA-4B70148B5241}"/>
-              </a:ext>
-            </a:extLst>
-          </p:cNvPr>
-          <p:cNvSpPr txBox="1"/>
-          <p:nvPr/>
-        </p:nvSpPr>
-        <p:spPr>
-          <a:xfrm>
-            <a:off x="8275154" y="70329"/>
-            <a:ext cx="2149014" cy="461665"/>
-          </a:xfrm>
-          <a:prstGeom prst="rect">
-            <a:avLst/>
-          </a:prstGeom>
-          <a:noFill/>
-        </p:spPr>
-        <p:txBody>
-          <a:bodyPr wrap="square" rtlCol="0">
-            <a:spAutoFit/>
-          </a:bodyPr>
-          <a:lstStyle/>
-          <a:p>
-            <a:r>
-              <a:rPr lang="en-US" sz="2400" dirty="0"/>
-              <a:t>GFE Bundle</a:t>
-            </a:r>
-          </a:p>
-        </p:txBody>
-      </p:sp>
+        </p:grpSpPr>
+        <p:sp>
+          <p:nvSpPr>
+            <p:cNvPr id="5" name="Alternate Process 3">
+              <a:extLst>
+                <a:ext uri="{FF2B5EF4-FFF2-40B4-BE49-F238E27FC236}">
+                  <a16:creationId xmlns:a16="http://schemas.microsoft.com/office/drawing/2014/main" id="{3537A833-C38D-9AB9-7598-115F7909C678}"/>
+                </a:ext>
+              </a:extLst>
+            </p:cNvPr>
+            <p:cNvSpPr/>
+            <p:nvPr/>
+          </p:nvSpPr>
+          <p:spPr>
+            <a:xfrm>
+              <a:off x="244754" y="1189789"/>
+              <a:ext cx="4220921" cy="3264495"/>
+            </a:xfrm>
+            <a:prstGeom prst="roundRect">
+              <a:avLst>
+                <a:gd name="adj" fmla="val 5164"/>
+              </a:avLst>
+            </a:prstGeom>
+            <a:solidFill>
+              <a:srgbClr val="DFD5A9">
+                <a:lumMod val="20000"/>
+                <a:lumOff val="80000"/>
+              </a:srgbClr>
+            </a:solidFill>
+            <a:ln w="28575" cap="flat" cmpd="sng" algn="ctr">
+              <a:solidFill>
+                <a:srgbClr val="DFD5A9">
+                  <a:lumMod val="60000"/>
+                  <a:lumOff val="40000"/>
+                </a:srgbClr>
+              </a:solidFill>
+              <a:prstDash val="solid"/>
+              <a:miter lim="800000"/>
+            </a:ln>
+            <a:effectLst/>
+          </p:spPr>
+          <p:txBody>
+            <a:bodyPr rtlCol="0" anchor="ctr"/>
+            <a:lstStyle/>
+            <a:p>
+              <a:pPr marL="0" marR="0" lvl="0" indent="0" algn="ctr" defTabSz="685748" eaLnBrk="1" fontAlgn="auto" latinLnBrk="0" hangingPunct="1">
+                <a:lnSpc>
+                  <a:spcPct val="100000"/>
+                </a:lnSpc>
+                <a:spcBef>
+                  <a:spcPts val="0"/>
+                </a:spcBef>
+                <a:spcAft>
+                  <a:spcPts val="0"/>
+                </a:spcAft>
+                <a:buClrTx/>
+                <a:buSzTx/>
+                <a:buFontTx/>
+                <a:buNone/>
+                <a:tabLst/>
+                <a:defRPr/>
+              </a:pPr>
+              <a:endParaRPr kumimoji="0" lang="en-US" sz="1350" b="0" i="0" u="none" strike="noStrike" kern="0" cap="none" spc="0" normalizeH="0" baseline="0" noProof="0">
+                <a:ln>
+                  <a:noFill/>
+                </a:ln>
+                <a:solidFill>
+                  <a:prstClr val="white"/>
+                </a:solidFill>
+                <a:effectLst/>
+                <a:uLnTx/>
+                <a:uFillTx/>
+                <a:latin typeface="Arial" panose="020B0604020202020204"/>
+                <a:ea typeface="+mn-ea"/>
+                <a:cs typeface="+mn-cs"/>
+              </a:endParaRPr>
+            </a:p>
+          </p:txBody>
+        </p:sp>
+        <p:sp>
+          <p:nvSpPr>
+            <p:cNvPr id="6" name="TextBox 5">
+              <a:extLst>
+                <a:ext uri="{FF2B5EF4-FFF2-40B4-BE49-F238E27FC236}">
+                  <a16:creationId xmlns:a16="http://schemas.microsoft.com/office/drawing/2014/main" id="{8A60CF80-F9C3-FC78-3781-9836243AD364}"/>
+                </a:ext>
+              </a:extLst>
+            </p:cNvPr>
+            <p:cNvSpPr txBox="1"/>
+            <p:nvPr/>
+          </p:nvSpPr>
+          <p:spPr>
+            <a:xfrm>
+              <a:off x="1545720" y="1221890"/>
+              <a:ext cx="1611761" cy="369332"/>
+            </a:xfrm>
+            <a:prstGeom prst="rect">
+              <a:avLst/>
+            </a:prstGeom>
+            <a:noFill/>
+          </p:spPr>
+          <p:txBody>
+            <a:bodyPr wrap="square" rtlCol="0">
+              <a:spAutoFit/>
+            </a:bodyPr>
+            <a:lstStyle/>
+            <a:p>
+              <a:pPr defTabSz="685748" fontAlgn="auto">
+                <a:spcBef>
+                  <a:spcPts val="0"/>
+                </a:spcBef>
+                <a:spcAft>
+                  <a:spcPts val="0"/>
+                </a:spcAft>
+                <a:defRPr/>
+              </a:pPr>
+              <a:r>
+                <a:rPr lang="en-US" dirty="0">
+                  <a:solidFill>
+                    <a:srgbClr val="474749"/>
+                  </a:solidFill>
+                  <a:latin typeface="Arial" panose="020B0604020202020204"/>
+                </a:rPr>
+                <a:t>GFE Bundle</a:t>
+              </a:r>
+            </a:p>
+          </p:txBody>
+        </p:sp>
+        <p:sp>
+          <p:nvSpPr>
+            <p:cNvPr id="7" name="Alternate Process 23">
+              <a:extLst>
+                <a:ext uri="{FF2B5EF4-FFF2-40B4-BE49-F238E27FC236}">
+                  <a16:creationId xmlns:a16="http://schemas.microsoft.com/office/drawing/2014/main" id="{D30227CB-1684-CFE2-9D3B-236E3DE68BBA}"/>
+                </a:ext>
+              </a:extLst>
+            </p:cNvPr>
+            <p:cNvSpPr/>
+            <p:nvPr/>
+          </p:nvSpPr>
+          <p:spPr>
+            <a:xfrm>
+              <a:off x="374798" y="1632938"/>
+              <a:ext cx="1146386" cy="418338"/>
+            </a:xfrm>
+            <a:prstGeom prst="flowChartAlternateProcess">
+              <a:avLst/>
+            </a:prstGeom>
+            <a:solidFill>
+              <a:srgbClr val="51657F">
+                <a:lumMod val="60000"/>
+                <a:lumOff val="40000"/>
+              </a:srgbClr>
+            </a:solidFill>
+            <a:ln w="19050" cap="flat" cmpd="sng" algn="ctr">
+              <a:solidFill>
+                <a:srgbClr val="2A323A">
+                  <a:lumMod val="50000"/>
+                  <a:lumOff val="50000"/>
+                </a:srgbClr>
+              </a:solidFill>
+              <a:prstDash val="solid"/>
+              <a:miter lim="800000"/>
+            </a:ln>
+            <a:effectLst/>
+          </p:spPr>
+          <p:txBody>
+            <a:bodyPr lIns="0" rIns="0" rtlCol="0" anchor="ctr"/>
+            <a:lstStyle/>
+            <a:p>
+              <a:pPr marL="0" marR="0" lvl="0" indent="0" algn="ctr" defTabSz="685748" eaLnBrk="1" fontAlgn="auto" latinLnBrk="0" hangingPunct="1">
+                <a:lnSpc>
+                  <a:spcPct val="100000"/>
+                </a:lnSpc>
+                <a:spcBef>
+                  <a:spcPts val="0"/>
+                </a:spcBef>
+                <a:spcAft>
+                  <a:spcPts val="0"/>
+                </a:spcAft>
+                <a:buClrTx/>
+                <a:buSzTx/>
+                <a:buFontTx/>
+                <a:buNone/>
+                <a:tabLst/>
+                <a:defRPr/>
+              </a:pPr>
+              <a:r>
+                <a:rPr kumimoji="0" lang="en-US" sz="1050" b="1" i="0" u="none" strike="noStrike" kern="0" cap="none" spc="0" normalizeH="0" baseline="0" noProof="0" dirty="0" err="1">
+                  <a:ln>
+                    <a:noFill/>
+                  </a:ln>
+                  <a:solidFill>
+                    <a:prstClr val="white"/>
+                  </a:solidFill>
+                  <a:effectLst/>
+                  <a:uLnTx/>
+                  <a:uFillTx/>
+                  <a:latin typeface="Arial" panose="020B0604020202020204"/>
+                  <a:ea typeface="+mn-ea"/>
+                  <a:cs typeface="+mn-cs"/>
+                </a:rPr>
+                <a:t>HRex</a:t>
+              </a:r>
+              <a:r>
+                <a:rPr kumimoji="0" lang="en-US" sz="1050" b="1" i="0" u="none" strike="noStrike" kern="0" cap="none" spc="0" normalizeH="0" baseline="0" noProof="0" dirty="0">
+                  <a:ln>
+                    <a:noFill/>
+                  </a:ln>
+                  <a:solidFill>
+                    <a:prstClr val="white"/>
+                  </a:solidFill>
+                  <a:effectLst/>
+                  <a:uLnTx/>
+                  <a:uFillTx/>
+                  <a:latin typeface="Arial" panose="020B0604020202020204"/>
+                  <a:ea typeface="+mn-ea"/>
+                  <a:cs typeface="+mn-cs"/>
+                </a:rPr>
+                <a:t> Patient</a:t>
+              </a:r>
+            </a:p>
+          </p:txBody>
+        </p:sp>
+        <p:sp>
+          <p:nvSpPr>
+            <p:cNvPr id="8" name="Alternate Process 27">
+              <a:extLst>
+                <a:ext uri="{FF2B5EF4-FFF2-40B4-BE49-F238E27FC236}">
+                  <a16:creationId xmlns:a16="http://schemas.microsoft.com/office/drawing/2014/main" id="{80CC33F4-E745-27FA-0A0E-FC545E2D7900}"/>
+                </a:ext>
+              </a:extLst>
+            </p:cNvPr>
+            <p:cNvSpPr/>
+            <p:nvPr/>
+          </p:nvSpPr>
+          <p:spPr>
+            <a:xfrm>
+              <a:off x="2898450" y="1632938"/>
+              <a:ext cx="1328883" cy="415359"/>
+            </a:xfrm>
+            <a:prstGeom prst="flowChartAlternateProcess">
+              <a:avLst/>
+            </a:prstGeom>
+            <a:solidFill>
+              <a:srgbClr val="51657F">
+                <a:lumMod val="60000"/>
+                <a:lumOff val="40000"/>
+              </a:srgbClr>
+            </a:solidFill>
+            <a:ln w="19050" cap="flat" cmpd="sng" algn="ctr">
+              <a:solidFill>
+                <a:srgbClr val="2A323A">
+                  <a:lumMod val="50000"/>
+                  <a:lumOff val="50000"/>
+                </a:srgbClr>
+              </a:solidFill>
+              <a:prstDash val="solid"/>
+              <a:miter lim="800000"/>
+            </a:ln>
+            <a:effectLst/>
+          </p:spPr>
+          <p:txBody>
+            <a:bodyPr lIns="0" rIns="0" rtlCol="0" anchor="ctr"/>
+            <a:lstStyle/>
+            <a:p>
+              <a:pPr marL="0" marR="0" lvl="0" indent="0" algn="ctr" defTabSz="685748" eaLnBrk="1" fontAlgn="auto" latinLnBrk="0" hangingPunct="1">
+                <a:lnSpc>
+                  <a:spcPct val="100000"/>
+                </a:lnSpc>
+                <a:spcBef>
+                  <a:spcPts val="0"/>
+                </a:spcBef>
+                <a:spcAft>
+                  <a:spcPts val="0"/>
+                </a:spcAft>
+                <a:buClrTx/>
+                <a:buSzTx/>
+                <a:buFontTx/>
+                <a:buNone/>
+                <a:tabLst/>
+                <a:defRPr/>
+              </a:pPr>
+              <a:r>
+                <a:rPr kumimoji="0" lang="en-US" sz="1050" b="1" i="0" u="none" strike="noStrike" kern="0" cap="none" spc="0" normalizeH="0" baseline="0" noProof="0" dirty="0">
+                  <a:ln>
+                    <a:noFill/>
+                  </a:ln>
+                  <a:solidFill>
+                    <a:prstClr val="white"/>
+                  </a:solidFill>
+                  <a:effectLst/>
+                  <a:uLnTx/>
+                  <a:uFillTx/>
+                  <a:latin typeface="Arial" panose="020B0604020202020204"/>
+                  <a:ea typeface="+mn-ea"/>
+                  <a:cs typeface="+mn-cs"/>
+                </a:rPr>
+                <a:t>PCT Organization (Payer)</a:t>
+              </a:r>
+            </a:p>
+          </p:txBody>
+        </p:sp>
+        <p:sp>
+          <p:nvSpPr>
+            <p:cNvPr id="9" name="Alternate Process 30">
+              <a:extLst>
+                <a:ext uri="{FF2B5EF4-FFF2-40B4-BE49-F238E27FC236}">
+                  <a16:creationId xmlns:a16="http://schemas.microsoft.com/office/drawing/2014/main" id="{F49DFFC2-A820-7509-114E-FC7B66FDD71E}"/>
+                </a:ext>
+              </a:extLst>
+            </p:cNvPr>
+            <p:cNvSpPr/>
+            <p:nvPr/>
+          </p:nvSpPr>
+          <p:spPr>
+            <a:xfrm>
+              <a:off x="1637968" y="1632938"/>
+              <a:ext cx="1146385" cy="415359"/>
+            </a:xfrm>
+            <a:prstGeom prst="flowChartAlternateProcess">
+              <a:avLst/>
+            </a:prstGeom>
+            <a:solidFill>
+              <a:srgbClr val="51657F">
+                <a:lumMod val="60000"/>
+                <a:lumOff val="40000"/>
+              </a:srgbClr>
+            </a:solidFill>
+            <a:ln w="19050" cap="flat" cmpd="sng" algn="ctr">
+              <a:solidFill>
+                <a:srgbClr val="2A323A">
+                  <a:lumMod val="50000"/>
+                  <a:lumOff val="50000"/>
+                </a:srgbClr>
+              </a:solidFill>
+              <a:prstDash val="solid"/>
+              <a:miter lim="800000"/>
+            </a:ln>
+            <a:effectLst/>
+          </p:spPr>
+          <p:txBody>
+            <a:bodyPr lIns="0" rIns="0" rtlCol="0" anchor="ctr"/>
+            <a:lstStyle/>
+            <a:p>
+              <a:pPr marL="0" marR="0" lvl="0" indent="0" algn="ctr" defTabSz="685748" eaLnBrk="1" fontAlgn="auto" latinLnBrk="0" hangingPunct="1">
+                <a:lnSpc>
+                  <a:spcPct val="100000"/>
+                </a:lnSpc>
+                <a:spcBef>
+                  <a:spcPts val="0"/>
+                </a:spcBef>
+                <a:spcAft>
+                  <a:spcPts val="0"/>
+                </a:spcAft>
+                <a:buClrTx/>
+                <a:buSzTx/>
+                <a:buFontTx/>
+                <a:buNone/>
+                <a:tabLst/>
+                <a:defRPr/>
+              </a:pPr>
+              <a:r>
+                <a:rPr kumimoji="0" lang="en-US" sz="1050" b="1" i="0" u="none" strike="noStrike" kern="0" cap="none" spc="0" normalizeH="0" baseline="0" noProof="0" dirty="0">
+                  <a:ln>
+                    <a:noFill/>
+                  </a:ln>
+                  <a:solidFill>
+                    <a:prstClr val="white"/>
+                  </a:solidFill>
+                  <a:effectLst/>
+                  <a:uLnTx/>
+                  <a:uFillTx/>
+                  <a:latin typeface="Arial" panose="020B0604020202020204"/>
+                  <a:ea typeface="+mn-ea"/>
+                  <a:cs typeface="+mn-cs"/>
+                </a:rPr>
+                <a:t>PCT Coverage</a:t>
+              </a:r>
+            </a:p>
+          </p:txBody>
+        </p:sp>
+        <p:grpSp>
+          <p:nvGrpSpPr>
+            <p:cNvPr id="10" name="Group 9">
+              <a:extLst>
+                <a:ext uri="{FF2B5EF4-FFF2-40B4-BE49-F238E27FC236}">
+                  <a16:creationId xmlns:a16="http://schemas.microsoft.com/office/drawing/2014/main" id="{5EC7A434-FA92-7ED9-813C-4503562D93BF}"/>
+                </a:ext>
+              </a:extLst>
+            </p:cNvPr>
+            <p:cNvGrpSpPr/>
+            <p:nvPr/>
+          </p:nvGrpSpPr>
+          <p:grpSpPr>
+            <a:xfrm>
+              <a:off x="402708" y="2190733"/>
+              <a:ext cx="3666904" cy="1857494"/>
+              <a:chOff x="1053880" y="1891273"/>
+              <a:chExt cx="4337302" cy="2227479"/>
+            </a:xfrm>
+          </p:grpSpPr>
+          <p:sp>
+            <p:nvSpPr>
+              <p:cNvPr id="26" name="Alternate Process 41">
+                <a:extLst>
+                  <a:ext uri="{FF2B5EF4-FFF2-40B4-BE49-F238E27FC236}">
+                    <a16:creationId xmlns:a16="http://schemas.microsoft.com/office/drawing/2014/main" id="{A667E41E-3110-3FCE-D6E3-819A66C5C926}"/>
+                  </a:ext>
+                </a:extLst>
+              </p:cNvPr>
+              <p:cNvSpPr/>
+              <p:nvPr/>
+            </p:nvSpPr>
+            <p:spPr>
+              <a:xfrm>
+                <a:off x="1053880" y="1891273"/>
+                <a:ext cx="4337302" cy="2227479"/>
+              </a:xfrm>
+              <a:prstGeom prst="flowChartAlternateProcess">
+                <a:avLst/>
+              </a:prstGeom>
+              <a:solidFill>
+                <a:srgbClr val="DFD5A9">
+                  <a:lumMod val="60000"/>
+                  <a:lumOff val="40000"/>
+                </a:srgbClr>
+              </a:solidFill>
+              <a:ln w="38100" cap="flat" cmpd="sng" algn="ctr">
+                <a:solidFill>
+                  <a:srgbClr val="DFD5A9">
+                    <a:shade val="50000"/>
+                  </a:srgbClr>
+                </a:solidFill>
+                <a:prstDash val="sysDash"/>
+                <a:miter lim="800000"/>
+                <a:extLst>
+                  <a:ext uri="{C807C97D-BFC1-408E-A445-0C87EB9F89A2}">
+                    <ask:lineSketchStyleProps xmlns:ask="http://schemas.microsoft.com/office/drawing/2018/sketchyshapes" sd="1219033472">
+                      <a:custGeom>
+                        <a:avLst/>
+                        <a:gdLst>
+                          <a:gd name="connsiteX0" fmla="*/ 0 w 4148222"/>
+                          <a:gd name="connsiteY0" fmla="*/ 312761 h 1876566"/>
+                          <a:gd name="connsiteX1" fmla="*/ 312761 w 4148222"/>
+                          <a:gd name="connsiteY1" fmla="*/ 0 h 1876566"/>
+                          <a:gd name="connsiteX2" fmla="*/ 935105 w 4148222"/>
+                          <a:gd name="connsiteY2" fmla="*/ 0 h 1876566"/>
+                          <a:gd name="connsiteX3" fmla="*/ 1416540 w 4148222"/>
+                          <a:gd name="connsiteY3" fmla="*/ 0 h 1876566"/>
+                          <a:gd name="connsiteX4" fmla="*/ 2003657 w 4148222"/>
+                          <a:gd name="connsiteY4" fmla="*/ 0 h 1876566"/>
+                          <a:gd name="connsiteX5" fmla="*/ 2520320 w 4148222"/>
+                          <a:gd name="connsiteY5" fmla="*/ 0 h 1876566"/>
+                          <a:gd name="connsiteX6" fmla="*/ 3142663 w 4148222"/>
+                          <a:gd name="connsiteY6" fmla="*/ 0 h 1876566"/>
+                          <a:gd name="connsiteX7" fmla="*/ 3835461 w 4148222"/>
+                          <a:gd name="connsiteY7" fmla="*/ 0 h 1876566"/>
+                          <a:gd name="connsiteX8" fmla="*/ 4148222 w 4148222"/>
+                          <a:gd name="connsiteY8" fmla="*/ 312761 h 1876566"/>
+                          <a:gd name="connsiteX9" fmla="*/ 4148222 w 4148222"/>
+                          <a:gd name="connsiteY9" fmla="*/ 938283 h 1876566"/>
+                          <a:gd name="connsiteX10" fmla="*/ 4148222 w 4148222"/>
+                          <a:gd name="connsiteY10" fmla="*/ 1563805 h 1876566"/>
+                          <a:gd name="connsiteX11" fmla="*/ 3835461 w 4148222"/>
+                          <a:gd name="connsiteY11" fmla="*/ 1876566 h 1876566"/>
+                          <a:gd name="connsiteX12" fmla="*/ 3177890 w 4148222"/>
+                          <a:gd name="connsiteY12" fmla="*/ 1876566 h 1876566"/>
+                          <a:gd name="connsiteX13" fmla="*/ 2661228 w 4148222"/>
+                          <a:gd name="connsiteY13" fmla="*/ 1876566 h 1876566"/>
+                          <a:gd name="connsiteX14" fmla="*/ 2179792 w 4148222"/>
+                          <a:gd name="connsiteY14" fmla="*/ 1876566 h 1876566"/>
+                          <a:gd name="connsiteX15" fmla="*/ 1663129 w 4148222"/>
+                          <a:gd name="connsiteY15" fmla="*/ 1876566 h 1876566"/>
+                          <a:gd name="connsiteX16" fmla="*/ 1111240 w 4148222"/>
+                          <a:gd name="connsiteY16" fmla="*/ 1876566 h 1876566"/>
+                          <a:gd name="connsiteX17" fmla="*/ 312761 w 4148222"/>
+                          <a:gd name="connsiteY17" fmla="*/ 1876566 h 1876566"/>
+                          <a:gd name="connsiteX18" fmla="*/ 0 w 4148222"/>
+                          <a:gd name="connsiteY18" fmla="*/ 1563805 h 1876566"/>
+                          <a:gd name="connsiteX19" fmla="*/ 0 w 4148222"/>
+                          <a:gd name="connsiteY19" fmla="*/ 913262 h 1876566"/>
+                          <a:gd name="connsiteX20" fmla="*/ 0 w 4148222"/>
+                          <a:gd name="connsiteY20" fmla="*/ 312761 h 1876566"/>
+                        </a:gdLst>
+                        <a:ahLst/>
+                        <a:cxnLst>
+                          <a:cxn ang="0">
+                            <a:pos x="connsiteX0" y="connsiteY0"/>
+                          </a:cxn>
+                          <a:cxn ang="0">
+                            <a:pos x="connsiteX1" y="connsiteY1"/>
+                          </a:cxn>
+                          <a:cxn ang="0">
+                            <a:pos x="connsiteX2" y="connsiteY2"/>
+                          </a:cxn>
+                          <a:cxn ang="0">
+                            <a:pos x="connsiteX3" y="connsiteY3"/>
+                          </a:cxn>
+                          <a:cxn ang="0">
+                            <a:pos x="connsiteX4" y="connsiteY4"/>
+                          </a:cxn>
+                          <a:cxn ang="0">
+                            <a:pos x="connsiteX5" y="connsiteY5"/>
+                          </a:cxn>
+                          <a:cxn ang="0">
+                            <a:pos x="connsiteX6" y="connsiteY6"/>
+                          </a:cxn>
+                          <a:cxn ang="0">
+                            <a:pos x="connsiteX7" y="connsiteY7"/>
+                          </a:cxn>
+                          <a:cxn ang="0">
+                            <a:pos x="connsiteX8" y="connsiteY8"/>
+                          </a:cxn>
+                          <a:cxn ang="0">
+                            <a:pos x="connsiteX9" y="connsiteY9"/>
+                          </a:cxn>
+                          <a:cxn ang="0">
+                            <a:pos x="connsiteX10" y="connsiteY10"/>
+                          </a:cxn>
+                          <a:cxn ang="0">
+                            <a:pos x="connsiteX11" y="connsiteY11"/>
+                          </a:cxn>
+                          <a:cxn ang="0">
+                            <a:pos x="connsiteX12" y="connsiteY12"/>
+                          </a:cxn>
+                          <a:cxn ang="0">
+                            <a:pos x="connsiteX13" y="connsiteY13"/>
+                          </a:cxn>
+                          <a:cxn ang="0">
+                            <a:pos x="connsiteX14" y="connsiteY14"/>
+                          </a:cxn>
+                          <a:cxn ang="0">
+                            <a:pos x="connsiteX15" y="connsiteY15"/>
+                          </a:cxn>
+                          <a:cxn ang="0">
+                            <a:pos x="connsiteX16" y="connsiteY16"/>
+                          </a:cxn>
+                          <a:cxn ang="0">
+                            <a:pos x="connsiteX17" y="connsiteY17"/>
+                          </a:cxn>
+                          <a:cxn ang="0">
+                            <a:pos x="connsiteX18" y="connsiteY18"/>
+                          </a:cxn>
+                          <a:cxn ang="0">
+                            <a:pos x="connsiteX19" y="connsiteY19"/>
+                          </a:cxn>
+                          <a:cxn ang="0">
+                            <a:pos x="connsiteX20" y="connsiteY20"/>
+                          </a:cxn>
+                        </a:cxnLst>
+                        <a:rect l="l" t="t" r="r" b="b"/>
+                        <a:pathLst>
+                          <a:path w="4148222" h="1876566" fill="none" extrusionOk="0">
+                            <a:moveTo>
+                              <a:pt x="0" y="312761"/>
+                            </a:moveTo>
+                            <a:cubicBezTo>
+                              <a:pt x="5447" y="150812"/>
+                              <a:pt x="121583" y="9727"/>
+                              <a:pt x="312761" y="0"/>
+                            </a:cubicBezTo>
+                            <a:cubicBezTo>
+                              <a:pt x="515762" y="19403"/>
+                              <a:pt x="675124" y="17524"/>
+                              <a:pt x="935105" y="0"/>
+                            </a:cubicBezTo>
+                            <a:cubicBezTo>
+                              <a:pt x="1195086" y="-17524"/>
+                              <a:pt x="1251901" y="13555"/>
+                              <a:pt x="1416540" y="0"/>
+                            </a:cubicBezTo>
+                            <a:cubicBezTo>
+                              <a:pt x="1581179" y="-13555"/>
+                              <a:pt x="1827054" y="-19825"/>
+                              <a:pt x="2003657" y="0"/>
+                            </a:cubicBezTo>
+                            <a:cubicBezTo>
+                              <a:pt x="2180260" y="19825"/>
+                              <a:pt x="2401760" y="-5134"/>
+                              <a:pt x="2520320" y="0"/>
+                            </a:cubicBezTo>
+                            <a:cubicBezTo>
+                              <a:pt x="2638880" y="5134"/>
+                              <a:pt x="2930791" y="-30835"/>
+                              <a:pt x="3142663" y="0"/>
+                            </a:cubicBezTo>
+                            <a:cubicBezTo>
+                              <a:pt x="3354535" y="30835"/>
+                              <a:pt x="3634367" y="-17717"/>
+                              <a:pt x="3835461" y="0"/>
+                            </a:cubicBezTo>
+                            <a:cubicBezTo>
+                              <a:pt x="3996621" y="36082"/>
+                              <a:pt x="4143611" y="125506"/>
+                              <a:pt x="4148222" y="312761"/>
+                            </a:cubicBezTo>
+                            <a:cubicBezTo>
+                              <a:pt x="4123832" y="532411"/>
+                              <a:pt x="4150959" y="723092"/>
+                              <a:pt x="4148222" y="938283"/>
+                            </a:cubicBezTo>
+                            <a:cubicBezTo>
+                              <a:pt x="4145485" y="1153474"/>
+                              <a:pt x="4130315" y="1328415"/>
+                              <a:pt x="4148222" y="1563805"/>
+                            </a:cubicBezTo>
+                            <a:cubicBezTo>
+                              <a:pt x="4140559" y="1740835"/>
+                              <a:pt x="4018425" y="1904287"/>
+                              <a:pt x="3835461" y="1876566"/>
+                            </a:cubicBezTo>
+                            <a:cubicBezTo>
+                              <a:pt x="3692839" y="1878403"/>
+                              <a:pt x="3500945" y="1908911"/>
+                              <a:pt x="3177890" y="1876566"/>
+                            </a:cubicBezTo>
+                            <a:cubicBezTo>
+                              <a:pt x="2854835" y="1844221"/>
+                              <a:pt x="2873635" y="1850766"/>
+                              <a:pt x="2661228" y="1876566"/>
+                            </a:cubicBezTo>
+                            <a:cubicBezTo>
+                              <a:pt x="2448821" y="1902366"/>
+                              <a:pt x="2335782" y="1853617"/>
+                              <a:pt x="2179792" y="1876566"/>
+                            </a:cubicBezTo>
+                            <a:cubicBezTo>
+                              <a:pt x="2023802" y="1899515"/>
+                              <a:pt x="1916795" y="1901333"/>
+                              <a:pt x="1663129" y="1876566"/>
+                            </a:cubicBezTo>
+                            <a:cubicBezTo>
+                              <a:pt x="1409463" y="1851799"/>
+                              <a:pt x="1316374" y="1879065"/>
+                              <a:pt x="1111240" y="1876566"/>
+                            </a:cubicBezTo>
+                            <a:cubicBezTo>
+                              <a:pt x="906106" y="1874067"/>
+                              <a:pt x="649230" y="1914853"/>
+                              <a:pt x="312761" y="1876566"/>
+                            </a:cubicBezTo>
+                            <a:cubicBezTo>
+                              <a:pt x="127444" y="1889058"/>
+                              <a:pt x="27462" y="1742702"/>
+                              <a:pt x="0" y="1563805"/>
+                            </a:cubicBezTo>
+                            <a:cubicBezTo>
+                              <a:pt x="23645" y="1429589"/>
+                              <a:pt x="26200" y="1122235"/>
+                              <a:pt x="0" y="913262"/>
+                            </a:cubicBezTo>
+                            <a:cubicBezTo>
+                              <a:pt x="-26200" y="704289"/>
+                              <a:pt x="-11285" y="445648"/>
+                              <a:pt x="0" y="312761"/>
+                            </a:cubicBezTo>
+                            <a:close/>
+                          </a:path>
+                          <a:path w="4148222" h="1876566" stroke="0" extrusionOk="0">
+                            <a:moveTo>
+                              <a:pt x="0" y="312761"/>
+                            </a:moveTo>
+                            <a:cubicBezTo>
+                              <a:pt x="-35672" y="118024"/>
+                              <a:pt x="118260" y="8170"/>
+                              <a:pt x="312761" y="0"/>
+                            </a:cubicBezTo>
+                            <a:cubicBezTo>
+                              <a:pt x="610023" y="-27692"/>
+                              <a:pt x="688344" y="10336"/>
+                              <a:pt x="970332" y="0"/>
+                            </a:cubicBezTo>
+                            <a:cubicBezTo>
+                              <a:pt x="1252320" y="-10336"/>
+                              <a:pt x="1406577" y="-22665"/>
+                              <a:pt x="1522221" y="0"/>
+                            </a:cubicBezTo>
+                            <a:cubicBezTo>
+                              <a:pt x="1637865" y="22665"/>
+                              <a:pt x="1930372" y="929"/>
+                              <a:pt x="2038884" y="0"/>
+                            </a:cubicBezTo>
+                            <a:cubicBezTo>
+                              <a:pt x="2147396" y="-929"/>
+                              <a:pt x="2487634" y="19222"/>
+                              <a:pt x="2661228" y="0"/>
+                            </a:cubicBezTo>
+                            <a:cubicBezTo>
+                              <a:pt x="2834822" y="-19222"/>
+                              <a:pt x="3089860" y="-24136"/>
+                              <a:pt x="3213117" y="0"/>
+                            </a:cubicBezTo>
+                            <a:cubicBezTo>
+                              <a:pt x="3336374" y="24136"/>
+                              <a:pt x="3554658" y="22469"/>
+                              <a:pt x="3835461" y="0"/>
+                            </a:cubicBezTo>
+                            <a:cubicBezTo>
+                              <a:pt x="4004524" y="-34995"/>
+                              <a:pt x="4129933" y="165445"/>
+                              <a:pt x="4148222" y="312761"/>
+                            </a:cubicBezTo>
+                            <a:cubicBezTo>
+                              <a:pt x="4121221" y="589426"/>
+                              <a:pt x="4171625" y="754499"/>
+                              <a:pt x="4148222" y="913262"/>
+                            </a:cubicBezTo>
+                            <a:cubicBezTo>
+                              <a:pt x="4124819" y="1072025"/>
+                              <a:pt x="4122801" y="1307280"/>
+                              <a:pt x="4148222" y="1563805"/>
+                            </a:cubicBezTo>
+                            <a:cubicBezTo>
+                              <a:pt x="4153448" y="1744318"/>
+                              <a:pt x="4009302" y="1888039"/>
+                              <a:pt x="3835461" y="1876566"/>
+                            </a:cubicBezTo>
+                            <a:cubicBezTo>
+                              <a:pt x="3671403" y="1891255"/>
+                              <a:pt x="3576686" y="1871103"/>
+                              <a:pt x="3354025" y="1876566"/>
+                            </a:cubicBezTo>
+                            <a:cubicBezTo>
+                              <a:pt x="3131364" y="1882029"/>
+                              <a:pt x="2916645" y="1904793"/>
+                              <a:pt x="2696455" y="1876566"/>
+                            </a:cubicBezTo>
+                            <a:cubicBezTo>
+                              <a:pt x="2476265" y="1848340"/>
+                              <a:pt x="2432046" y="1872658"/>
+                              <a:pt x="2179792" y="1876566"/>
+                            </a:cubicBezTo>
+                            <a:cubicBezTo>
+                              <a:pt x="1927538" y="1880474"/>
+                              <a:pt x="1732801" y="1902720"/>
+                              <a:pt x="1592675" y="1876566"/>
+                            </a:cubicBezTo>
+                            <a:cubicBezTo>
+                              <a:pt x="1452549" y="1850412"/>
+                              <a:pt x="1210750" y="1887462"/>
+                              <a:pt x="935105" y="1876566"/>
+                            </a:cubicBezTo>
+                            <a:cubicBezTo>
+                              <a:pt x="659460" y="1865671"/>
+                              <a:pt x="574921" y="1845724"/>
+                              <a:pt x="312761" y="1876566"/>
+                            </a:cubicBezTo>
+                            <a:cubicBezTo>
+                              <a:pt x="126796" y="1900225"/>
+                              <a:pt x="30351" y="1759091"/>
+                              <a:pt x="0" y="1563805"/>
+                            </a:cubicBezTo>
+                            <a:cubicBezTo>
+                              <a:pt x="-17858" y="1349269"/>
+                              <a:pt x="23350" y="1257755"/>
+                              <a:pt x="0" y="963304"/>
+                            </a:cubicBezTo>
+                            <a:cubicBezTo>
+                              <a:pt x="-23350" y="668853"/>
+                              <a:pt x="19740" y="621988"/>
+                              <a:pt x="0" y="312761"/>
+                            </a:cubicBezTo>
+                            <a:close/>
+                          </a:path>
+                        </a:pathLst>
+                      </a:custGeom>
+                      <ask:type>
+                        <ask:lineSketchNone/>
+                      </ask:type>
+                    </ask:lineSketchStyleProps>
+                  </a:ext>
+                </a:extLst>
+              </a:ln>
+              <a:effectLst/>
+            </p:spPr>
+            <p:txBody>
+              <a:bodyPr lIns="0" rIns="0" rtlCol="0" anchor="t" anchorCtr="0"/>
+              <a:lstStyle/>
+              <a:p>
+                <a:pPr marL="0" marR="0" lvl="0" indent="0" defTabSz="685748" eaLnBrk="1" fontAlgn="auto" latinLnBrk="0" hangingPunct="1">
+                  <a:lnSpc>
+                    <a:spcPct val="100000"/>
+                  </a:lnSpc>
+                  <a:spcBef>
+                    <a:spcPts val="0"/>
+                  </a:spcBef>
+                  <a:spcAft>
+                    <a:spcPts val="0"/>
+                  </a:spcAft>
+                  <a:buClrTx/>
+                  <a:buSzTx/>
+                  <a:buFontTx/>
+                  <a:buNone/>
+                  <a:tabLst/>
+                  <a:defRPr/>
+                </a:pPr>
+                <a:endParaRPr kumimoji="0" lang="en-US" sz="1050" b="1" i="0" u="none" strike="noStrike" kern="0" cap="none" spc="0" normalizeH="0" baseline="0" noProof="0">
+                  <a:ln>
+                    <a:noFill/>
+                  </a:ln>
+                  <a:solidFill>
+                    <a:srgbClr val="474749">
+                      <a:lumMod val="95000"/>
+                      <a:lumOff val="5000"/>
+                    </a:srgbClr>
+                  </a:solidFill>
+                  <a:effectLst/>
+                  <a:uLnTx/>
+                  <a:uFillTx/>
+                  <a:latin typeface="Arial" panose="020B0604020202020204"/>
+                  <a:ea typeface="+mn-ea"/>
+                  <a:cs typeface="+mn-cs"/>
+                </a:endParaRPr>
+              </a:p>
+            </p:txBody>
+          </p:sp>
+          <p:sp>
+            <p:nvSpPr>
+              <p:cNvPr id="32" name="Alternate Process 31">
+                <a:extLst>
+                  <a:ext uri="{FF2B5EF4-FFF2-40B4-BE49-F238E27FC236}">
+                    <a16:creationId xmlns:a16="http://schemas.microsoft.com/office/drawing/2014/main" id="{475AE6B7-C6E7-CB87-B861-7FCBBAC5CEE7}"/>
+                  </a:ext>
+                </a:extLst>
+              </p:cNvPr>
+              <p:cNvSpPr/>
+              <p:nvPr/>
+            </p:nvSpPr>
+            <p:spPr>
+              <a:xfrm>
+                <a:off x="1199856" y="2055347"/>
+                <a:ext cx="2473277" cy="1975577"/>
+              </a:xfrm>
+              <a:prstGeom prst="flowChartAlternateProcess">
+                <a:avLst/>
+              </a:prstGeom>
+              <a:solidFill>
+                <a:srgbClr val="ED7D31"/>
+              </a:solidFill>
+              <a:ln w="12700" cap="flat" cmpd="sng" algn="ctr">
+                <a:solidFill>
+                  <a:srgbClr val="DFD5A9">
+                    <a:shade val="50000"/>
+                  </a:srgbClr>
+                </a:solidFill>
+                <a:prstDash val="solid"/>
+                <a:miter lim="800000"/>
+              </a:ln>
+              <a:effectLst/>
+            </p:spPr>
+            <p:txBody>
+              <a:bodyPr lIns="0" rIns="0" rtlCol="0" anchor="t" anchorCtr="0"/>
+              <a:lstStyle/>
+              <a:p>
+                <a:pPr marL="0" marR="0" lvl="0" indent="0" algn="ctr" defTabSz="685748" eaLnBrk="1" fontAlgn="auto" latinLnBrk="0" hangingPunct="1">
+                  <a:lnSpc>
+                    <a:spcPct val="100000"/>
+                  </a:lnSpc>
+                  <a:spcBef>
+                    <a:spcPts val="0"/>
+                  </a:spcBef>
+                  <a:spcAft>
+                    <a:spcPts val="0"/>
+                  </a:spcAft>
+                  <a:buClrTx/>
+                  <a:buSzTx/>
+                  <a:buFontTx/>
+                  <a:buNone/>
+                  <a:tabLst/>
+                  <a:defRPr/>
+                </a:pPr>
+                <a:r>
+                  <a:rPr kumimoji="0" lang="en-US" sz="1050" b="1" i="0" u="none" strike="noStrike" kern="0" cap="none" spc="0" normalizeH="0" baseline="0" noProof="0">
+                    <a:ln>
+                      <a:noFill/>
+                    </a:ln>
+                    <a:solidFill>
+                      <a:srgbClr val="474749">
+                        <a:lumMod val="95000"/>
+                        <a:lumOff val="5000"/>
+                      </a:srgbClr>
+                    </a:solidFill>
+                    <a:effectLst/>
+                    <a:uLnTx/>
+                    <a:uFillTx/>
+                    <a:latin typeface="Arial" panose="020B0604020202020204"/>
+                    <a:ea typeface="+mn-ea"/>
+                    <a:cs typeface="+mn-cs"/>
+                  </a:rPr>
+                  <a:t>Good Faith Estimate (GFE)</a:t>
+                </a:r>
+              </a:p>
+              <a:p>
+                <a:pPr marL="0" marR="0" lvl="0" indent="0" algn="ctr" defTabSz="685748" eaLnBrk="1" fontAlgn="auto" latinLnBrk="0" hangingPunct="1">
+                  <a:lnSpc>
+                    <a:spcPct val="100000"/>
+                  </a:lnSpc>
+                  <a:spcBef>
+                    <a:spcPts val="0"/>
+                  </a:spcBef>
+                  <a:spcAft>
+                    <a:spcPts val="0"/>
+                  </a:spcAft>
+                  <a:buClrTx/>
+                  <a:buSzTx/>
+                  <a:buFontTx/>
+                  <a:buNone/>
+                  <a:tabLst/>
+                  <a:defRPr/>
+                </a:pPr>
+                <a:endParaRPr kumimoji="0" lang="en-US" sz="1050" b="1" i="0" u="none" strike="noStrike" kern="0" cap="none" spc="0" normalizeH="0" baseline="0" noProof="0">
+                  <a:ln>
+                    <a:noFill/>
+                  </a:ln>
+                  <a:solidFill>
+                    <a:srgbClr val="474749">
+                      <a:lumMod val="95000"/>
+                      <a:lumOff val="5000"/>
+                    </a:srgbClr>
+                  </a:solidFill>
+                  <a:effectLst/>
+                  <a:uLnTx/>
+                  <a:uFillTx/>
+                  <a:latin typeface="Arial" panose="020B0604020202020204"/>
+                  <a:ea typeface="+mn-ea"/>
+                  <a:cs typeface="+mn-cs"/>
+                </a:endParaRPr>
+              </a:p>
+              <a:p>
+                <a:pPr marL="214313" marR="0" lvl="0" indent="-214313" defTabSz="685748" eaLnBrk="1" fontAlgn="auto" latinLnBrk="0" hangingPunct="1">
+                  <a:lnSpc>
+                    <a:spcPct val="100000"/>
+                  </a:lnSpc>
+                  <a:spcBef>
+                    <a:spcPts val="0"/>
+                  </a:spcBef>
+                  <a:spcAft>
+                    <a:spcPts val="0"/>
+                  </a:spcAft>
+                  <a:buClrTx/>
+                  <a:buSzTx/>
+                  <a:buFont typeface="Arial" panose="020B0604020202020204" pitchFamily="34" charset="0"/>
+                  <a:buChar char="•"/>
+                  <a:tabLst/>
+                  <a:defRPr/>
+                </a:pPr>
+                <a:r>
+                  <a:rPr kumimoji="0" lang="en-US" sz="1050" b="1" i="0" u="none" strike="noStrike" kern="0" cap="none" spc="0" normalizeH="0" baseline="0" noProof="0">
+                    <a:ln>
+                      <a:noFill/>
+                    </a:ln>
+                    <a:solidFill>
+                      <a:srgbClr val="474749">
+                        <a:lumMod val="95000"/>
+                        <a:lumOff val="5000"/>
+                      </a:srgbClr>
+                    </a:solidFill>
+                    <a:effectLst/>
+                    <a:uLnTx/>
+                    <a:uFillTx/>
+                    <a:latin typeface="Arial" panose="020B0604020202020204"/>
+                    <a:ea typeface="+mn-ea"/>
+                    <a:cs typeface="+mn-cs"/>
+                  </a:rPr>
+                  <a:t>Estimated  Date of Service</a:t>
+                </a:r>
+              </a:p>
+              <a:p>
+                <a:pPr marL="214313" marR="0" lvl="0" indent="-214313" defTabSz="685748" eaLnBrk="1" fontAlgn="auto" latinLnBrk="0" hangingPunct="1">
+                  <a:lnSpc>
+                    <a:spcPct val="100000"/>
+                  </a:lnSpc>
+                  <a:spcBef>
+                    <a:spcPts val="0"/>
+                  </a:spcBef>
+                  <a:spcAft>
+                    <a:spcPts val="0"/>
+                  </a:spcAft>
+                  <a:buClrTx/>
+                  <a:buSzTx/>
+                  <a:buFont typeface="Arial" panose="020B0604020202020204" pitchFamily="34" charset="0"/>
+                  <a:buChar char="•"/>
+                  <a:tabLst/>
+                  <a:defRPr/>
+                </a:pPr>
+                <a:r>
+                  <a:rPr kumimoji="0" lang="en-US" sz="1050" b="1" i="0" u="none" strike="noStrike" kern="0" cap="none" spc="0" normalizeH="0" baseline="0" noProof="0">
+                    <a:ln>
+                      <a:noFill/>
+                    </a:ln>
+                    <a:solidFill>
+                      <a:srgbClr val="474749">
+                        <a:lumMod val="95000"/>
+                        <a:lumOff val="5000"/>
+                      </a:srgbClr>
+                    </a:solidFill>
+                    <a:effectLst/>
+                    <a:uLnTx/>
+                    <a:uFillTx/>
+                    <a:latin typeface="Arial" panose="020B0604020202020204"/>
+                    <a:ea typeface="+mn-ea"/>
+                    <a:cs typeface="+mn-cs"/>
+                  </a:rPr>
+                  <a:t>Diagnoses/Procedures</a:t>
+                </a:r>
+              </a:p>
+              <a:p>
+                <a:pPr marL="214313" marR="0" lvl="0" indent="-214313" defTabSz="685748" eaLnBrk="1" fontAlgn="auto" latinLnBrk="0" hangingPunct="1">
+                  <a:lnSpc>
+                    <a:spcPct val="100000"/>
+                  </a:lnSpc>
+                  <a:spcBef>
+                    <a:spcPts val="0"/>
+                  </a:spcBef>
+                  <a:spcAft>
+                    <a:spcPts val="0"/>
+                  </a:spcAft>
+                  <a:buClrTx/>
+                  <a:buSzTx/>
+                  <a:buFont typeface="Arial" panose="020B0604020202020204" pitchFamily="34" charset="0"/>
+                  <a:buChar char="•"/>
+                  <a:tabLst/>
+                  <a:defRPr/>
+                </a:pPr>
+                <a:r>
+                  <a:rPr kumimoji="0" lang="en-US" sz="1050" b="1" i="0" u="none" strike="noStrike" kern="0" cap="none" spc="0" normalizeH="0" baseline="0" noProof="0">
+                    <a:ln>
+                      <a:noFill/>
+                    </a:ln>
+                    <a:solidFill>
+                      <a:srgbClr val="474749">
+                        <a:lumMod val="95000"/>
+                        <a:lumOff val="5000"/>
+                      </a:srgbClr>
+                    </a:solidFill>
+                    <a:effectLst/>
+                    <a:uLnTx/>
+                    <a:uFillTx/>
+                    <a:latin typeface="Arial" panose="020B0604020202020204"/>
+                    <a:ea typeface="+mn-ea"/>
+                    <a:cs typeface="+mn-cs"/>
+                  </a:rPr>
+                  <a:t>Line items</a:t>
+                </a:r>
+              </a:p>
+              <a:p>
+                <a:pPr marL="557213" marR="0" lvl="1" indent="-214313" defTabSz="685748" eaLnBrk="1" fontAlgn="auto" latinLnBrk="0" hangingPunct="1">
+                  <a:lnSpc>
+                    <a:spcPct val="100000"/>
+                  </a:lnSpc>
+                  <a:spcBef>
+                    <a:spcPts val="0"/>
+                  </a:spcBef>
+                  <a:spcAft>
+                    <a:spcPts val="0"/>
+                  </a:spcAft>
+                  <a:buClrTx/>
+                  <a:buSzTx/>
+                  <a:buFont typeface="Arial" panose="020B0604020202020204" pitchFamily="34" charset="0"/>
+                  <a:buChar char="•"/>
+                  <a:tabLst/>
+                  <a:defRPr/>
+                </a:pPr>
+                <a:r>
+                  <a:rPr kumimoji="0" lang="en-US" sz="1050" b="1" i="0" u="none" strike="noStrike" kern="0" cap="none" spc="0" normalizeH="0" baseline="0" noProof="0">
+                    <a:ln>
+                      <a:noFill/>
+                    </a:ln>
+                    <a:solidFill>
+                      <a:srgbClr val="474749">
+                        <a:lumMod val="95000"/>
+                        <a:lumOff val="5000"/>
+                      </a:srgbClr>
+                    </a:solidFill>
+                    <a:effectLst/>
+                    <a:uLnTx/>
+                    <a:uFillTx/>
+                    <a:latin typeface="Arial" panose="020B0604020202020204"/>
+                    <a:ea typeface="+mn-ea"/>
+                    <a:cs typeface="+mn-cs"/>
+                  </a:rPr>
+                  <a:t>Product/Service</a:t>
+                </a:r>
+              </a:p>
+              <a:p>
+                <a:pPr marL="557213" marR="0" lvl="1" indent="-214313" defTabSz="685748" eaLnBrk="1" fontAlgn="auto" latinLnBrk="0" hangingPunct="1">
+                  <a:lnSpc>
+                    <a:spcPct val="100000"/>
+                  </a:lnSpc>
+                  <a:spcBef>
+                    <a:spcPts val="0"/>
+                  </a:spcBef>
+                  <a:spcAft>
+                    <a:spcPts val="0"/>
+                  </a:spcAft>
+                  <a:buClrTx/>
+                  <a:buSzTx/>
+                  <a:buFont typeface="Arial" panose="020B0604020202020204" pitchFamily="34" charset="0"/>
+                  <a:buChar char="•"/>
+                  <a:tabLst/>
+                  <a:defRPr/>
+                </a:pPr>
+                <a:r>
+                  <a:rPr kumimoji="0" lang="en-US" sz="1050" b="1" i="0" u="none" strike="noStrike" kern="0" cap="none" spc="0" normalizeH="0" baseline="0" noProof="0">
+                    <a:ln>
+                      <a:noFill/>
+                    </a:ln>
+                    <a:solidFill>
+                      <a:srgbClr val="474749">
+                        <a:lumMod val="95000"/>
+                        <a:lumOff val="5000"/>
+                      </a:srgbClr>
+                    </a:solidFill>
+                    <a:effectLst/>
+                    <a:uLnTx/>
+                    <a:uFillTx/>
+                    <a:latin typeface="Arial" panose="020B0604020202020204"/>
+                    <a:ea typeface="+mn-ea"/>
+                    <a:cs typeface="+mn-cs"/>
+                  </a:rPr>
+                  <a:t>Quantity/Price</a:t>
+                </a:r>
+              </a:p>
+              <a:p>
+                <a:pPr marL="214313" marR="0" lvl="0" indent="-214313" defTabSz="685748" eaLnBrk="1" fontAlgn="auto" latinLnBrk="0" hangingPunct="1">
+                  <a:lnSpc>
+                    <a:spcPct val="100000"/>
+                  </a:lnSpc>
+                  <a:spcBef>
+                    <a:spcPts val="0"/>
+                  </a:spcBef>
+                  <a:spcAft>
+                    <a:spcPts val="0"/>
+                  </a:spcAft>
+                  <a:buClrTx/>
+                  <a:buSzTx/>
+                  <a:buFont typeface="Arial" panose="020B0604020202020204" pitchFamily="34" charset="0"/>
+                  <a:buChar char="•"/>
+                  <a:tabLst/>
+                  <a:defRPr/>
+                </a:pPr>
+                <a:r>
+                  <a:rPr kumimoji="0" lang="en-US" sz="1050" b="1" i="0" u="none" strike="noStrike" kern="0" cap="none" spc="0" normalizeH="0" baseline="0" noProof="0">
+                    <a:ln>
+                      <a:noFill/>
+                    </a:ln>
+                    <a:solidFill>
+                      <a:srgbClr val="474749">
+                        <a:lumMod val="95000"/>
+                        <a:lumOff val="5000"/>
+                      </a:srgbClr>
+                    </a:solidFill>
+                    <a:effectLst/>
+                    <a:uLnTx/>
+                    <a:uFillTx/>
+                    <a:latin typeface="Arial" panose="020B0604020202020204"/>
+                    <a:ea typeface="+mn-ea"/>
+                    <a:cs typeface="+mn-cs"/>
+                  </a:rPr>
+                  <a:t>Total</a:t>
+                </a:r>
+              </a:p>
+              <a:p>
+                <a:pPr marL="214313" marR="0" lvl="0" indent="-214313" defTabSz="685748" eaLnBrk="1" fontAlgn="auto" latinLnBrk="0" hangingPunct="1">
+                  <a:lnSpc>
+                    <a:spcPct val="100000"/>
+                  </a:lnSpc>
+                  <a:spcBef>
+                    <a:spcPts val="0"/>
+                  </a:spcBef>
+                  <a:spcAft>
+                    <a:spcPts val="0"/>
+                  </a:spcAft>
+                  <a:buClrTx/>
+                  <a:buSzTx/>
+                  <a:buFont typeface="Arial" panose="020B0604020202020204" pitchFamily="34" charset="0"/>
+                  <a:buChar char="•"/>
+                  <a:tabLst/>
+                  <a:defRPr/>
+                </a:pPr>
+                <a:endParaRPr kumimoji="0" lang="en-US" sz="1050" b="1" i="0" u="none" strike="noStrike" kern="0" cap="none" spc="0" normalizeH="0" baseline="0" noProof="0">
+                  <a:ln>
+                    <a:noFill/>
+                  </a:ln>
+                  <a:solidFill>
+                    <a:srgbClr val="474749">
+                      <a:lumMod val="95000"/>
+                      <a:lumOff val="5000"/>
+                    </a:srgbClr>
+                  </a:solidFill>
+                  <a:effectLst/>
+                  <a:uLnTx/>
+                  <a:uFillTx/>
+                  <a:latin typeface="Arial" panose="020B0604020202020204"/>
+                  <a:ea typeface="+mn-ea"/>
+                  <a:cs typeface="+mn-cs"/>
+                </a:endParaRPr>
+              </a:p>
+              <a:p>
+                <a:pPr marL="214313" marR="0" lvl="0" indent="-214313" defTabSz="685748" eaLnBrk="1" fontAlgn="auto" latinLnBrk="0" hangingPunct="1">
+                  <a:lnSpc>
+                    <a:spcPct val="100000"/>
+                  </a:lnSpc>
+                  <a:spcBef>
+                    <a:spcPts val="0"/>
+                  </a:spcBef>
+                  <a:spcAft>
+                    <a:spcPts val="0"/>
+                  </a:spcAft>
+                  <a:buClrTx/>
+                  <a:buSzTx/>
+                  <a:buFont typeface="Arial" panose="020B0604020202020204" pitchFamily="34" charset="0"/>
+                  <a:buChar char="•"/>
+                  <a:tabLst/>
+                  <a:defRPr/>
+                </a:pPr>
+                <a:endParaRPr kumimoji="0" lang="en-US" sz="1050" b="1" i="0" u="none" strike="noStrike" kern="0" cap="none" spc="0" normalizeH="0" baseline="0" noProof="0">
+                  <a:ln>
+                    <a:noFill/>
+                  </a:ln>
+                  <a:solidFill>
+                    <a:srgbClr val="474749">
+                      <a:lumMod val="95000"/>
+                      <a:lumOff val="5000"/>
+                    </a:srgbClr>
+                  </a:solidFill>
+                  <a:effectLst/>
+                  <a:uLnTx/>
+                  <a:uFillTx/>
+                  <a:latin typeface="Arial" panose="020B0604020202020204"/>
+                  <a:ea typeface="+mn-ea"/>
+                  <a:cs typeface="+mn-cs"/>
+                </a:endParaRPr>
+              </a:p>
+            </p:txBody>
+          </p:sp>
+          <p:sp>
+            <p:nvSpPr>
+              <p:cNvPr id="33" name="Alternate Process 24">
+                <a:extLst>
+                  <a:ext uri="{FF2B5EF4-FFF2-40B4-BE49-F238E27FC236}">
+                    <a16:creationId xmlns:a16="http://schemas.microsoft.com/office/drawing/2014/main" id="{FBBA71F7-7C02-542E-ACD7-C49CE04568F6}"/>
+                  </a:ext>
+                </a:extLst>
+              </p:cNvPr>
+              <p:cNvSpPr/>
+              <p:nvPr/>
+            </p:nvSpPr>
+            <p:spPr>
+              <a:xfrm>
+                <a:off x="3779380" y="2227045"/>
+                <a:ext cx="1477904" cy="421278"/>
+              </a:xfrm>
+              <a:prstGeom prst="flowChartAlternateProcess">
+                <a:avLst/>
+              </a:prstGeom>
+              <a:solidFill>
+                <a:srgbClr val="DFD5A9">
+                  <a:lumMod val="75000"/>
+                </a:srgbClr>
+              </a:solidFill>
+              <a:ln w="12700" cap="flat" cmpd="sng" algn="ctr">
+                <a:solidFill>
+                  <a:srgbClr val="DFD5A9">
+                    <a:shade val="50000"/>
+                  </a:srgbClr>
+                </a:solidFill>
+                <a:prstDash val="solid"/>
+                <a:miter lim="800000"/>
+              </a:ln>
+              <a:effectLst/>
+            </p:spPr>
+            <p:txBody>
+              <a:bodyPr rtlCol="0" anchor="ctr"/>
+              <a:lstStyle/>
+              <a:p>
+                <a:pPr marL="0" marR="0" lvl="0" indent="0" algn="ctr" defTabSz="685748" eaLnBrk="1" fontAlgn="auto" latinLnBrk="0" hangingPunct="1">
+                  <a:lnSpc>
+                    <a:spcPct val="100000"/>
+                  </a:lnSpc>
+                  <a:spcBef>
+                    <a:spcPts val="0"/>
+                  </a:spcBef>
+                  <a:spcAft>
+                    <a:spcPts val="0"/>
+                  </a:spcAft>
+                  <a:buClrTx/>
+                  <a:buSzTx/>
+                  <a:buFontTx/>
+                  <a:buNone/>
+                  <a:tabLst/>
+                  <a:defRPr/>
+                </a:pPr>
+                <a:r>
+                  <a:rPr kumimoji="0" lang="en-US" sz="1050" b="0" i="0" u="none" strike="noStrike" kern="0" cap="none" spc="0" normalizeH="0" baseline="0" noProof="0">
+                    <a:ln>
+                      <a:noFill/>
+                    </a:ln>
+                    <a:solidFill>
+                      <a:prstClr val="white"/>
+                    </a:solidFill>
+                    <a:effectLst/>
+                    <a:uLnTx/>
+                    <a:uFillTx/>
+                    <a:latin typeface="Arial" panose="020B0604020202020204"/>
+                    <a:ea typeface="+mn-ea"/>
+                    <a:cs typeface="+mn-cs"/>
+                  </a:rPr>
+                  <a:t>PCT Organization (Provider)</a:t>
+                </a:r>
+              </a:p>
+            </p:txBody>
+          </p:sp>
+          <p:sp>
+            <p:nvSpPr>
+              <p:cNvPr id="42" name="Alternate Process 29">
+                <a:extLst>
+                  <a:ext uri="{FF2B5EF4-FFF2-40B4-BE49-F238E27FC236}">
+                    <a16:creationId xmlns:a16="http://schemas.microsoft.com/office/drawing/2014/main" id="{F2CB0C01-6933-9E86-7226-71E3295F67D4}"/>
+                  </a:ext>
+                </a:extLst>
+              </p:cNvPr>
+              <p:cNvSpPr/>
+              <p:nvPr/>
+            </p:nvSpPr>
+            <p:spPr>
+              <a:xfrm>
+                <a:off x="3779380" y="2734399"/>
+                <a:ext cx="1476834" cy="431075"/>
+              </a:xfrm>
+              <a:prstGeom prst="flowChartAlternateProcess">
+                <a:avLst/>
+              </a:prstGeom>
+              <a:solidFill>
+                <a:srgbClr val="DFD5A9">
+                  <a:lumMod val="75000"/>
+                </a:srgbClr>
+              </a:solidFill>
+              <a:ln w="12700" cap="flat" cmpd="sng" algn="ctr">
+                <a:solidFill>
+                  <a:srgbClr val="DFD5A9">
+                    <a:shade val="50000"/>
+                  </a:srgbClr>
+                </a:solidFill>
+                <a:prstDash val="solid"/>
+                <a:miter lim="800000"/>
+              </a:ln>
+              <a:effectLst/>
+            </p:spPr>
+            <p:txBody>
+              <a:bodyPr rtlCol="0" anchor="ctr"/>
+              <a:lstStyle/>
+              <a:p>
+                <a:pPr marL="0" marR="0" lvl="0" indent="0" algn="ctr" defTabSz="685748" eaLnBrk="1" fontAlgn="auto" latinLnBrk="0" hangingPunct="1">
+                  <a:lnSpc>
+                    <a:spcPct val="100000"/>
+                  </a:lnSpc>
+                  <a:spcBef>
+                    <a:spcPts val="0"/>
+                  </a:spcBef>
+                  <a:spcAft>
+                    <a:spcPts val="0"/>
+                  </a:spcAft>
+                  <a:buClrTx/>
+                  <a:buSzTx/>
+                  <a:buFontTx/>
+                  <a:buNone/>
+                  <a:tabLst/>
+                  <a:defRPr/>
+                </a:pPr>
+                <a:r>
+                  <a:rPr kumimoji="0" lang="en-US" sz="1050" b="0" i="0" u="none" strike="noStrike" kern="0" cap="none" spc="0" normalizeH="0" baseline="0" noProof="0">
+                    <a:ln>
+                      <a:noFill/>
+                    </a:ln>
+                    <a:solidFill>
+                      <a:prstClr val="white"/>
+                    </a:solidFill>
+                    <a:effectLst/>
+                    <a:uLnTx/>
+                    <a:uFillTx/>
+                    <a:latin typeface="Arial" panose="020B0604020202020204"/>
+                    <a:ea typeface="+mn-ea"/>
+                    <a:cs typeface="+mn-cs"/>
+                  </a:rPr>
+                  <a:t>PCT Practitioner</a:t>
+                </a:r>
+              </a:p>
+            </p:txBody>
+          </p:sp>
+        </p:grpSp>
+        <p:grpSp>
+          <p:nvGrpSpPr>
+            <p:cNvPr id="11" name="Group 10">
+              <a:extLst>
+                <a:ext uri="{FF2B5EF4-FFF2-40B4-BE49-F238E27FC236}">
+                  <a16:creationId xmlns:a16="http://schemas.microsoft.com/office/drawing/2014/main" id="{FD658384-F843-352F-9D80-4997A58E8957}"/>
+                </a:ext>
+              </a:extLst>
+            </p:cNvPr>
+            <p:cNvGrpSpPr/>
+            <p:nvPr/>
+          </p:nvGrpSpPr>
+          <p:grpSpPr>
+            <a:xfrm>
+              <a:off x="517008" y="2305033"/>
+              <a:ext cx="3666904" cy="1857494"/>
+              <a:chOff x="1053880" y="1891273"/>
+              <a:chExt cx="4337302" cy="2227479"/>
+            </a:xfrm>
+          </p:grpSpPr>
+          <p:sp>
+            <p:nvSpPr>
+              <p:cNvPr id="18" name="Alternate Process 52">
+                <a:extLst>
+                  <a:ext uri="{FF2B5EF4-FFF2-40B4-BE49-F238E27FC236}">
+                    <a16:creationId xmlns:a16="http://schemas.microsoft.com/office/drawing/2014/main" id="{73773F77-E740-BBA5-CB20-7FBDE9BFCF4B}"/>
+                  </a:ext>
+                </a:extLst>
+              </p:cNvPr>
+              <p:cNvSpPr/>
+              <p:nvPr/>
+            </p:nvSpPr>
+            <p:spPr>
+              <a:xfrm>
+                <a:off x="1053880" y="1891273"/>
+                <a:ext cx="4337302" cy="2227479"/>
+              </a:xfrm>
+              <a:prstGeom prst="flowChartAlternateProcess">
+                <a:avLst/>
+              </a:prstGeom>
+              <a:solidFill>
+                <a:srgbClr val="DFD5A9">
+                  <a:lumMod val="60000"/>
+                  <a:lumOff val="40000"/>
+                </a:srgbClr>
+              </a:solidFill>
+              <a:ln w="38100" cap="flat" cmpd="sng" algn="ctr">
+                <a:solidFill>
+                  <a:srgbClr val="DFD5A9">
+                    <a:shade val="50000"/>
+                  </a:srgbClr>
+                </a:solidFill>
+                <a:prstDash val="sysDash"/>
+                <a:miter lim="800000"/>
+                <a:extLst>
+                  <a:ext uri="{C807C97D-BFC1-408E-A445-0C87EB9F89A2}">
+                    <ask:lineSketchStyleProps xmlns:ask="http://schemas.microsoft.com/office/drawing/2018/sketchyshapes" sd="1219033472">
+                      <a:custGeom>
+                        <a:avLst/>
+                        <a:gdLst>
+                          <a:gd name="connsiteX0" fmla="*/ 0 w 4148222"/>
+                          <a:gd name="connsiteY0" fmla="*/ 312761 h 1876566"/>
+                          <a:gd name="connsiteX1" fmla="*/ 312761 w 4148222"/>
+                          <a:gd name="connsiteY1" fmla="*/ 0 h 1876566"/>
+                          <a:gd name="connsiteX2" fmla="*/ 935105 w 4148222"/>
+                          <a:gd name="connsiteY2" fmla="*/ 0 h 1876566"/>
+                          <a:gd name="connsiteX3" fmla="*/ 1416540 w 4148222"/>
+                          <a:gd name="connsiteY3" fmla="*/ 0 h 1876566"/>
+                          <a:gd name="connsiteX4" fmla="*/ 2003657 w 4148222"/>
+                          <a:gd name="connsiteY4" fmla="*/ 0 h 1876566"/>
+                          <a:gd name="connsiteX5" fmla="*/ 2520320 w 4148222"/>
+                          <a:gd name="connsiteY5" fmla="*/ 0 h 1876566"/>
+                          <a:gd name="connsiteX6" fmla="*/ 3142663 w 4148222"/>
+                          <a:gd name="connsiteY6" fmla="*/ 0 h 1876566"/>
+                          <a:gd name="connsiteX7" fmla="*/ 3835461 w 4148222"/>
+                          <a:gd name="connsiteY7" fmla="*/ 0 h 1876566"/>
+                          <a:gd name="connsiteX8" fmla="*/ 4148222 w 4148222"/>
+                          <a:gd name="connsiteY8" fmla="*/ 312761 h 1876566"/>
+                          <a:gd name="connsiteX9" fmla="*/ 4148222 w 4148222"/>
+                          <a:gd name="connsiteY9" fmla="*/ 938283 h 1876566"/>
+                          <a:gd name="connsiteX10" fmla="*/ 4148222 w 4148222"/>
+                          <a:gd name="connsiteY10" fmla="*/ 1563805 h 1876566"/>
+                          <a:gd name="connsiteX11" fmla="*/ 3835461 w 4148222"/>
+                          <a:gd name="connsiteY11" fmla="*/ 1876566 h 1876566"/>
+                          <a:gd name="connsiteX12" fmla="*/ 3177890 w 4148222"/>
+                          <a:gd name="connsiteY12" fmla="*/ 1876566 h 1876566"/>
+                          <a:gd name="connsiteX13" fmla="*/ 2661228 w 4148222"/>
+                          <a:gd name="connsiteY13" fmla="*/ 1876566 h 1876566"/>
+                          <a:gd name="connsiteX14" fmla="*/ 2179792 w 4148222"/>
+                          <a:gd name="connsiteY14" fmla="*/ 1876566 h 1876566"/>
+                          <a:gd name="connsiteX15" fmla="*/ 1663129 w 4148222"/>
+                          <a:gd name="connsiteY15" fmla="*/ 1876566 h 1876566"/>
+                          <a:gd name="connsiteX16" fmla="*/ 1111240 w 4148222"/>
+                          <a:gd name="connsiteY16" fmla="*/ 1876566 h 1876566"/>
+                          <a:gd name="connsiteX17" fmla="*/ 312761 w 4148222"/>
+                          <a:gd name="connsiteY17" fmla="*/ 1876566 h 1876566"/>
+                          <a:gd name="connsiteX18" fmla="*/ 0 w 4148222"/>
+                          <a:gd name="connsiteY18" fmla="*/ 1563805 h 1876566"/>
+                          <a:gd name="connsiteX19" fmla="*/ 0 w 4148222"/>
+                          <a:gd name="connsiteY19" fmla="*/ 913262 h 1876566"/>
+                          <a:gd name="connsiteX20" fmla="*/ 0 w 4148222"/>
+                          <a:gd name="connsiteY20" fmla="*/ 312761 h 1876566"/>
+                        </a:gdLst>
+                        <a:ahLst/>
+                        <a:cxnLst>
+                          <a:cxn ang="0">
+                            <a:pos x="connsiteX0" y="connsiteY0"/>
+                          </a:cxn>
+                          <a:cxn ang="0">
+                            <a:pos x="connsiteX1" y="connsiteY1"/>
+                          </a:cxn>
+                          <a:cxn ang="0">
+                            <a:pos x="connsiteX2" y="connsiteY2"/>
+                          </a:cxn>
+                          <a:cxn ang="0">
+                            <a:pos x="connsiteX3" y="connsiteY3"/>
+                          </a:cxn>
+                          <a:cxn ang="0">
+                            <a:pos x="connsiteX4" y="connsiteY4"/>
+                          </a:cxn>
+                          <a:cxn ang="0">
+                            <a:pos x="connsiteX5" y="connsiteY5"/>
+                          </a:cxn>
+                          <a:cxn ang="0">
+                            <a:pos x="connsiteX6" y="connsiteY6"/>
+                          </a:cxn>
+                          <a:cxn ang="0">
+                            <a:pos x="connsiteX7" y="connsiteY7"/>
+                          </a:cxn>
+                          <a:cxn ang="0">
+                            <a:pos x="connsiteX8" y="connsiteY8"/>
+                          </a:cxn>
+                          <a:cxn ang="0">
+                            <a:pos x="connsiteX9" y="connsiteY9"/>
+                          </a:cxn>
+                          <a:cxn ang="0">
+                            <a:pos x="connsiteX10" y="connsiteY10"/>
+                          </a:cxn>
+                          <a:cxn ang="0">
+                            <a:pos x="connsiteX11" y="connsiteY11"/>
+                          </a:cxn>
+                          <a:cxn ang="0">
+                            <a:pos x="connsiteX12" y="connsiteY12"/>
+                          </a:cxn>
+                          <a:cxn ang="0">
+                            <a:pos x="connsiteX13" y="connsiteY13"/>
+                          </a:cxn>
+                          <a:cxn ang="0">
+                            <a:pos x="connsiteX14" y="connsiteY14"/>
+                          </a:cxn>
+                          <a:cxn ang="0">
+                            <a:pos x="connsiteX15" y="connsiteY15"/>
+                          </a:cxn>
+                          <a:cxn ang="0">
+                            <a:pos x="connsiteX16" y="connsiteY16"/>
+                          </a:cxn>
+                          <a:cxn ang="0">
+                            <a:pos x="connsiteX17" y="connsiteY17"/>
+                          </a:cxn>
+                          <a:cxn ang="0">
+                            <a:pos x="connsiteX18" y="connsiteY18"/>
+                          </a:cxn>
+                          <a:cxn ang="0">
+                            <a:pos x="connsiteX19" y="connsiteY19"/>
+                          </a:cxn>
+                          <a:cxn ang="0">
+                            <a:pos x="connsiteX20" y="connsiteY20"/>
+                          </a:cxn>
+                        </a:cxnLst>
+                        <a:rect l="l" t="t" r="r" b="b"/>
+                        <a:pathLst>
+                          <a:path w="4148222" h="1876566" fill="none" extrusionOk="0">
+                            <a:moveTo>
+                              <a:pt x="0" y="312761"/>
+                            </a:moveTo>
+                            <a:cubicBezTo>
+                              <a:pt x="5447" y="150812"/>
+                              <a:pt x="121583" y="9727"/>
+                              <a:pt x="312761" y="0"/>
+                            </a:cubicBezTo>
+                            <a:cubicBezTo>
+                              <a:pt x="515762" y="19403"/>
+                              <a:pt x="675124" y="17524"/>
+                              <a:pt x="935105" y="0"/>
+                            </a:cubicBezTo>
+                            <a:cubicBezTo>
+                              <a:pt x="1195086" y="-17524"/>
+                              <a:pt x="1251901" y="13555"/>
+                              <a:pt x="1416540" y="0"/>
+                            </a:cubicBezTo>
+                            <a:cubicBezTo>
+                              <a:pt x="1581179" y="-13555"/>
+                              <a:pt x="1827054" y="-19825"/>
+                              <a:pt x="2003657" y="0"/>
+                            </a:cubicBezTo>
+                            <a:cubicBezTo>
+                              <a:pt x="2180260" y="19825"/>
+                              <a:pt x="2401760" y="-5134"/>
+                              <a:pt x="2520320" y="0"/>
+                            </a:cubicBezTo>
+                            <a:cubicBezTo>
+                              <a:pt x="2638880" y="5134"/>
+                              <a:pt x="2930791" y="-30835"/>
+                              <a:pt x="3142663" y="0"/>
+                            </a:cubicBezTo>
+                            <a:cubicBezTo>
+                              <a:pt x="3354535" y="30835"/>
+                              <a:pt x="3634367" y="-17717"/>
+                              <a:pt x="3835461" y="0"/>
+                            </a:cubicBezTo>
+                            <a:cubicBezTo>
+                              <a:pt x="3996621" y="36082"/>
+                              <a:pt x="4143611" y="125506"/>
+                              <a:pt x="4148222" y="312761"/>
+                            </a:cubicBezTo>
+                            <a:cubicBezTo>
+                              <a:pt x="4123832" y="532411"/>
+                              <a:pt x="4150959" y="723092"/>
+                              <a:pt x="4148222" y="938283"/>
+                            </a:cubicBezTo>
+                            <a:cubicBezTo>
+                              <a:pt x="4145485" y="1153474"/>
+                              <a:pt x="4130315" y="1328415"/>
+                              <a:pt x="4148222" y="1563805"/>
+                            </a:cubicBezTo>
+                            <a:cubicBezTo>
+                              <a:pt x="4140559" y="1740835"/>
+                              <a:pt x="4018425" y="1904287"/>
+                              <a:pt x="3835461" y="1876566"/>
+                            </a:cubicBezTo>
+                            <a:cubicBezTo>
+                              <a:pt x="3692839" y="1878403"/>
+                              <a:pt x="3500945" y="1908911"/>
+                              <a:pt x="3177890" y="1876566"/>
+                            </a:cubicBezTo>
+                            <a:cubicBezTo>
+                              <a:pt x="2854835" y="1844221"/>
+                              <a:pt x="2873635" y="1850766"/>
+                              <a:pt x="2661228" y="1876566"/>
+                            </a:cubicBezTo>
+                            <a:cubicBezTo>
+                              <a:pt x="2448821" y="1902366"/>
+                              <a:pt x="2335782" y="1853617"/>
+                              <a:pt x="2179792" y="1876566"/>
+                            </a:cubicBezTo>
+                            <a:cubicBezTo>
+                              <a:pt x="2023802" y="1899515"/>
+                              <a:pt x="1916795" y="1901333"/>
+                              <a:pt x="1663129" y="1876566"/>
+                            </a:cubicBezTo>
+                            <a:cubicBezTo>
+                              <a:pt x="1409463" y="1851799"/>
+                              <a:pt x="1316374" y="1879065"/>
+                              <a:pt x="1111240" y="1876566"/>
+                            </a:cubicBezTo>
+                            <a:cubicBezTo>
+                              <a:pt x="906106" y="1874067"/>
+                              <a:pt x="649230" y="1914853"/>
+                              <a:pt x="312761" y="1876566"/>
+                            </a:cubicBezTo>
+                            <a:cubicBezTo>
+                              <a:pt x="127444" y="1889058"/>
+                              <a:pt x="27462" y="1742702"/>
+                              <a:pt x="0" y="1563805"/>
+                            </a:cubicBezTo>
+                            <a:cubicBezTo>
+                              <a:pt x="23645" y="1429589"/>
+                              <a:pt x="26200" y="1122235"/>
+                              <a:pt x="0" y="913262"/>
+                            </a:cubicBezTo>
+                            <a:cubicBezTo>
+                              <a:pt x="-26200" y="704289"/>
+                              <a:pt x="-11285" y="445648"/>
+                              <a:pt x="0" y="312761"/>
+                            </a:cubicBezTo>
+                            <a:close/>
+                          </a:path>
+                          <a:path w="4148222" h="1876566" stroke="0" extrusionOk="0">
+                            <a:moveTo>
+                              <a:pt x="0" y="312761"/>
+                            </a:moveTo>
+                            <a:cubicBezTo>
+                              <a:pt x="-35672" y="118024"/>
+                              <a:pt x="118260" y="8170"/>
+                              <a:pt x="312761" y="0"/>
+                            </a:cubicBezTo>
+                            <a:cubicBezTo>
+                              <a:pt x="610023" y="-27692"/>
+                              <a:pt x="688344" y="10336"/>
+                              <a:pt x="970332" y="0"/>
+                            </a:cubicBezTo>
+                            <a:cubicBezTo>
+                              <a:pt x="1252320" y="-10336"/>
+                              <a:pt x="1406577" y="-22665"/>
+                              <a:pt x="1522221" y="0"/>
+                            </a:cubicBezTo>
+                            <a:cubicBezTo>
+                              <a:pt x="1637865" y="22665"/>
+                              <a:pt x="1930372" y="929"/>
+                              <a:pt x="2038884" y="0"/>
+                            </a:cubicBezTo>
+                            <a:cubicBezTo>
+                              <a:pt x="2147396" y="-929"/>
+                              <a:pt x="2487634" y="19222"/>
+                              <a:pt x="2661228" y="0"/>
+                            </a:cubicBezTo>
+                            <a:cubicBezTo>
+                              <a:pt x="2834822" y="-19222"/>
+                              <a:pt x="3089860" y="-24136"/>
+                              <a:pt x="3213117" y="0"/>
+                            </a:cubicBezTo>
+                            <a:cubicBezTo>
+                              <a:pt x="3336374" y="24136"/>
+                              <a:pt x="3554658" y="22469"/>
+                              <a:pt x="3835461" y="0"/>
+                            </a:cubicBezTo>
+                            <a:cubicBezTo>
+                              <a:pt x="4004524" y="-34995"/>
+                              <a:pt x="4129933" y="165445"/>
+                              <a:pt x="4148222" y="312761"/>
+                            </a:cubicBezTo>
+                            <a:cubicBezTo>
+                              <a:pt x="4121221" y="589426"/>
+                              <a:pt x="4171625" y="754499"/>
+                              <a:pt x="4148222" y="913262"/>
+                            </a:cubicBezTo>
+                            <a:cubicBezTo>
+                              <a:pt x="4124819" y="1072025"/>
+                              <a:pt x="4122801" y="1307280"/>
+                              <a:pt x="4148222" y="1563805"/>
+                            </a:cubicBezTo>
+                            <a:cubicBezTo>
+                              <a:pt x="4153448" y="1744318"/>
+                              <a:pt x="4009302" y="1888039"/>
+                              <a:pt x="3835461" y="1876566"/>
+                            </a:cubicBezTo>
+                            <a:cubicBezTo>
+                              <a:pt x="3671403" y="1891255"/>
+                              <a:pt x="3576686" y="1871103"/>
+                              <a:pt x="3354025" y="1876566"/>
+                            </a:cubicBezTo>
+                            <a:cubicBezTo>
+                              <a:pt x="3131364" y="1882029"/>
+                              <a:pt x="2916645" y="1904793"/>
+                              <a:pt x="2696455" y="1876566"/>
+                            </a:cubicBezTo>
+                            <a:cubicBezTo>
+                              <a:pt x="2476265" y="1848340"/>
+                              <a:pt x="2432046" y="1872658"/>
+                              <a:pt x="2179792" y="1876566"/>
+                            </a:cubicBezTo>
+                            <a:cubicBezTo>
+                              <a:pt x="1927538" y="1880474"/>
+                              <a:pt x="1732801" y="1902720"/>
+                              <a:pt x="1592675" y="1876566"/>
+                            </a:cubicBezTo>
+                            <a:cubicBezTo>
+                              <a:pt x="1452549" y="1850412"/>
+                              <a:pt x="1210750" y="1887462"/>
+                              <a:pt x="935105" y="1876566"/>
+                            </a:cubicBezTo>
+                            <a:cubicBezTo>
+                              <a:pt x="659460" y="1865671"/>
+                              <a:pt x="574921" y="1845724"/>
+                              <a:pt x="312761" y="1876566"/>
+                            </a:cubicBezTo>
+                            <a:cubicBezTo>
+                              <a:pt x="126796" y="1900225"/>
+                              <a:pt x="30351" y="1759091"/>
+                              <a:pt x="0" y="1563805"/>
+                            </a:cubicBezTo>
+                            <a:cubicBezTo>
+                              <a:pt x="-17858" y="1349269"/>
+                              <a:pt x="23350" y="1257755"/>
+                              <a:pt x="0" y="963304"/>
+                            </a:cubicBezTo>
+                            <a:cubicBezTo>
+                              <a:pt x="-23350" y="668853"/>
+                              <a:pt x="19740" y="621988"/>
+                              <a:pt x="0" y="312761"/>
+                            </a:cubicBezTo>
+                            <a:close/>
+                          </a:path>
+                        </a:pathLst>
+                      </a:custGeom>
+                      <ask:type>
+                        <ask:lineSketchNone/>
+                      </ask:type>
+                    </ask:lineSketchStyleProps>
+                  </a:ext>
+                </a:extLst>
+              </a:ln>
+              <a:effectLst/>
+            </p:spPr>
+            <p:txBody>
+              <a:bodyPr lIns="0" rIns="0" rtlCol="0" anchor="t" anchorCtr="0"/>
+              <a:lstStyle/>
+              <a:p>
+                <a:pPr marL="0" marR="0" lvl="0" indent="0" defTabSz="685748" eaLnBrk="1" fontAlgn="auto" latinLnBrk="0" hangingPunct="1">
+                  <a:lnSpc>
+                    <a:spcPct val="100000"/>
+                  </a:lnSpc>
+                  <a:spcBef>
+                    <a:spcPts val="0"/>
+                  </a:spcBef>
+                  <a:spcAft>
+                    <a:spcPts val="0"/>
+                  </a:spcAft>
+                  <a:buClrTx/>
+                  <a:buSzTx/>
+                  <a:buFontTx/>
+                  <a:buNone/>
+                  <a:tabLst/>
+                  <a:defRPr/>
+                </a:pPr>
+                <a:endParaRPr kumimoji="0" lang="en-US" sz="1050" b="1" i="0" u="none" strike="noStrike" kern="0" cap="none" spc="0" normalizeH="0" baseline="0" noProof="0">
+                  <a:ln>
+                    <a:noFill/>
+                  </a:ln>
+                  <a:solidFill>
+                    <a:srgbClr val="474749">
+                      <a:lumMod val="95000"/>
+                      <a:lumOff val="5000"/>
+                    </a:srgbClr>
+                  </a:solidFill>
+                  <a:effectLst/>
+                  <a:uLnTx/>
+                  <a:uFillTx/>
+                  <a:latin typeface="Arial" panose="020B0604020202020204"/>
+                  <a:ea typeface="+mn-ea"/>
+                  <a:cs typeface="+mn-cs"/>
+                </a:endParaRPr>
+              </a:p>
+            </p:txBody>
+          </p:sp>
+          <p:sp>
+            <p:nvSpPr>
+              <p:cNvPr id="19" name="Alternate Process 54">
+                <a:extLst>
+                  <a:ext uri="{FF2B5EF4-FFF2-40B4-BE49-F238E27FC236}">
+                    <a16:creationId xmlns:a16="http://schemas.microsoft.com/office/drawing/2014/main" id="{766BCED0-D656-D8E2-1891-32C0DB195450}"/>
+                  </a:ext>
+                </a:extLst>
+              </p:cNvPr>
+              <p:cNvSpPr/>
+              <p:nvPr/>
+            </p:nvSpPr>
+            <p:spPr>
+              <a:xfrm>
+                <a:off x="1199856" y="2055347"/>
+                <a:ext cx="2473277" cy="1975577"/>
+              </a:xfrm>
+              <a:prstGeom prst="flowChartAlternateProcess">
+                <a:avLst/>
+              </a:prstGeom>
+              <a:solidFill>
+                <a:srgbClr val="ED7D31"/>
+              </a:solidFill>
+              <a:ln w="12700" cap="flat" cmpd="sng" algn="ctr">
+                <a:solidFill>
+                  <a:srgbClr val="DFD5A9">
+                    <a:shade val="50000"/>
+                  </a:srgbClr>
+                </a:solidFill>
+                <a:prstDash val="solid"/>
+                <a:miter lim="800000"/>
+              </a:ln>
+              <a:effectLst/>
+            </p:spPr>
+            <p:txBody>
+              <a:bodyPr lIns="0" rIns="0" rtlCol="0" anchor="t" anchorCtr="0"/>
+              <a:lstStyle/>
+              <a:p>
+                <a:pPr marL="0" marR="0" lvl="0" indent="0" algn="ctr" defTabSz="685748" eaLnBrk="1" fontAlgn="auto" latinLnBrk="0" hangingPunct="1">
+                  <a:lnSpc>
+                    <a:spcPct val="100000"/>
+                  </a:lnSpc>
+                  <a:spcBef>
+                    <a:spcPts val="0"/>
+                  </a:spcBef>
+                  <a:spcAft>
+                    <a:spcPts val="0"/>
+                  </a:spcAft>
+                  <a:buClrTx/>
+                  <a:buSzTx/>
+                  <a:buFontTx/>
+                  <a:buNone/>
+                  <a:tabLst/>
+                  <a:defRPr/>
+                </a:pPr>
+                <a:r>
+                  <a:rPr kumimoji="0" lang="en-US" sz="1050" b="1" i="0" u="none" strike="noStrike" kern="0" cap="none" spc="0" normalizeH="0" baseline="0" noProof="0">
+                    <a:ln>
+                      <a:noFill/>
+                    </a:ln>
+                    <a:solidFill>
+                      <a:srgbClr val="474749">
+                        <a:lumMod val="95000"/>
+                        <a:lumOff val="5000"/>
+                      </a:srgbClr>
+                    </a:solidFill>
+                    <a:effectLst/>
+                    <a:uLnTx/>
+                    <a:uFillTx/>
+                    <a:latin typeface="Arial" panose="020B0604020202020204"/>
+                    <a:ea typeface="+mn-ea"/>
+                    <a:cs typeface="+mn-cs"/>
+                  </a:rPr>
+                  <a:t>Good Faith Estimate (GFE)</a:t>
+                </a:r>
+              </a:p>
+              <a:p>
+                <a:pPr marL="0" marR="0" lvl="0" indent="0" algn="ctr" defTabSz="685748" eaLnBrk="1" fontAlgn="auto" latinLnBrk="0" hangingPunct="1">
+                  <a:lnSpc>
+                    <a:spcPct val="100000"/>
+                  </a:lnSpc>
+                  <a:spcBef>
+                    <a:spcPts val="0"/>
+                  </a:spcBef>
+                  <a:spcAft>
+                    <a:spcPts val="0"/>
+                  </a:spcAft>
+                  <a:buClrTx/>
+                  <a:buSzTx/>
+                  <a:buFontTx/>
+                  <a:buNone/>
+                  <a:tabLst/>
+                  <a:defRPr/>
+                </a:pPr>
+                <a:endParaRPr kumimoji="0" lang="en-US" sz="1050" b="1" i="0" u="none" strike="noStrike" kern="0" cap="none" spc="0" normalizeH="0" baseline="0" noProof="0">
+                  <a:ln>
+                    <a:noFill/>
+                  </a:ln>
+                  <a:solidFill>
+                    <a:srgbClr val="474749">
+                      <a:lumMod val="95000"/>
+                      <a:lumOff val="5000"/>
+                    </a:srgbClr>
+                  </a:solidFill>
+                  <a:effectLst/>
+                  <a:uLnTx/>
+                  <a:uFillTx/>
+                  <a:latin typeface="Arial" panose="020B0604020202020204"/>
+                  <a:ea typeface="+mn-ea"/>
+                  <a:cs typeface="+mn-cs"/>
+                </a:endParaRPr>
+              </a:p>
+              <a:p>
+                <a:pPr marL="214313" marR="0" lvl="0" indent="-214313" defTabSz="685748" eaLnBrk="1" fontAlgn="auto" latinLnBrk="0" hangingPunct="1">
+                  <a:lnSpc>
+                    <a:spcPct val="100000"/>
+                  </a:lnSpc>
+                  <a:spcBef>
+                    <a:spcPts val="0"/>
+                  </a:spcBef>
+                  <a:spcAft>
+                    <a:spcPts val="0"/>
+                  </a:spcAft>
+                  <a:buClrTx/>
+                  <a:buSzTx/>
+                  <a:buFont typeface="Arial" panose="020B0604020202020204" pitchFamily="34" charset="0"/>
+                  <a:buChar char="•"/>
+                  <a:tabLst/>
+                  <a:defRPr/>
+                </a:pPr>
+                <a:r>
+                  <a:rPr kumimoji="0" lang="en-US" sz="1050" b="1" i="0" u="none" strike="noStrike" kern="0" cap="none" spc="0" normalizeH="0" baseline="0" noProof="0">
+                    <a:ln>
+                      <a:noFill/>
+                    </a:ln>
+                    <a:solidFill>
+                      <a:srgbClr val="474749">
+                        <a:lumMod val="95000"/>
+                        <a:lumOff val="5000"/>
+                      </a:srgbClr>
+                    </a:solidFill>
+                    <a:effectLst/>
+                    <a:uLnTx/>
+                    <a:uFillTx/>
+                    <a:latin typeface="Arial" panose="020B0604020202020204"/>
+                    <a:ea typeface="+mn-ea"/>
+                    <a:cs typeface="+mn-cs"/>
+                  </a:rPr>
+                  <a:t>Estimated  Date of Service</a:t>
+                </a:r>
+              </a:p>
+              <a:p>
+                <a:pPr marL="214313" marR="0" lvl="0" indent="-214313" defTabSz="685748" eaLnBrk="1" fontAlgn="auto" latinLnBrk="0" hangingPunct="1">
+                  <a:lnSpc>
+                    <a:spcPct val="100000"/>
+                  </a:lnSpc>
+                  <a:spcBef>
+                    <a:spcPts val="0"/>
+                  </a:spcBef>
+                  <a:spcAft>
+                    <a:spcPts val="0"/>
+                  </a:spcAft>
+                  <a:buClrTx/>
+                  <a:buSzTx/>
+                  <a:buFont typeface="Arial" panose="020B0604020202020204" pitchFamily="34" charset="0"/>
+                  <a:buChar char="•"/>
+                  <a:tabLst/>
+                  <a:defRPr/>
+                </a:pPr>
+                <a:r>
+                  <a:rPr kumimoji="0" lang="en-US" sz="1050" b="1" i="0" u="none" strike="noStrike" kern="0" cap="none" spc="0" normalizeH="0" baseline="0" noProof="0">
+                    <a:ln>
+                      <a:noFill/>
+                    </a:ln>
+                    <a:solidFill>
+                      <a:srgbClr val="474749">
+                        <a:lumMod val="95000"/>
+                        <a:lumOff val="5000"/>
+                      </a:srgbClr>
+                    </a:solidFill>
+                    <a:effectLst/>
+                    <a:uLnTx/>
+                    <a:uFillTx/>
+                    <a:latin typeface="Arial" panose="020B0604020202020204"/>
+                    <a:ea typeface="+mn-ea"/>
+                    <a:cs typeface="+mn-cs"/>
+                  </a:rPr>
+                  <a:t>Diagnoses/Procedures</a:t>
+                </a:r>
+              </a:p>
+              <a:p>
+                <a:pPr marL="214313" marR="0" lvl="0" indent="-214313" defTabSz="685748" eaLnBrk="1" fontAlgn="auto" latinLnBrk="0" hangingPunct="1">
+                  <a:lnSpc>
+                    <a:spcPct val="100000"/>
+                  </a:lnSpc>
+                  <a:spcBef>
+                    <a:spcPts val="0"/>
+                  </a:spcBef>
+                  <a:spcAft>
+                    <a:spcPts val="0"/>
+                  </a:spcAft>
+                  <a:buClrTx/>
+                  <a:buSzTx/>
+                  <a:buFont typeface="Arial" panose="020B0604020202020204" pitchFamily="34" charset="0"/>
+                  <a:buChar char="•"/>
+                  <a:tabLst/>
+                  <a:defRPr/>
+                </a:pPr>
+                <a:r>
+                  <a:rPr kumimoji="0" lang="en-US" sz="1050" b="1" i="0" u="none" strike="noStrike" kern="0" cap="none" spc="0" normalizeH="0" baseline="0" noProof="0">
+                    <a:ln>
+                      <a:noFill/>
+                    </a:ln>
+                    <a:solidFill>
+                      <a:srgbClr val="474749">
+                        <a:lumMod val="95000"/>
+                        <a:lumOff val="5000"/>
+                      </a:srgbClr>
+                    </a:solidFill>
+                    <a:effectLst/>
+                    <a:uLnTx/>
+                    <a:uFillTx/>
+                    <a:latin typeface="Arial" panose="020B0604020202020204"/>
+                    <a:ea typeface="+mn-ea"/>
+                    <a:cs typeface="+mn-cs"/>
+                  </a:rPr>
+                  <a:t>Line items</a:t>
+                </a:r>
+              </a:p>
+              <a:p>
+                <a:pPr marL="557213" marR="0" lvl="1" indent="-214313" defTabSz="685748" eaLnBrk="1" fontAlgn="auto" latinLnBrk="0" hangingPunct="1">
+                  <a:lnSpc>
+                    <a:spcPct val="100000"/>
+                  </a:lnSpc>
+                  <a:spcBef>
+                    <a:spcPts val="0"/>
+                  </a:spcBef>
+                  <a:spcAft>
+                    <a:spcPts val="0"/>
+                  </a:spcAft>
+                  <a:buClrTx/>
+                  <a:buSzTx/>
+                  <a:buFont typeface="Arial" panose="020B0604020202020204" pitchFamily="34" charset="0"/>
+                  <a:buChar char="•"/>
+                  <a:tabLst/>
+                  <a:defRPr/>
+                </a:pPr>
+                <a:r>
+                  <a:rPr kumimoji="0" lang="en-US" sz="1050" b="1" i="0" u="none" strike="noStrike" kern="0" cap="none" spc="0" normalizeH="0" baseline="0" noProof="0">
+                    <a:ln>
+                      <a:noFill/>
+                    </a:ln>
+                    <a:solidFill>
+                      <a:srgbClr val="474749">
+                        <a:lumMod val="95000"/>
+                        <a:lumOff val="5000"/>
+                      </a:srgbClr>
+                    </a:solidFill>
+                    <a:effectLst/>
+                    <a:uLnTx/>
+                    <a:uFillTx/>
+                    <a:latin typeface="Arial" panose="020B0604020202020204"/>
+                    <a:ea typeface="+mn-ea"/>
+                    <a:cs typeface="+mn-cs"/>
+                  </a:rPr>
+                  <a:t>Product/Service</a:t>
+                </a:r>
+              </a:p>
+              <a:p>
+                <a:pPr marL="557213" marR="0" lvl="1" indent="-214313" defTabSz="685748" eaLnBrk="1" fontAlgn="auto" latinLnBrk="0" hangingPunct="1">
+                  <a:lnSpc>
+                    <a:spcPct val="100000"/>
+                  </a:lnSpc>
+                  <a:spcBef>
+                    <a:spcPts val="0"/>
+                  </a:spcBef>
+                  <a:spcAft>
+                    <a:spcPts val="0"/>
+                  </a:spcAft>
+                  <a:buClrTx/>
+                  <a:buSzTx/>
+                  <a:buFont typeface="Arial" panose="020B0604020202020204" pitchFamily="34" charset="0"/>
+                  <a:buChar char="•"/>
+                  <a:tabLst/>
+                  <a:defRPr/>
+                </a:pPr>
+                <a:r>
+                  <a:rPr kumimoji="0" lang="en-US" sz="1050" b="1" i="0" u="none" strike="noStrike" kern="0" cap="none" spc="0" normalizeH="0" baseline="0" noProof="0">
+                    <a:ln>
+                      <a:noFill/>
+                    </a:ln>
+                    <a:solidFill>
+                      <a:srgbClr val="474749">
+                        <a:lumMod val="95000"/>
+                        <a:lumOff val="5000"/>
+                      </a:srgbClr>
+                    </a:solidFill>
+                    <a:effectLst/>
+                    <a:uLnTx/>
+                    <a:uFillTx/>
+                    <a:latin typeface="Arial" panose="020B0604020202020204"/>
+                    <a:ea typeface="+mn-ea"/>
+                    <a:cs typeface="+mn-cs"/>
+                  </a:rPr>
+                  <a:t>Quantity/Price</a:t>
+                </a:r>
+              </a:p>
+              <a:p>
+                <a:pPr marL="214313" marR="0" lvl="0" indent="-214313" defTabSz="685748" eaLnBrk="1" fontAlgn="auto" latinLnBrk="0" hangingPunct="1">
+                  <a:lnSpc>
+                    <a:spcPct val="100000"/>
+                  </a:lnSpc>
+                  <a:spcBef>
+                    <a:spcPts val="0"/>
+                  </a:spcBef>
+                  <a:spcAft>
+                    <a:spcPts val="0"/>
+                  </a:spcAft>
+                  <a:buClrTx/>
+                  <a:buSzTx/>
+                  <a:buFont typeface="Arial" panose="020B0604020202020204" pitchFamily="34" charset="0"/>
+                  <a:buChar char="•"/>
+                  <a:tabLst/>
+                  <a:defRPr/>
+                </a:pPr>
+                <a:r>
+                  <a:rPr kumimoji="0" lang="en-US" sz="1050" b="1" i="0" u="none" strike="noStrike" kern="0" cap="none" spc="0" normalizeH="0" baseline="0" noProof="0">
+                    <a:ln>
+                      <a:noFill/>
+                    </a:ln>
+                    <a:solidFill>
+                      <a:srgbClr val="474749">
+                        <a:lumMod val="95000"/>
+                        <a:lumOff val="5000"/>
+                      </a:srgbClr>
+                    </a:solidFill>
+                    <a:effectLst/>
+                    <a:uLnTx/>
+                    <a:uFillTx/>
+                    <a:latin typeface="Arial" panose="020B0604020202020204"/>
+                    <a:ea typeface="+mn-ea"/>
+                    <a:cs typeface="+mn-cs"/>
+                  </a:rPr>
+                  <a:t>Total</a:t>
+                </a:r>
+              </a:p>
+              <a:p>
+                <a:pPr marL="214313" marR="0" lvl="0" indent="-214313" defTabSz="685748" eaLnBrk="1" fontAlgn="auto" latinLnBrk="0" hangingPunct="1">
+                  <a:lnSpc>
+                    <a:spcPct val="100000"/>
+                  </a:lnSpc>
+                  <a:spcBef>
+                    <a:spcPts val="0"/>
+                  </a:spcBef>
+                  <a:spcAft>
+                    <a:spcPts val="0"/>
+                  </a:spcAft>
+                  <a:buClrTx/>
+                  <a:buSzTx/>
+                  <a:buFont typeface="Arial" panose="020B0604020202020204" pitchFamily="34" charset="0"/>
+                  <a:buChar char="•"/>
+                  <a:tabLst/>
+                  <a:defRPr/>
+                </a:pPr>
+                <a:endParaRPr kumimoji="0" lang="en-US" sz="1050" b="1" i="0" u="none" strike="noStrike" kern="0" cap="none" spc="0" normalizeH="0" baseline="0" noProof="0">
+                  <a:ln>
+                    <a:noFill/>
+                  </a:ln>
+                  <a:solidFill>
+                    <a:srgbClr val="474749">
+                      <a:lumMod val="95000"/>
+                      <a:lumOff val="5000"/>
+                    </a:srgbClr>
+                  </a:solidFill>
+                  <a:effectLst/>
+                  <a:uLnTx/>
+                  <a:uFillTx/>
+                  <a:latin typeface="Arial" panose="020B0604020202020204"/>
+                  <a:ea typeface="+mn-ea"/>
+                  <a:cs typeface="+mn-cs"/>
+                </a:endParaRPr>
+              </a:p>
+              <a:p>
+                <a:pPr marL="214313" marR="0" lvl="0" indent="-214313" defTabSz="685748" eaLnBrk="1" fontAlgn="auto" latinLnBrk="0" hangingPunct="1">
+                  <a:lnSpc>
+                    <a:spcPct val="100000"/>
+                  </a:lnSpc>
+                  <a:spcBef>
+                    <a:spcPts val="0"/>
+                  </a:spcBef>
+                  <a:spcAft>
+                    <a:spcPts val="0"/>
+                  </a:spcAft>
+                  <a:buClrTx/>
+                  <a:buSzTx/>
+                  <a:buFont typeface="Arial" panose="020B0604020202020204" pitchFamily="34" charset="0"/>
+                  <a:buChar char="•"/>
+                  <a:tabLst/>
+                  <a:defRPr/>
+                </a:pPr>
+                <a:endParaRPr kumimoji="0" lang="en-US" sz="1050" b="1" i="0" u="none" strike="noStrike" kern="0" cap="none" spc="0" normalizeH="0" baseline="0" noProof="0">
+                  <a:ln>
+                    <a:noFill/>
+                  </a:ln>
+                  <a:solidFill>
+                    <a:srgbClr val="474749">
+                      <a:lumMod val="95000"/>
+                      <a:lumOff val="5000"/>
+                    </a:srgbClr>
+                  </a:solidFill>
+                  <a:effectLst/>
+                  <a:uLnTx/>
+                  <a:uFillTx/>
+                  <a:latin typeface="Arial" panose="020B0604020202020204"/>
+                  <a:ea typeface="+mn-ea"/>
+                  <a:cs typeface="+mn-cs"/>
+                </a:endParaRPr>
+              </a:p>
+            </p:txBody>
+          </p:sp>
+          <p:sp>
+            <p:nvSpPr>
+              <p:cNvPr id="20" name="Alternate Process 55">
+                <a:extLst>
+                  <a:ext uri="{FF2B5EF4-FFF2-40B4-BE49-F238E27FC236}">
+                    <a16:creationId xmlns:a16="http://schemas.microsoft.com/office/drawing/2014/main" id="{F9BDA3E3-C43D-F822-26C0-9CCA6CE90C79}"/>
+                  </a:ext>
+                </a:extLst>
+              </p:cNvPr>
+              <p:cNvSpPr/>
+              <p:nvPr/>
+            </p:nvSpPr>
+            <p:spPr>
+              <a:xfrm>
+                <a:off x="3779380" y="2227045"/>
+                <a:ext cx="1477904" cy="421278"/>
+              </a:xfrm>
+              <a:prstGeom prst="flowChartAlternateProcess">
+                <a:avLst/>
+              </a:prstGeom>
+              <a:solidFill>
+                <a:srgbClr val="DFD5A9">
+                  <a:lumMod val="75000"/>
+                </a:srgbClr>
+              </a:solidFill>
+              <a:ln w="12700" cap="flat" cmpd="sng" algn="ctr">
+                <a:solidFill>
+                  <a:srgbClr val="DFD5A9">
+                    <a:shade val="50000"/>
+                  </a:srgbClr>
+                </a:solidFill>
+                <a:prstDash val="solid"/>
+                <a:miter lim="800000"/>
+              </a:ln>
+              <a:effectLst/>
+            </p:spPr>
+            <p:txBody>
+              <a:bodyPr rtlCol="0" anchor="ctr"/>
+              <a:lstStyle/>
+              <a:p>
+                <a:pPr marL="0" marR="0" lvl="0" indent="0" algn="ctr" defTabSz="685748" eaLnBrk="1" fontAlgn="auto" latinLnBrk="0" hangingPunct="1">
+                  <a:lnSpc>
+                    <a:spcPct val="100000"/>
+                  </a:lnSpc>
+                  <a:spcBef>
+                    <a:spcPts val="0"/>
+                  </a:spcBef>
+                  <a:spcAft>
+                    <a:spcPts val="0"/>
+                  </a:spcAft>
+                  <a:buClrTx/>
+                  <a:buSzTx/>
+                  <a:buFontTx/>
+                  <a:buNone/>
+                  <a:tabLst/>
+                  <a:defRPr/>
+                </a:pPr>
+                <a:r>
+                  <a:rPr kumimoji="0" lang="en-US" sz="1050" b="0" i="0" u="none" strike="noStrike" kern="0" cap="none" spc="0" normalizeH="0" baseline="0" noProof="0">
+                    <a:ln>
+                      <a:noFill/>
+                    </a:ln>
+                    <a:solidFill>
+                      <a:prstClr val="white"/>
+                    </a:solidFill>
+                    <a:effectLst/>
+                    <a:uLnTx/>
+                    <a:uFillTx/>
+                    <a:latin typeface="Arial" panose="020B0604020202020204"/>
+                    <a:ea typeface="+mn-ea"/>
+                    <a:cs typeface="+mn-cs"/>
+                  </a:rPr>
+                  <a:t>PCT Organization (Provider)</a:t>
+                </a:r>
+              </a:p>
+            </p:txBody>
+          </p:sp>
+          <p:sp>
+            <p:nvSpPr>
+              <p:cNvPr id="21" name="Alternate Process 56">
+                <a:extLst>
+                  <a:ext uri="{FF2B5EF4-FFF2-40B4-BE49-F238E27FC236}">
+                    <a16:creationId xmlns:a16="http://schemas.microsoft.com/office/drawing/2014/main" id="{0BAC71F0-441B-01FC-A19E-B5D4C5EA7D54}"/>
+                  </a:ext>
+                </a:extLst>
+              </p:cNvPr>
+              <p:cNvSpPr/>
+              <p:nvPr/>
+            </p:nvSpPr>
+            <p:spPr>
+              <a:xfrm>
+                <a:off x="3779380" y="2734399"/>
+                <a:ext cx="1476834" cy="431075"/>
+              </a:xfrm>
+              <a:prstGeom prst="flowChartAlternateProcess">
+                <a:avLst/>
+              </a:prstGeom>
+              <a:solidFill>
+                <a:srgbClr val="DFD5A9">
+                  <a:lumMod val="75000"/>
+                </a:srgbClr>
+              </a:solidFill>
+              <a:ln w="12700" cap="flat" cmpd="sng" algn="ctr">
+                <a:solidFill>
+                  <a:srgbClr val="DFD5A9">
+                    <a:shade val="50000"/>
+                  </a:srgbClr>
+                </a:solidFill>
+                <a:prstDash val="solid"/>
+                <a:miter lim="800000"/>
+              </a:ln>
+              <a:effectLst/>
+            </p:spPr>
+            <p:txBody>
+              <a:bodyPr rtlCol="0" anchor="ctr"/>
+              <a:lstStyle/>
+              <a:p>
+                <a:pPr marL="0" marR="0" lvl="0" indent="0" algn="ctr" defTabSz="685748" eaLnBrk="1" fontAlgn="auto" latinLnBrk="0" hangingPunct="1">
+                  <a:lnSpc>
+                    <a:spcPct val="100000"/>
+                  </a:lnSpc>
+                  <a:spcBef>
+                    <a:spcPts val="0"/>
+                  </a:spcBef>
+                  <a:spcAft>
+                    <a:spcPts val="0"/>
+                  </a:spcAft>
+                  <a:buClrTx/>
+                  <a:buSzTx/>
+                  <a:buFontTx/>
+                  <a:buNone/>
+                  <a:tabLst/>
+                  <a:defRPr/>
+                </a:pPr>
+                <a:r>
+                  <a:rPr kumimoji="0" lang="en-US" sz="1050" b="0" i="0" u="none" strike="noStrike" kern="0" cap="none" spc="0" normalizeH="0" baseline="0" noProof="0">
+                    <a:ln>
+                      <a:noFill/>
+                    </a:ln>
+                    <a:solidFill>
+                      <a:prstClr val="white"/>
+                    </a:solidFill>
+                    <a:effectLst/>
+                    <a:uLnTx/>
+                    <a:uFillTx/>
+                    <a:latin typeface="Arial" panose="020B0604020202020204"/>
+                    <a:ea typeface="+mn-ea"/>
+                    <a:cs typeface="+mn-cs"/>
+                  </a:rPr>
+                  <a:t>PCT Practitioner</a:t>
+                </a:r>
+              </a:p>
+            </p:txBody>
+          </p:sp>
+        </p:grpSp>
+        <p:grpSp>
+          <p:nvGrpSpPr>
+            <p:cNvPr id="12" name="Group 11">
+              <a:extLst>
+                <a:ext uri="{FF2B5EF4-FFF2-40B4-BE49-F238E27FC236}">
+                  <a16:creationId xmlns:a16="http://schemas.microsoft.com/office/drawing/2014/main" id="{19975624-2BF9-F3D4-7932-EBD74C0D5A93}"/>
+                </a:ext>
+              </a:extLst>
+            </p:cNvPr>
+            <p:cNvGrpSpPr/>
+            <p:nvPr/>
+          </p:nvGrpSpPr>
+          <p:grpSpPr>
+            <a:xfrm>
+              <a:off x="631308" y="2419333"/>
+              <a:ext cx="3666904" cy="1857494"/>
+              <a:chOff x="1053880" y="1891273"/>
+              <a:chExt cx="4337302" cy="2227479"/>
+            </a:xfrm>
+          </p:grpSpPr>
+          <p:sp>
+            <p:nvSpPr>
+              <p:cNvPr id="14" name="Alternate Process 58">
+                <a:extLst>
+                  <a:ext uri="{FF2B5EF4-FFF2-40B4-BE49-F238E27FC236}">
+                    <a16:creationId xmlns:a16="http://schemas.microsoft.com/office/drawing/2014/main" id="{0F3B1687-EF19-D02B-0F59-4B8B3088E96C}"/>
+                  </a:ext>
+                </a:extLst>
+              </p:cNvPr>
+              <p:cNvSpPr/>
+              <p:nvPr/>
+            </p:nvSpPr>
+            <p:spPr>
+              <a:xfrm>
+                <a:off x="1053880" y="1891273"/>
+                <a:ext cx="4337302" cy="2227479"/>
+              </a:xfrm>
+              <a:prstGeom prst="flowChartAlternateProcess">
+                <a:avLst/>
+              </a:prstGeom>
+              <a:solidFill>
+                <a:srgbClr val="DFD5A9">
+                  <a:lumMod val="60000"/>
+                  <a:lumOff val="40000"/>
+                </a:srgbClr>
+              </a:solidFill>
+              <a:ln w="38100" cap="flat" cmpd="sng" algn="ctr">
+                <a:solidFill>
+                  <a:srgbClr val="DFD5A9">
+                    <a:shade val="50000"/>
+                  </a:srgbClr>
+                </a:solidFill>
+                <a:prstDash val="sysDash"/>
+                <a:miter lim="800000"/>
+                <a:extLst>
+                  <a:ext uri="{C807C97D-BFC1-408E-A445-0C87EB9F89A2}">
+                    <ask:lineSketchStyleProps xmlns:ask="http://schemas.microsoft.com/office/drawing/2018/sketchyshapes" sd="1219033472">
+                      <a:custGeom>
+                        <a:avLst/>
+                        <a:gdLst>
+                          <a:gd name="connsiteX0" fmla="*/ 0 w 4148222"/>
+                          <a:gd name="connsiteY0" fmla="*/ 312761 h 1876566"/>
+                          <a:gd name="connsiteX1" fmla="*/ 312761 w 4148222"/>
+                          <a:gd name="connsiteY1" fmla="*/ 0 h 1876566"/>
+                          <a:gd name="connsiteX2" fmla="*/ 935105 w 4148222"/>
+                          <a:gd name="connsiteY2" fmla="*/ 0 h 1876566"/>
+                          <a:gd name="connsiteX3" fmla="*/ 1416540 w 4148222"/>
+                          <a:gd name="connsiteY3" fmla="*/ 0 h 1876566"/>
+                          <a:gd name="connsiteX4" fmla="*/ 2003657 w 4148222"/>
+                          <a:gd name="connsiteY4" fmla="*/ 0 h 1876566"/>
+                          <a:gd name="connsiteX5" fmla="*/ 2520320 w 4148222"/>
+                          <a:gd name="connsiteY5" fmla="*/ 0 h 1876566"/>
+                          <a:gd name="connsiteX6" fmla="*/ 3142663 w 4148222"/>
+                          <a:gd name="connsiteY6" fmla="*/ 0 h 1876566"/>
+                          <a:gd name="connsiteX7" fmla="*/ 3835461 w 4148222"/>
+                          <a:gd name="connsiteY7" fmla="*/ 0 h 1876566"/>
+                          <a:gd name="connsiteX8" fmla="*/ 4148222 w 4148222"/>
+                          <a:gd name="connsiteY8" fmla="*/ 312761 h 1876566"/>
+                          <a:gd name="connsiteX9" fmla="*/ 4148222 w 4148222"/>
+                          <a:gd name="connsiteY9" fmla="*/ 938283 h 1876566"/>
+                          <a:gd name="connsiteX10" fmla="*/ 4148222 w 4148222"/>
+                          <a:gd name="connsiteY10" fmla="*/ 1563805 h 1876566"/>
+                          <a:gd name="connsiteX11" fmla="*/ 3835461 w 4148222"/>
+                          <a:gd name="connsiteY11" fmla="*/ 1876566 h 1876566"/>
+                          <a:gd name="connsiteX12" fmla="*/ 3177890 w 4148222"/>
+                          <a:gd name="connsiteY12" fmla="*/ 1876566 h 1876566"/>
+                          <a:gd name="connsiteX13" fmla="*/ 2661228 w 4148222"/>
+                          <a:gd name="connsiteY13" fmla="*/ 1876566 h 1876566"/>
+                          <a:gd name="connsiteX14" fmla="*/ 2179792 w 4148222"/>
+                          <a:gd name="connsiteY14" fmla="*/ 1876566 h 1876566"/>
+                          <a:gd name="connsiteX15" fmla="*/ 1663129 w 4148222"/>
+                          <a:gd name="connsiteY15" fmla="*/ 1876566 h 1876566"/>
+                          <a:gd name="connsiteX16" fmla="*/ 1111240 w 4148222"/>
+                          <a:gd name="connsiteY16" fmla="*/ 1876566 h 1876566"/>
+                          <a:gd name="connsiteX17" fmla="*/ 312761 w 4148222"/>
+                          <a:gd name="connsiteY17" fmla="*/ 1876566 h 1876566"/>
+                          <a:gd name="connsiteX18" fmla="*/ 0 w 4148222"/>
+                          <a:gd name="connsiteY18" fmla="*/ 1563805 h 1876566"/>
+                          <a:gd name="connsiteX19" fmla="*/ 0 w 4148222"/>
+                          <a:gd name="connsiteY19" fmla="*/ 913262 h 1876566"/>
+                          <a:gd name="connsiteX20" fmla="*/ 0 w 4148222"/>
+                          <a:gd name="connsiteY20" fmla="*/ 312761 h 1876566"/>
+                        </a:gdLst>
+                        <a:ahLst/>
+                        <a:cxnLst>
+                          <a:cxn ang="0">
+                            <a:pos x="connsiteX0" y="connsiteY0"/>
+                          </a:cxn>
+                          <a:cxn ang="0">
+                            <a:pos x="connsiteX1" y="connsiteY1"/>
+                          </a:cxn>
+                          <a:cxn ang="0">
+                            <a:pos x="connsiteX2" y="connsiteY2"/>
+                          </a:cxn>
+                          <a:cxn ang="0">
+                            <a:pos x="connsiteX3" y="connsiteY3"/>
+                          </a:cxn>
+                          <a:cxn ang="0">
+                            <a:pos x="connsiteX4" y="connsiteY4"/>
+                          </a:cxn>
+                          <a:cxn ang="0">
+                            <a:pos x="connsiteX5" y="connsiteY5"/>
+                          </a:cxn>
+                          <a:cxn ang="0">
+                            <a:pos x="connsiteX6" y="connsiteY6"/>
+                          </a:cxn>
+                          <a:cxn ang="0">
+                            <a:pos x="connsiteX7" y="connsiteY7"/>
+                          </a:cxn>
+                          <a:cxn ang="0">
+                            <a:pos x="connsiteX8" y="connsiteY8"/>
+                          </a:cxn>
+                          <a:cxn ang="0">
+                            <a:pos x="connsiteX9" y="connsiteY9"/>
+                          </a:cxn>
+                          <a:cxn ang="0">
+                            <a:pos x="connsiteX10" y="connsiteY10"/>
+                          </a:cxn>
+                          <a:cxn ang="0">
+                            <a:pos x="connsiteX11" y="connsiteY11"/>
+                          </a:cxn>
+                          <a:cxn ang="0">
+                            <a:pos x="connsiteX12" y="connsiteY12"/>
+                          </a:cxn>
+                          <a:cxn ang="0">
+                            <a:pos x="connsiteX13" y="connsiteY13"/>
+                          </a:cxn>
+                          <a:cxn ang="0">
+                            <a:pos x="connsiteX14" y="connsiteY14"/>
+                          </a:cxn>
+                          <a:cxn ang="0">
+                            <a:pos x="connsiteX15" y="connsiteY15"/>
+                          </a:cxn>
+                          <a:cxn ang="0">
+                            <a:pos x="connsiteX16" y="connsiteY16"/>
+                          </a:cxn>
+                          <a:cxn ang="0">
+                            <a:pos x="connsiteX17" y="connsiteY17"/>
+                          </a:cxn>
+                          <a:cxn ang="0">
+                            <a:pos x="connsiteX18" y="connsiteY18"/>
+                          </a:cxn>
+                          <a:cxn ang="0">
+                            <a:pos x="connsiteX19" y="connsiteY19"/>
+                          </a:cxn>
+                          <a:cxn ang="0">
+                            <a:pos x="connsiteX20" y="connsiteY20"/>
+                          </a:cxn>
+                        </a:cxnLst>
+                        <a:rect l="l" t="t" r="r" b="b"/>
+                        <a:pathLst>
+                          <a:path w="4148222" h="1876566" fill="none" extrusionOk="0">
+                            <a:moveTo>
+                              <a:pt x="0" y="312761"/>
+                            </a:moveTo>
+                            <a:cubicBezTo>
+                              <a:pt x="5447" y="150812"/>
+                              <a:pt x="121583" y="9727"/>
+                              <a:pt x="312761" y="0"/>
+                            </a:cubicBezTo>
+                            <a:cubicBezTo>
+                              <a:pt x="515762" y="19403"/>
+                              <a:pt x="675124" y="17524"/>
+                              <a:pt x="935105" y="0"/>
+                            </a:cubicBezTo>
+                            <a:cubicBezTo>
+                              <a:pt x="1195086" y="-17524"/>
+                              <a:pt x="1251901" y="13555"/>
+                              <a:pt x="1416540" y="0"/>
+                            </a:cubicBezTo>
+                            <a:cubicBezTo>
+                              <a:pt x="1581179" y="-13555"/>
+                              <a:pt x="1827054" y="-19825"/>
+                              <a:pt x="2003657" y="0"/>
+                            </a:cubicBezTo>
+                            <a:cubicBezTo>
+                              <a:pt x="2180260" y="19825"/>
+                              <a:pt x="2401760" y="-5134"/>
+                              <a:pt x="2520320" y="0"/>
+                            </a:cubicBezTo>
+                            <a:cubicBezTo>
+                              <a:pt x="2638880" y="5134"/>
+                              <a:pt x="2930791" y="-30835"/>
+                              <a:pt x="3142663" y="0"/>
+                            </a:cubicBezTo>
+                            <a:cubicBezTo>
+                              <a:pt x="3354535" y="30835"/>
+                              <a:pt x="3634367" y="-17717"/>
+                              <a:pt x="3835461" y="0"/>
+                            </a:cubicBezTo>
+                            <a:cubicBezTo>
+                              <a:pt x="3996621" y="36082"/>
+                              <a:pt x="4143611" y="125506"/>
+                              <a:pt x="4148222" y="312761"/>
+                            </a:cubicBezTo>
+                            <a:cubicBezTo>
+                              <a:pt x="4123832" y="532411"/>
+                              <a:pt x="4150959" y="723092"/>
+                              <a:pt x="4148222" y="938283"/>
+                            </a:cubicBezTo>
+                            <a:cubicBezTo>
+                              <a:pt x="4145485" y="1153474"/>
+                              <a:pt x="4130315" y="1328415"/>
+                              <a:pt x="4148222" y="1563805"/>
+                            </a:cubicBezTo>
+                            <a:cubicBezTo>
+                              <a:pt x="4140559" y="1740835"/>
+                              <a:pt x="4018425" y="1904287"/>
+                              <a:pt x="3835461" y="1876566"/>
+                            </a:cubicBezTo>
+                            <a:cubicBezTo>
+                              <a:pt x="3692839" y="1878403"/>
+                              <a:pt x="3500945" y="1908911"/>
+                              <a:pt x="3177890" y="1876566"/>
+                            </a:cubicBezTo>
+                            <a:cubicBezTo>
+                              <a:pt x="2854835" y="1844221"/>
+                              <a:pt x="2873635" y="1850766"/>
+                              <a:pt x="2661228" y="1876566"/>
+                            </a:cubicBezTo>
+                            <a:cubicBezTo>
+                              <a:pt x="2448821" y="1902366"/>
+                              <a:pt x="2335782" y="1853617"/>
+                              <a:pt x="2179792" y="1876566"/>
+                            </a:cubicBezTo>
+                            <a:cubicBezTo>
+                              <a:pt x="2023802" y="1899515"/>
+                              <a:pt x="1916795" y="1901333"/>
+                              <a:pt x="1663129" y="1876566"/>
+                            </a:cubicBezTo>
+                            <a:cubicBezTo>
+                              <a:pt x="1409463" y="1851799"/>
+                              <a:pt x="1316374" y="1879065"/>
+                              <a:pt x="1111240" y="1876566"/>
+                            </a:cubicBezTo>
+                            <a:cubicBezTo>
+                              <a:pt x="906106" y="1874067"/>
+                              <a:pt x="649230" y="1914853"/>
+                              <a:pt x="312761" y="1876566"/>
+                            </a:cubicBezTo>
+                            <a:cubicBezTo>
+                              <a:pt x="127444" y="1889058"/>
+                              <a:pt x="27462" y="1742702"/>
+                              <a:pt x="0" y="1563805"/>
+                            </a:cubicBezTo>
+                            <a:cubicBezTo>
+                              <a:pt x="23645" y="1429589"/>
+                              <a:pt x="26200" y="1122235"/>
+                              <a:pt x="0" y="913262"/>
+                            </a:cubicBezTo>
+                            <a:cubicBezTo>
+                              <a:pt x="-26200" y="704289"/>
+                              <a:pt x="-11285" y="445648"/>
+                              <a:pt x="0" y="312761"/>
+                            </a:cubicBezTo>
+                            <a:close/>
+                          </a:path>
+                          <a:path w="4148222" h="1876566" stroke="0" extrusionOk="0">
+                            <a:moveTo>
+                              <a:pt x="0" y="312761"/>
+                            </a:moveTo>
+                            <a:cubicBezTo>
+                              <a:pt x="-35672" y="118024"/>
+                              <a:pt x="118260" y="8170"/>
+                              <a:pt x="312761" y="0"/>
+                            </a:cubicBezTo>
+                            <a:cubicBezTo>
+                              <a:pt x="610023" y="-27692"/>
+                              <a:pt x="688344" y="10336"/>
+                              <a:pt x="970332" y="0"/>
+                            </a:cubicBezTo>
+                            <a:cubicBezTo>
+                              <a:pt x="1252320" y="-10336"/>
+                              <a:pt x="1406577" y="-22665"/>
+                              <a:pt x="1522221" y="0"/>
+                            </a:cubicBezTo>
+                            <a:cubicBezTo>
+                              <a:pt x="1637865" y="22665"/>
+                              <a:pt x="1930372" y="929"/>
+                              <a:pt x="2038884" y="0"/>
+                            </a:cubicBezTo>
+                            <a:cubicBezTo>
+                              <a:pt x="2147396" y="-929"/>
+                              <a:pt x="2487634" y="19222"/>
+                              <a:pt x="2661228" y="0"/>
+                            </a:cubicBezTo>
+                            <a:cubicBezTo>
+                              <a:pt x="2834822" y="-19222"/>
+                              <a:pt x="3089860" y="-24136"/>
+                              <a:pt x="3213117" y="0"/>
+                            </a:cubicBezTo>
+                            <a:cubicBezTo>
+                              <a:pt x="3336374" y="24136"/>
+                              <a:pt x="3554658" y="22469"/>
+                              <a:pt x="3835461" y="0"/>
+                            </a:cubicBezTo>
+                            <a:cubicBezTo>
+                              <a:pt x="4004524" y="-34995"/>
+                              <a:pt x="4129933" y="165445"/>
+                              <a:pt x="4148222" y="312761"/>
+                            </a:cubicBezTo>
+                            <a:cubicBezTo>
+                              <a:pt x="4121221" y="589426"/>
+                              <a:pt x="4171625" y="754499"/>
+                              <a:pt x="4148222" y="913262"/>
+                            </a:cubicBezTo>
+                            <a:cubicBezTo>
+                              <a:pt x="4124819" y="1072025"/>
+                              <a:pt x="4122801" y="1307280"/>
+                              <a:pt x="4148222" y="1563805"/>
+                            </a:cubicBezTo>
+                            <a:cubicBezTo>
+                              <a:pt x="4153448" y="1744318"/>
+                              <a:pt x="4009302" y="1888039"/>
+                              <a:pt x="3835461" y="1876566"/>
+                            </a:cubicBezTo>
+                            <a:cubicBezTo>
+                              <a:pt x="3671403" y="1891255"/>
+                              <a:pt x="3576686" y="1871103"/>
+                              <a:pt x="3354025" y="1876566"/>
+                            </a:cubicBezTo>
+                            <a:cubicBezTo>
+                              <a:pt x="3131364" y="1882029"/>
+                              <a:pt x="2916645" y="1904793"/>
+                              <a:pt x="2696455" y="1876566"/>
+                            </a:cubicBezTo>
+                            <a:cubicBezTo>
+                              <a:pt x="2476265" y="1848340"/>
+                              <a:pt x="2432046" y="1872658"/>
+                              <a:pt x="2179792" y="1876566"/>
+                            </a:cubicBezTo>
+                            <a:cubicBezTo>
+                              <a:pt x="1927538" y="1880474"/>
+                              <a:pt x="1732801" y="1902720"/>
+                              <a:pt x="1592675" y="1876566"/>
+                            </a:cubicBezTo>
+                            <a:cubicBezTo>
+                              <a:pt x="1452549" y="1850412"/>
+                              <a:pt x="1210750" y="1887462"/>
+                              <a:pt x="935105" y="1876566"/>
+                            </a:cubicBezTo>
+                            <a:cubicBezTo>
+                              <a:pt x="659460" y="1865671"/>
+                              <a:pt x="574921" y="1845724"/>
+                              <a:pt x="312761" y="1876566"/>
+                            </a:cubicBezTo>
+                            <a:cubicBezTo>
+                              <a:pt x="126796" y="1900225"/>
+                              <a:pt x="30351" y="1759091"/>
+                              <a:pt x="0" y="1563805"/>
+                            </a:cubicBezTo>
+                            <a:cubicBezTo>
+                              <a:pt x="-17858" y="1349269"/>
+                              <a:pt x="23350" y="1257755"/>
+                              <a:pt x="0" y="963304"/>
+                            </a:cubicBezTo>
+                            <a:cubicBezTo>
+                              <a:pt x="-23350" y="668853"/>
+                              <a:pt x="19740" y="621988"/>
+                              <a:pt x="0" y="312761"/>
+                            </a:cubicBezTo>
+                            <a:close/>
+                          </a:path>
+                        </a:pathLst>
+                      </a:custGeom>
+                      <ask:type>
+                        <ask:lineSketchNone/>
+                      </ask:type>
+                    </ask:lineSketchStyleProps>
+                  </a:ext>
+                </a:extLst>
+              </a:ln>
+              <a:effectLst/>
+            </p:spPr>
+            <p:txBody>
+              <a:bodyPr lIns="0" rIns="0" rtlCol="0" anchor="t" anchorCtr="0"/>
+              <a:lstStyle/>
+              <a:p>
+                <a:pPr marL="0" marR="0" lvl="0" indent="0" defTabSz="685748" eaLnBrk="1" fontAlgn="auto" latinLnBrk="0" hangingPunct="1">
+                  <a:lnSpc>
+                    <a:spcPct val="100000"/>
+                  </a:lnSpc>
+                  <a:spcBef>
+                    <a:spcPts val="0"/>
+                  </a:spcBef>
+                  <a:spcAft>
+                    <a:spcPts val="0"/>
+                  </a:spcAft>
+                  <a:buClrTx/>
+                  <a:buSzTx/>
+                  <a:buFontTx/>
+                  <a:buNone/>
+                  <a:tabLst/>
+                  <a:defRPr/>
+                </a:pPr>
+                <a:endParaRPr kumimoji="0" lang="en-US" sz="1050" b="1" i="0" u="none" strike="noStrike" kern="0" cap="none" spc="0" normalizeH="0" baseline="0" noProof="0">
+                  <a:ln>
+                    <a:noFill/>
+                  </a:ln>
+                  <a:solidFill>
+                    <a:srgbClr val="474749">
+                      <a:lumMod val="95000"/>
+                      <a:lumOff val="5000"/>
+                    </a:srgbClr>
+                  </a:solidFill>
+                  <a:effectLst/>
+                  <a:uLnTx/>
+                  <a:uFillTx/>
+                  <a:latin typeface="Arial" panose="020B0604020202020204"/>
+                  <a:ea typeface="+mn-ea"/>
+                  <a:cs typeface="+mn-cs"/>
+                </a:endParaRPr>
+              </a:p>
+            </p:txBody>
+          </p:sp>
+          <p:sp>
+            <p:nvSpPr>
+              <p:cNvPr id="15" name="Alternate Process 59">
+                <a:extLst>
+                  <a:ext uri="{FF2B5EF4-FFF2-40B4-BE49-F238E27FC236}">
+                    <a16:creationId xmlns:a16="http://schemas.microsoft.com/office/drawing/2014/main" id="{99BD69C4-6184-CC43-8B33-75D260640478}"/>
+                  </a:ext>
+                </a:extLst>
+              </p:cNvPr>
+              <p:cNvSpPr/>
+              <p:nvPr/>
+            </p:nvSpPr>
+            <p:spPr>
+              <a:xfrm>
+                <a:off x="1199856" y="2041004"/>
+                <a:ext cx="2473277" cy="1940681"/>
+              </a:xfrm>
+              <a:prstGeom prst="roundRect">
+                <a:avLst>
+                  <a:gd name="adj" fmla="val 14005"/>
+                </a:avLst>
+              </a:prstGeom>
+              <a:solidFill>
+                <a:srgbClr val="D6843C"/>
+              </a:solidFill>
+              <a:ln w="28575" cap="flat" cmpd="sng" algn="ctr">
+                <a:solidFill>
+                  <a:srgbClr val="D6843C">
+                    <a:lumMod val="75000"/>
+                  </a:srgbClr>
+                </a:solidFill>
+                <a:prstDash val="solid"/>
+                <a:miter lim="800000"/>
+              </a:ln>
+              <a:effectLst/>
+            </p:spPr>
+            <p:txBody>
+              <a:bodyPr lIns="0" rIns="0" rtlCol="0" anchor="ctr" anchorCtr="0"/>
+              <a:lstStyle/>
+              <a:p>
+                <a:pPr marL="0" marR="0" lvl="0" indent="0" algn="ctr" defTabSz="685748" eaLnBrk="1" fontAlgn="auto" latinLnBrk="0" hangingPunct="1">
+                  <a:lnSpc>
+                    <a:spcPct val="100000"/>
+                  </a:lnSpc>
+                  <a:spcBef>
+                    <a:spcPts val="0"/>
+                  </a:spcBef>
+                  <a:spcAft>
+                    <a:spcPts val="0"/>
+                  </a:spcAft>
+                  <a:buClrTx/>
+                  <a:buSzTx/>
+                  <a:buFontTx/>
+                  <a:buNone/>
+                  <a:tabLst/>
+                  <a:defRPr/>
+                </a:pPr>
+                <a:r>
+                  <a:rPr kumimoji="0" lang="en-US" sz="1050" b="1" i="0" u="none" strike="noStrike" kern="0" cap="none" spc="0" normalizeH="0" baseline="0" noProof="0" dirty="0">
+                    <a:ln>
+                      <a:noFill/>
+                    </a:ln>
+                    <a:solidFill>
+                      <a:prstClr val="white"/>
+                    </a:solidFill>
+                    <a:effectLst/>
+                    <a:uLnTx/>
+                    <a:uFillTx/>
+                    <a:latin typeface="Arial" panose="020B0604020202020204"/>
+                    <a:ea typeface="+mn-ea"/>
+                    <a:cs typeface="+mn-cs"/>
+                  </a:rPr>
+                  <a:t>Good Faith Estimate (GFE)</a:t>
+                </a:r>
+                <a:br>
+                  <a:rPr kumimoji="0" lang="en-US" sz="1050" b="1" i="0" u="none" strike="noStrike" kern="0" cap="none" spc="0" normalizeH="0" baseline="0" noProof="0" dirty="0">
+                    <a:ln>
+                      <a:noFill/>
+                    </a:ln>
+                    <a:solidFill>
+                      <a:prstClr val="white"/>
+                    </a:solidFill>
+                    <a:effectLst/>
+                    <a:uLnTx/>
+                    <a:uFillTx/>
+                    <a:latin typeface="Arial" panose="020B0604020202020204"/>
+                    <a:ea typeface="+mn-ea"/>
+                    <a:cs typeface="+mn-cs"/>
+                  </a:rPr>
+                </a:br>
+                <a:r>
+                  <a:rPr kumimoji="0" lang="en-US" sz="788" b="1" i="0" u="none" strike="noStrike" kern="0" cap="none" spc="0" normalizeH="0" baseline="0" noProof="0" dirty="0">
+                    <a:ln>
+                      <a:noFill/>
+                    </a:ln>
+                    <a:solidFill>
+                      <a:prstClr val="white"/>
+                    </a:solidFill>
+                    <a:effectLst/>
+                    <a:uLnTx/>
+                    <a:uFillTx/>
+                    <a:latin typeface="Arial" panose="020B0604020202020204"/>
+                    <a:ea typeface="+mn-ea"/>
+                    <a:cs typeface="+mn-cs"/>
+                  </a:rPr>
+                  <a:t>Claim Resource</a:t>
+                </a:r>
+              </a:p>
+              <a:p>
+                <a:pPr marL="137160" marR="0" lvl="0" indent="-137160" defTabSz="685748" eaLnBrk="1" fontAlgn="auto" latinLnBrk="0" hangingPunct="1">
+                  <a:lnSpc>
+                    <a:spcPct val="100000"/>
+                  </a:lnSpc>
+                  <a:spcBef>
+                    <a:spcPts val="900"/>
+                  </a:spcBef>
+                  <a:spcAft>
+                    <a:spcPts val="0"/>
+                  </a:spcAft>
+                  <a:buClrTx/>
+                  <a:buSzTx/>
+                  <a:buFont typeface="Arial" panose="020B0604020202020204" pitchFamily="34" charset="0"/>
+                  <a:buChar char="•"/>
+                  <a:tabLst/>
+                  <a:defRPr/>
+                </a:pPr>
+                <a:r>
+                  <a:rPr kumimoji="0" lang="en-US" sz="1050" b="1" i="0" u="none" strike="noStrike" kern="0" cap="none" spc="0" normalizeH="0" baseline="0" noProof="0" dirty="0">
+                    <a:ln>
+                      <a:noFill/>
+                    </a:ln>
+                    <a:solidFill>
+                      <a:prstClr val="white"/>
+                    </a:solidFill>
+                    <a:effectLst/>
+                    <a:uLnTx/>
+                    <a:uFillTx/>
+                    <a:latin typeface="Arial" panose="020B0604020202020204"/>
+                    <a:ea typeface="+mn-ea"/>
+                    <a:cs typeface="+mn-cs"/>
+                  </a:rPr>
+                  <a:t>Estimated Date of Service</a:t>
+                </a:r>
+              </a:p>
+              <a:p>
+                <a:pPr marL="137160" marR="0" lvl="0" indent="-137160" defTabSz="685748" eaLnBrk="1" fontAlgn="auto" latinLnBrk="0" hangingPunct="1">
+                  <a:lnSpc>
+                    <a:spcPct val="100000"/>
+                  </a:lnSpc>
+                  <a:spcBef>
+                    <a:spcPts val="225"/>
+                  </a:spcBef>
+                  <a:spcAft>
+                    <a:spcPts val="0"/>
+                  </a:spcAft>
+                  <a:buClrTx/>
+                  <a:buSzTx/>
+                  <a:buFont typeface="Arial" panose="020B0604020202020204" pitchFamily="34" charset="0"/>
+                  <a:buChar char="•"/>
+                  <a:tabLst/>
+                  <a:defRPr/>
+                </a:pPr>
+                <a:r>
+                  <a:rPr kumimoji="0" lang="en-US" sz="1050" b="1" i="0" u="none" strike="noStrike" kern="0" cap="none" spc="0" normalizeH="0" baseline="0" noProof="0" dirty="0">
+                    <a:ln>
+                      <a:noFill/>
+                    </a:ln>
+                    <a:solidFill>
+                      <a:prstClr val="white"/>
+                    </a:solidFill>
+                    <a:effectLst/>
+                    <a:uLnTx/>
+                    <a:uFillTx/>
+                    <a:latin typeface="Arial" panose="020B0604020202020204"/>
+                    <a:ea typeface="+mn-ea"/>
+                    <a:cs typeface="+mn-cs"/>
+                  </a:rPr>
+                  <a:t>Diagnoses/Procedures</a:t>
+                </a:r>
+              </a:p>
+              <a:p>
+                <a:pPr marL="137160" marR="0" lvl="0" indent="-137160" defTabSz="685748" eaLnBrk="1" fontAlgn="auto" latinLnBrk="0" hangingPunct="1">
+                  <a:lnSpc>
+                    <a:spcPct val="100000"/>
+                  </a:lnSpc>
+                  <a:spcBef>
+                    <a:spcPts val="225"/>
+                  </a:spcBef>
+                  <a:spcAft>
+                    <a:spcPts val="0"/>
+                  </a:spcAft>
+                  <a:buClrTx/>
+                  <a:buSzTx/>
+                  <a:buFont typeface="Arial" panose="020B0604020202020204" pitchFamily="34" charset="0"/>
+                  <a:buChar char="•"/>
+                  <a:tabLst/>
+                  <a:defRPr/>
+                </a:pPr>
+                <a:r>
+                  <a:rPr kumimoji="0" lang="en-US" sz="1050" b="1" i="0" u="none" strike="noStrike" kern="0" cap="none" spc="0" normalizeH="0" baseline="0" noProof="0" dirty="0">
+                    <a:ln>
+                      <a:noFill/>
+                    </a:ln>
+                    <a:solidFill>
+                      <a:prstClr val="white"/>
+                    </a:solidFill>
+                    <a:effectLst/>
+                    <a:uLnTx/>
+                    <a:uFillTx/>
+                    <a:latin typeface="Arial" panose="020B0604020202020204"/>
+                    <a:ea typeface="+mn-ea"/>
+                    <a:cs typeface="+mn-cs"/>
+                  </a:rPr>
+                  <a:t>Line items</a:t>
+                </a:r>
+              </a:p>
+              <a:p>
+                <a:pPr marL="411480" marR="0" lvl="1" indent="-137160" defTabSz="685748" eaLnBrk="1" fontAlgn="auto" latinLnBrk="0" hangingPunct="1">
+                  <a:lnSpc>
+                    <a:spcPct val="100000"/>
+                  </a:lnSpc>
+                  <a:spcBef>
+                    <a:spcPts val="225"/>
+                  </a:spcBef>
+                  <a:spcAft>
+                    <a:spcPts val="0"/>
+                  </a:spcAft>
+                  <a:buClrTx/>
+                  <a:buSzTx/>
+                  <a:buFont typeface="Arial" panose="020B0604020202020204" pitchFamily="34" charset="0"/>
+                  <a:buChar char="•"/>
+                  <a:tabLst/>
+                  <a:defRPr/>
+                </a:pPr>
+                <a:r>
+                  <a:rPr kumimoji="0" lang="en-US" sz="900" b="1" i="0" u="none" strike="noStrike" kern="0" cap="none" spc="0" normalizeH="0" baseline="0" noProof="0" dirty="0">
+                    <a:ln>
+                      <a:noFill/>
+                    </a:ln>
+                    <a:solidFill>
+                      <a:prstClr val="white"/>
+                    </a:solidFill>
+                    <a:effectLst/>
+                    <a:uLnTx/>
+                    <a:uFillTx/>
+                    <a:latin typeface="Arial" panose="020B0604020202020204"/>
+                    <a:ea typeface="+mn-ea"/>
+                    <a:cs typeface="+mn-cs"/>
+                  </a:rPr>
+                  <a:t>Product/Service</a:t>
+                </a:r>
+              </a:p>
+              <a:p>
+                <a:pPr marL="411480" marR="0" lvl="1" indent="-137160" defTabSz="685748" eaLnBrk="1" fontAlgn="auto" latinLnBrk="0" hangingPunct="1">
+                  <a:lnSpc>
+                    <a:spcPct val="100000"/>
+                  </a:lnSpc>
+                  <a:spcBef>
+                    <a:spcPts val="225"/>
+                  </a:spcBef>
+                  <a:spcAft>
+                    <a:spcPts val="0"/>
+                  </a:spcAft>
+                  <a:buClrTx/>
+                  <a:buSzTx/>
+                  <a:buFont typeface="Arial" panose="020B0604020202020204" pitchFamily="34" charset="0"/>
+                  <a:buChar char="•"/>
+                  <a:tabLst/>
+                  <a:defRPr/>
+                </a:pPr>
+                <a:r>
+                  <a:rPr kumimoji="0" lang="en-US" sz="900" b="1" i="0" u="none" strike="noStrike" kern="0" cap="none" spc="0" normalizeH="0" baseline="0" noProof="0" dirty="0">
+                    <a:ln>
+                      <a:noFill/>
+                    </a:ln>
+                    <a:solidFill>
+                      <a:prstClr val="white"/>
+                    </a:solidFill>
+                    <a:effectLst/>
+                    <a:uLnTx/>
+                    <a:uFillTx/>
+                    <a:latin typeface="Arial" panose="020B0604020202020204"/>
+                    <a:ea typeface="+mn-ea"/>
+                    <a:cs typeface="+mn-cs"/>
+                  </a:rPr>
+                  <a:t>Quantity/Price</a:t>
+                </a:r>
+              </a:p>
+              <a:p>
+                <a:pPr marL="137160" marR="0" lvl="0" indent="-137160" defTabSz="685748" eaLnBrk="1" fontAlgn="auto" latinLnBrk="0" hangingPunct="1">
+                  <a:lnSpc>
+                    <a:spcPct val="100000"/>
+                  </a:lnSpc>
+                  <a:spcBef>
+                    <a:spcPts val="225"/>
+                  </a:spcBef>
+                  <a:spcAft>
+                    <a:spcPts val="0"/>
+                  </a:spcAft>
+                  <a:buClrTx/>
+                  <a:buSzTx/>
+                  <a:buFont typeface="Arial" panose="020B0604020202020204" pitchFamily="34" charset="0"/>
+                  <a:buChar char="•"/>
+                  <a:tabLst/>
+                  <a:defRPr/>
+                </a:pPr>
+                <a:r>
+                  <a:rPr kumimoji="0" lang="en-US" sz="1050" b="1" i="0" u="none" strike="noStrike" kern="0" cap="none" spc="0" normalizeH="0" baseline="0" noProof="0" dirty="0">
+                    <a:ln>
+                      <a:noFill/>
+                    </a:ln>
+                    <a:solidFill>
+                      <a:prstClr val="white"/>
+                    </a:solidFill>
+                    <a:effectLst/>
+                    <a:uLnTx/>
+                    <a:uFillTx/>
+                    <a:latin typeface="Arial" panose="020B0604020202020204"/>
+                    <a:ea typeface="+mn-ea"/>
+                    <a:cs typeface="+mn-cs"/>
+                  </a:rPr>
+                  <a:t>Total</a:t>
+                </a:r>
+              </a:p>
+            </p:txBody>
+          </p:sp>
+          <p:sp>
+            <p:nvSpPr>
+              <p:cNvPr id="16" name="Alternate Process 60">
+                <a:extLst>
+                  <a:ext uri="{FF2B5EF4-FFF2-40B4-BE49-F238E27FC236}">
+                    <a16:creationId xmlns:a16="http://schemas.microsoft.com/office/drawing/2014/main" id="{163EDEF9-142F-770A-5869-D56B4AA0B12D}"/>
+                  </a:ext>
+                </a:extLst>
+              </p:cNvPr>
+              <p:cNvSpPr/>
+              <p:nvPr/>
+            </p:nvSpPr>
+            <p:spPr>
+              <a:xfrm>
+                <a:off x="3779380" y="2110062"/>
+                <a:ext cx="1477904" cy="538262"/>
+              </a:xfrm>
+              <a:prstGeom prst="roundRect">
+                <a:avLst/>
+              </a:prstGeom>
+              <a:solidFill>
+                <a:srgbClr val="A91F24"/>
+              </a:solidFill>
+              <a:ln w="28575" cap="flat" cmpd="sng" algn="ctr">
+                <a:solidFill>
+                  <a:srgbClr val="A91F24">
+                    <a:lumMod val="75000"/>
+                  </a:srgbClr>
+                </a:solidFill>
+                <a:prstDash val="solid"/>
+                <a:miter lim="800000"/>
+              </a:ln>
+              <a:effectLst/>
+            </p:spPr>
+            <p:txBody>
+              <a:bodyPr lIns="0" rIns="0" rtlCol="0" anchor="ctr"/>
+              <a:lstStyle/>
+              <a:p>
+                <a:pPr marL="0" marR="0" lvl="0" indent="0" algn="ctr" defTabSz="685748" eaLnBrk="1" fontAlgn="auto" latinLnBrk="0" hangingPunct="1">
+                  <a:lnSpc>
+                    <a:spcPct val="100000"/>
+                  </a:lnSpc>
+                  <a:spcBef>
+                    <a:spcPts val="0"/>
+                  </a:spcBef>
+                  <a:spcAft>
+                    <a:spcPts val="0"/>
+                  </a:spcAft>
+                  <a:buClrTx/>
+                  <a:buSzTx/>
+                  <a:buFontTx/>
+                  <a:buNone/>
+                  <a:tabLst/>
+                  <a:defRPr/>
+                </a:pPr>
+                <a:r>
+                  <a:rPr kumimoji="0" lang="en-US" sz="1050" b="1" i="0" u="none" strike="noStrike" kern="0" cap="none" spc="0" normalizeH="0" baseline="0" noProof="0">
+                    <a:ln>
+                      <a:noFill/>
+                    </a:ln>
+                    <a:solidFill>
+                      <a:prstClr val="white"/>
+                    </a:solidFill>
+                    <a:effectLst/>
+                    <a:uLnTx/>
+                    <a:uFillTx/>
+                    <a:latin typeface="Arial" panose="020B0604020202020204"/>
+                    <a:ea typeface="+mn-ea"/>
+                    <a:cs typeface="+mn-cs"/>
+                  </a:rPr>
+                  <a:t>PCT Organization (Provider)</a:t>
+                </a:r>
+              </a:p>
+            </p:txBody>
+          </p:sp>
+          <p:sp>
+            <p:nvSpPr>
+              <p:cNvPr id="17" name="Alternate Process 61">
+                <a:extLst>
+                  <a:ext uri="{FF2B5EF4-FFF2-40B4-BE49-F238E27FC236}">
+                    <a16:creationId xmlns:a16="http://schemas.microsoft.com/office/drawing/2014/main" id="{64B4B587-0920-B088-C9D5-3FDAEA3E67C8}"/>
+                  </a:ext>
+                </a:extLst>
+              </p:cNvPr>
+              <p:cNvSpPr/>
+              <p:nvPr/>
+            </p:nvSpPr>
+            <p:spPr>
+              <a:xfrm>
+                <a:off x="3779380" y="2734399"/>
+                <a:ext cx="1476834" cy="431075"/>
+              </a:xfrm>
+              <a:prstGeom prst="roundRect">
+                <a:avLst/>
+              </a:prstGeom>
+              <a:solidFill>
+                <a:srgbClr val="A91F24"/>
+              </a:solidFill>
+              <a:ln w="28575" cap="flat" cmpd="sng" algn="ctr">
+                <a:solidFill>
+                  <a:srgbClr val="A91F24">
+                    <a:lumMod val="75000"/>
+                  </a:srgbClr>
+                </a:solidFill>
+                <a:prstDash val="solid"/>
+                <a:miter lim="800000"/>
+              </a:ln>
+              <a:effectLst/>
+            </p:spPr>
+            <p:txBody>
+              <a:bodyPr rtlCol="0" anchor="ctr"/>
+              <a:lstStyle/>
+              <a:p>
+                <a:pPr marL="0" marR="0" lvl="0" indent="0" algn="ctr" defTabSz="685748" eaLnBrk="1" fontAlgn="auto" latinLnBrk="0" hangingPunct="1">
+                  <a:lnSpc>
+                    <a:spcPct val="100000"/>
+                  </a:lnSpc>
+                  <a:spcBef>
+                    <a:spcPts val="0"/>
+                  </a:spcBef>
+                  <a:spcAft>
+                    <a:spcPts val="0"/>
+                  </a:spcAft>
+                  <a:buClrTx/>
+                  <a:buSzTx/>
+                  <a:buFontTx/>
+                  <a:buNone/>
+                  <a:tabLst/>
+                  <a:defRPr/>
+                </a:pPr>
+                <a:r>
+                  <a:rPr kumimoji="0" lang="en-US" sz="1050" b="1" i="0" u="none" strike="noStrike" kern="0" cap="none" spc="0" normalizeH="0" baseline="0" noProof="0">
+                    <a:ln>
+                      <a:noFill/>
+                    </a:ln>
+                    <a:solidFill>
+                      <a:prstClr val="white"/>
+                    </a:solidFill>
+                    <a:effectLst/>
+                    <a:uLnTx/>
+                    <a:uFillTx/>
+                    <a:latin typeface="Arial" panose="020B0604020202020204"/>
+                    <a:ea typeface="+mn-ea"/>
+                    <a:cs typeface="+mn-cs"/>
+                  </a:rPr>
+                  <a:t>PCT Practitioner</a:t>
+                </a:r>
+              </a:p>
+            </p:txBody>
+          </p:sp>
+        </p:grpSp>
+      </p:grpSp>
     </p:spTree>
     <p:extLst>
       <p:ext uri="{BB962C8B-B14F-4D97-AF65-F5344CB8AC3E}">

--- a/input/images/GFE_Bundle.pptx
+++ b/input/images/GFE_Bundle.pptx
@@ -6706,6 +6706,23 @@
                     <a:latin typeface="Arial" panose="020B0604020202020204"/>
                     <a:ea typeface="+mn-ea"/>
                     <a:cs typeface="+mn-cs"/>
+                  </a:rPr>
+                </a:br>
+                <a:r>
+                  <a:rPr lang="en-US" sz="1050" b="1" kern="0" dirty="0">
+                    <a:solidFill>
+                      <a:prstClr val="white"/>
+                    </a:solidFill>
+                    <a:latin typeface="Arial" panose="020B0604020202020204"/>
+                  </a:rPr>
+                  <a:t>Institutional or Professional</a:t>
+                </a:r>
+                <a:br>
+                  <a:rPr lang="en-US" sz="1050" b="1" kern="0" dirty="0">
+                    <a:solidFill>
+                      <a:prstClr val="white"/>
+                    </a:solidFill>
+                    <a:latin typeface="Arial" panose="020B0604020202020204"/>
                   </a:rPr>
                 </a:br>
                 <a:r>
